--- a/RosieSalonDataModel.pptx
+++ b/RosieSalonDataModel.pptx
@@ -14,8 +14,8 @@
     <p:sldId id="270" r:id="rId8"/>
     <p:sldId id="262" r:id="rId9"/>
     <p:sldId id="264" r:id="rId10"/>
-    <p:sldId id="266" r:id="rId11"/>
-    <p:sldId id="268" r:id="rId12"/>
+    <p:sldId id="268" r:id="rId11"/>
+    <p:sldId id="266" r:id="rId12"/>
     <p:sldId id="271" r:id="rId13"/>
     <p:sldId id="272" r:id="rId14"/>
   </p:sldIdLst>
@@ -127,13 +127,70 @@
 <file path=ppt/revisionInfo.xml><?xml version="1.0" encoding="utf-8"?>
 <p1510:revInfo xmlns:a="http://schemas.openxmlformats.org/drawingml/2006/main" xmlns:r="http://schemas.openxmlformats.org/officeDocument/2006/relationships" xmlns:p1510="http://schemas.microsoft.com/office/powerpoint/2015/10/main">
   <p1510:revLst>
+    <p1510:client id="{5DDC8550-75C9-7266-06CE-F9C4FBAFD318}" v="132" dt="2020-02-19T21:11:17.492"/>
     <p1510:client id="{8CEFA340-F21A-F443-BE82-397BCBB9F59D}" v="29" dt="2020-02-16T13:28:09.225"/>
+    <p1510:client id="{EA1CE03C-1940-C3A5-572A-E4127202F8C0}" v="1" dt="2020-02-19T21:14:40.258"/>
   </p1510:revLst>
 </p1510:revInfo>
 </file>
 
 <file path=ppt/changesInfos/changesInfo1.xml><?xml version="1.0" encoding="utf-8"?>
 <pc:chgInfo xmlns:a="http://schemas.openxmlformats.org/drawingml/2006/main" xmlns:r="http://schemas.openxmlformats.org/officeDocument/2006/relationships" xmlns:ac="http://schemas.microsoft.com/office/drawing/2013/main/command" xmlns:pc="http://schemas.microsoft.com/office/powerpoint/2013/main/command">
+  <pc:docChgLst>
+    <pc:chgData name="Ruiz, RoseMarie A" userId="S::on2583fg@go.minnstate.edu::83e20fac-c4eb-4459-bc90-115927aae185" providerId="AD" clId="Web-{5DDC8550-75C9-7266-06CE-F9C4FBAFD318}"/>
+    <pc:docChg chg="addSld delSld modSld">
+      <pc:chgData name="Ruiz, RoseMarie A" userId="S::on2583fg@go.minnstate.edu::83e20fac-c4eb-4459-bc90-115927aae185" providerId="AD" clId="Web-{5DDC8550-75C9-7266-06CE-F9C4FBAFD318}" dt="2020-02-19T21:11:17.492" v="131" actId="1076"/>
+      <pc:docMkLst>
+        <pc:docMk/>
+      </pc:docMkLst>
+      <pc:sldChg chg="addSp delSp modSp">
+        <pc:chgData name="Ruiz, RoseMarie A" userId="S::on2583fg@go.minnstate.edu::83e20fac-c4eb-4459-bc90-115927aae185" providerId="AD" clId="Web-{5DDC8550-75C9-7266-06CE-F9C4FBAFD318}" dt="2020-02-19T21:11:17.492" v="131" actId="1076"/>
+        <pc:sldMkLst>
+          <pc:docMk/>
+          <pc:sldMk cId="109857222" sldId="256"/>
+        </pc:sldMkLst>
+        <pc:spChg chg="add del mod">
+          <ac:chgData name="Ruiz, RoseMarie A" userId="S::on2583fg@go.minnstate.edu::83e20fac-c4eb-4459-bc90-115927aae185" providerId="AD" clId="Web-{5DDC8550-75C9-7266-06CE-F9C4FBAFD318}" dt="2020-02-19T21:08:55.987" v="10"/>
+          <ac:spMkLst>
+            <pc:docMk/>
+            <pc:sldMk cId="109857222" sldId="256"/>
+            <ac:spMk id="4" creationId="{710D31F1-A13D-47D0-AF39-CA388558229E}"/>
+          </ac:spMkLst>
+        </pc:spChg>
+        <pc:spChg chg="add mod">
+          <ac:chgData name="Ruiz, RoseMarie A" userId="S::on2583fg@go.minnstate.edu::83e20fac-c4eb-4459-bc90-115927aae185" providerId="AD" clId="Web-{5DDC8550-75C9-7266-06CE-F9C4FBAFD318}" dt="2020-02-19T21:11:17.492" v="131" actId="1076"/>
+          <ac:spMkLst>
+            <pc:docMk/>
+            <pc:sldMk cId="109857222" sldId="256"/>
+            <ac:spMk id="5" creationId="{D62388EE-D876-4A55-AB94-98A4CBD1C415}"/>
+          </ac:spMkLst>
+        </pc:spChg>
+      </pc:sldChg>
+      <pc:sldChg chg="new del">
+        <pc:chgData name="Ruiz, RoseMarie A" userId="S::on2583fg@go.minnstate.edu::83e20fac-c4eb-4459-bc90-115927aae185" providerId="AD" clId="Web-{5DDC8550-75C9-7266-06CE-F9C4FBAFD318}" dt="2020-02-19T19:50:48.771" v="1"/>
+        <pc:sldMkLst>
+          <pc:docMk/>
+          <pc:sldMk cId="3519506668" sldId="273"/>
+        </pc:sldMkLst>
+      </pc:sldChg>
+    </pc:docChg>
+  </pc:docChgLst>
+  <pc:docChgLst>
+    <pc:chgData name="Ismail, Mohamed A" userId="S::wx2658xl@go.minnstate.edu::0afeb6c8-285b-4e5a-8ded-62a2f13d1ed5" providerId="AD" clId="Web-{EA1CE03C-1940-C3A5-572A-E4127202F8C0}"/>
+    <pc:docChg chg="sldOrd">
+      <pc:chgData name="Ismail, Mohamed A" userId="S::wx2658xl@go.minnstate.edu::0afeb6c8-285b-4e5a-8ded-62a2f13d1ed5" providerId="AD" clId="Web-{EA1CE03C-1940-C3A5-572A-E4127202F8C0}" dt="2020-02-19T21:14:40.258" v="0"/>
+      <pc:docMkLst>
+        <pc:docMk/>
+      </pc:docMkLst>
+      <pc:sldChg chg="ord">
+        <pc:chgData name="Ismail, Mohamed A" userId="S::wx2658xl@go.minnstate.edu::0afeb6c8-285b-4e5a-8ded-62a2f13d1ed5" providerId="AD" clId="Web-{EA1CE03C-1940-C3A5-572A-E4127202F8C0}" dt="2020-02-19T21:14:40.258" v="0"/>
+        <pc:sldMkLst>
+          <pc:docMk/>
+          <pc:sldMk cId="411085431" sldId="268"/>
+        </pc:sldMkLst>
+      </pc:sldChg>
+    </pc:docChg>
+  </pc:docChgLst>
   <pc:docChgLst>
     <pc:chgData name="Roe, Andrew L" userId="bb59b787-bfe4-4184-a53b-13a29e325f7d" providerId="ADAL" clId="{8CEFA340-F21A-F443-BE82-397BCBB9F59D}"/>
     <pc:docChg chg="undo custSel modSld">
@@ -1371,7 +1428,6 @@
               <a:rPr lang="en-US"/>
               <a:t>Click to edit Master title style</a:t>
             </a:r>
-            <a:endParaRPr lang="en-US" dirty="0"/>
           </a:p>
         </p:txBody>
       </p:sp>
@@ -1436,7 +1492,6 @@
               <a:rPr lang="en-US"/>
               <a:t>Click to edit Master subtitle style</a:t>
             </a:r>
-            <a:endParaRPr lang="en-US" dirty="0"/>
           </a:p>
         </p:txBody>
       </p:sp>
@@ -1457,7 +1512,7 @@
           <a:p>
             <a:fld id="{846CE7D5-CF57-46EF-B807-FDD0502418D4}" type="datetimeFigureOut">
               <a:rPr lang="en-US" smtClean="0"/>
-              <a:t>2/16/20</a:t>
+              <a:t>2/19/2020</a:t>
             </a:fld>
             <a:endParaRPr lang="en-US"/>
           </a:p>
@@ -1554,7 +1609,6 @@
               <a:rPr lang="en-US"/>
               <a:t>Click to edit Master title style</a:t>
             </a:r>
-            <a:endParaRPr lang="en-US" dirty="0"/>
           </a:p>
         </p:txBody>
       </p:sp>
@@ -1606,7 +1660,6 @@
               <a:rPr lang="en-US"/>
               <a:t>Fifth level</a:t>
             </a:r>
-            <a:endParaRPr lang="en-US" dirty="0"/>
           </a:p>
         </p:txBody>
       </p:sp>
@@ -1627,7 +1680,7 @@
           <a:p>
             <a:fld id="{846CE7D5-CF57-46EF-B807-FDD0502418D4}" type="datetimeFigureOut">
               <a:rPr lang="en-US" smtClean="0"/>
-              <a:t>2/16/20</a:t>
+              <a:t>2/19/2020</a:t>
             </a:fld>
             <a:endParaRPr lang="en-US"/>
           </a:p>
@@ -1729,7 +1782,6 @@
               <a:rPr lang="en-US"/>
               <a:t>Click to edit Master title style</a:t>
             </a:r>
-            <a:endParaRPr lang="en-US" dirty="0"/>
           </a:p>
         </p:txBody>
       </p:sp>
@@ -1786,7 +1838,6 @@
               <a:rPr lang="en-US"/>
               <a:t>Fifth level</a:t>
             </a:r>
-            <a:endParaRPr lang="en-US" dirty="0"/>
           </a:p>
         </p:txBody>
       </p:sp>
@@ -1807,7 +1858,7 @@
           <a:p>
             <a:fld id="{846CE7D5-CF57-46EF-B807-FDD0502418D4}" type="datetimeFigureOut">
               <a:rPr lang="en-US" smtClean="0"/>
-              <a:t>2/16/20</a:t>
+              <a:t>2/19/2020</a:t>
             </a:fld>
             <a:endParaRPr lang="en-US"/>
           </a:p>
@@ -1904,7 +1955,6 @@
               <a:rPr lang="en-US"/>
               <a:t>Click to edit Master title style</a:t>
             </a:r>
-            <a:endParaRPr lang="en-US" dirty="0"/>
           </a:p>
         </p:txBody>
       </p:sp>
@@ -1956,7 +2006,6 @@
               <a:rPr lang="en-US"/>
               <a:t>Fifth level</a:t>
             </a:r>
-            <a:endParaRPr lang="en-US" dirty="0"/>
           </a:p>
         </p:txBody>
       </p:sp>
@@ -1977,7 +2026,7 @@
           <a:p>
             <a:fld id="{846CE7D5-CF57-46EF-B807-FDD0502418D4}" type="datetimeFigureOut">
               <a:rPr lang="en-US" smtClean="0"/>
-              <a:t>2/16/20</a:t>
+              <a:t>2/19/2020</a:t>
             </a:fld>
             <a:endParaRPr lang="en-US"/>
           </a:p>
@@ -2083,7 +2132,6 @@
               <a:rPr lang="en-US"/>
               <a:t>Click to edit Master title style</a:t>
             </a:r>
-            <a:endParaRPr lang="en-US" dirty="0"/>
           </a:p>
         </p:txBody>
       </p:sp>
@@ -2223,7 +2271,7 @@
           <a:p>
             <a:fld id="{846CE7D5-CF57-46EF-B807-FDD0502418D4}" type="datetimeFigureOut">
               <a:rPr lang="en-US" smtClean="0"/>
-              <a:t>2/16/20</a:t>
+              <a:t>2/19/2020</a:t>
             </a:fld>
             <a:endParaRPr lang="en-US"/>
           </a:p>
@@ -2320,7 +2368,6 @@
               <a:rPr lang="en-US"/>
               <a:t>Click to edit Master title style</a:t>
             </a:r>
-            <a:endParaRPr lang="en-US" dirty="0"/>
           </a:p>
         </p:txBody>
       </p:sp>
@@ -2377,7 +2424,6 @@
               <a:rPr lang="en-US"/>
               <a:t>Fifth level</a:t>
             </a:r>
-            <a:endParaRPr lang="en-US" dirty="0"/>
           </a:p>
         </p:txBody>
       </p:sp>
@@ -2434,7 +2480,6 @@
               <a:rPr lang="en-US"/>
               <a:t>Fifth level</a:t>
             </a:r>
-            <a:endParaRPr lang="en-US" dirty="0"/>
           </a:p>
         </p:txBody>
       </p:sp>
@@ -2455,7 +2500,7 @@
           <a:p>
             <a:fld id="{846CE7D5-CF57-46EF-B807-FDD0502418D4}" type="datetimeFigureOut">
               <a:rPr lang="en-US" smtClean="0"/>
-              <a:t>2/16/20</a:t>
+              <a:t>2/19/2020</a:t>
             </a:fld>
             <a:endParaRPr lang="en-US"/>
           </a:p>
@@ -2557,7 +2602,6 @@
               <a:rPr lang="en-US"/>
               <a:t>Click to edit Master title style</a:t>
             </a:r>
-            <a:endParaRPr lang="en-US" dirty="0"/>
           </a:p>
         </p:txBody>
       </p:sp>
@@ -2679,7 +2723,6 @@
               <a:rPr lang="en-US"/>
               <a:t>Fifth level</a:t>
             </a:r>
-            <a:endParaRPr lang="en-US" dirty="0"/>
           </a:p>
         </p:txBody>
       </p:sp>
@@ -2801,7 +2844,6 @@
               <a:rPr lang="en-US"/>
               <a:t>Fifth level</a:t>
             </a:r>
-            <a:endParaRPr lang="en-US" dirty="0"/>
           </a:p>
         </p:txBody>
       </p:sp>
@@ -2822,7 +2864,7 @@
           <a:p>
             <a:fld id="{846CE7D5-CF57-46EF-B807-FDD0502418D4}" type="datetimeFigureOut">
               <a:rPr lang="en-US" smtClean="0"/>
-              <a:t>2/16/20</a:t>
+              <a:t>2/19/2020</a:t>
             </a:fld>
             <a:endParaRPr lang="en-US"/>
           </a:p>
@@ -2919,7 +2961,6 @@
               <a:rPr lang="en-US"/>
               <a:t>Click to edit Master title style</a:t>
             </a:r>
-            <a:endParaRPr lang="en-US" dirty="0"/>
           </a:p>
         </p:txBody>
       </p:sp>
@@ -2940,7 +2981,7 @@
           <a:p>
             <a:fld id="{846CE7D5-CF57-46EF-B807-FDD0502418D4}" type="datetimeFigureOut">
               <a:rPr lang="en-US" smtClean="0"/>
-              <a:t>2/16/20</a:t>
+              <a:t>2/19/2020</a:t>
             </a:fld>
             <a:endParaRPr lang="en-US"/>
           </a:p>
@@ -3035,7 +3076,7 @@
           <a:p>
             <a:fld id="{846CE7D5-CF57-46EF-B807-FDD0502418D4}" type="datetimeFigureOut">
               <a:rPr lang="en-US" smtClean="0"/>
-              <a:t>2/16/20</a:t>
+              <a:t>2/19/2020</a:t>
             </a:fld>
             <a:endParaRPr lang="en-US"/>
           </a:p>
@@ -3141,7 +3182,6 @@
               <a:rPr lang="en-US"/>
               <a:t>Click to edit Master title style</a:t>
             </a:r>
-            <a:endParaRPr lang="en-US" dirty="0"/>
           </a:p>
         </p:txBody>
       </p:sp>
@@ -3226,7 +3266,6 @@
               <a:rPr lang="en-US"/>
               <a:t>Fifth level</a:t>
             </a:r>
-            <a:endParaRPr lang="en-US" dirty="0"/>
           </a:p>
         </p:txBody>
       </p:sp>
@@ -3312,7 +3351,7 @@
           <a:p>
             <a:fld id="{846CE7D5-CF57-46EF-B807-FDD0502418D4}" type="datetimeFigureOut">
               <a:rPr lang="en-US" smtClean="0"/>
-              <a:t>2/16/20</a:t>
+              <a:t>2/19/2020</a:t>
             </a:fld>
             <a:endParaRPr lang="en-US"/>
           </a:p>
@@ -3418,7 +3457,6 @@
               <a:rPr lang="en-US"/>
               <a:t>Click to edit Master title style</a:t>
             </a:r>
-            <a:endParaRPr lang="en-US" dirty="0"/>
           </a:p>
         </p:txBody>
       </p:sp>
@@ -3483,7 +3521,6 @@
               <a:rPr lang="en-US"/>
               <a:t>Click icon to add picture</a:t>
             </a:r>
-            <a:endParaRPr lang="en-US" dirty="0"/>
           </a:p>
         </p:txBody>
       </p:sp>
@@ -3569,7 +3606,7 @@
           <a:p>
             <a:fld id="{846CE7D5-CF57-46EF-B807-FDD0502418D4}" type="datetimeFigureOut">
               <a:rPr lang="en-US" smtClean="0"/>
-              <a:t>2/16/20</a:t>
+              <a:t>2/19/2020</a:t>
             </a:fld>
             <a:endParaRPr lang="en-US"/>
           </a:p>
@@ -3681,7 +3718,6 @@
               <a:rPr lang="en-US"/>
               <a:t>Click to edit Master title style</a:t>
             </a:r>
-            <a:endParaRPr lang="en-US" dirty="0"/>
           </a:p>
         </p:txBody>
       </p:sp>
@@ -3743,7 +3779,6 @@
               <a:rPr lang="en-US"/>
               <a:t>Fifth level</a:t>
             </a:r>
-            <a:endParaRPr lang="en-US" dirty="0"/>
           </a:p>
         </p:txBody>
       </p:sp>
@@ -3782,7 +3817,7 @@
           <a:p>
             <a:fld id="{846CE7D5-CF57-46EF-B807-FDD0502418D4}" type="datetimeFigureOut">
               <a:rPr lang="en-US" smtClean="0"/>
-              <a:t>2/16/20</a:t>
+              <a:t>2/19/2020</a:t>
             </a:fld>
             <a:endParaRPr lang="en-US"/>
           </a:p>
@@ -4203,12 +4238,12 @@
           <a:lstStyle/>
           <a:p>
             <a:r>
-              <a:rPr lang="en-US" dirty="0">
+              <a:rPr lang="en-US">
                 <a:cs typeface="Calibri Light"/>
               </a:rPr>
               <a:t>Rosie's Salon</a:t>
             </a:r>
-            <a:endParaRPr lang="en-US" dirty="0"/>
+            <a:endParaRPr lang="en-US"/>
           </a:p>
         </p:txBody>
       </p:sp>
@@ -4230,12 +4265,70 @@
           <a:lstStyle/>
           <a:p>
             <a:r>
-              <a:rPr lang="en-US" dirty="0">
+              <a:rPr lang="en-US">
                 <a:cs typeface="Calibri"/>
               </a:rPr>
               <a:t>Data Base Model</a:t>
             </a:r>
-            <a:endParaRPr lang="en-US" dirty="0"/>
+            <a:endParaRPr lang="en-US"/>
+          </a:p>
+        </p:txBody>
+      </p:sp>
+      <p:sp>
+        <p:nvSpPr>
+          <p:cNvPr id="5" name="TextBox 4">
+            <a:extLst>
+              <a:ext uri="{FF2B5EF4-FFF2-40B4-BE49-F238E27FC236}">
+                <a16:creationId xmlns:a16="http://schemas.microsoft.com/office/drawing/2014/main" id="{D62388EE-D876-4A55-AB94-98A4CBD1C415}"/>
+              </a:ext>
+            </a:extLst>
+          </p:cNvPr>
+          <p:cNvSpPr txBox="1"/>
+          <p:nvPr/>
+        </p:nvSpPr>
+        <p:spPr>
+          <a:xfrm>
+            <a:off x="808304" y="5025711"/>
+            <a:ext cx="2743200" cy="1015663"/>
+          </a:xfrm>
+          <a:prstGeom prst="rect">
+            <a:avLst/>
+          </a:prstGeom>
+          <a:noFill/>
+        </p:spPr>
+        <p:txBody>
+          <a:bodyPr rot="0" spcFirstLastPara="0" vertOverflow="overflow" horzOverflow="overflow" vert="horz" wrap="square" lIns="91440" tIns="45720" rIns="91440" bIns="45720" numCol="1" spcCol="0" rtlCol="0" fromWordArt="0" anchor="t" anchorCtr="0" forceAA="0" compatLnSpc="1">
+            <a:prstTxWarp prst="textNoShape">
+              <a:avLst/>
+            </a:prstTxWarp>
+            <a:spAutoFit/>
+          </a:bodyPr>
+          <a:lstStyle/>
+          <a:p>
+            <a:r>
+              <a:rPr lang="en-US" sz="2000">
+                <a:cs typeface="Calibri"/>
+              </a:rPr>
+              <a:t>Andrew Roe</a:t>
+            </a:r>
+          </a:p>
+          <a:p>
+            <a:r>
+              <a:rPr lang="en-US" sz="2000">
+                <a:ea typeface="+mn-lt"/>
+                <a:cs typeface="+mn-lt"/>
+              </a:rPr>
+              <a:t>Mohamed A Ismail</a:t>
+            </a:r>
+          </a:p>
+          <a:p>
+            <a:r>
+              <a:rPr lang="en-US" sz="2000">
+                <a:ea typeface="+mn-lt"/>
+                <a:cs typeface="+mn-lt"/>
+              </a:rPr>
+              <a:t>RoseMarie Ruiz</a:t>
+            </a:r>
           </a:p>
         </p:txBody>
       </p:sp>
@@ -4302,10 +4395,1397 @@
           <a:p>
             <a:pPr algn="l"/>
             <a:r>
+              <a:rPr lang="en-US" sz="2000" err="1"/>
+              <a:t>ProductInfo</a:t>
+            </a:r>
+            <a:endParaRPr lang="en-US" sz="2000" err="1">
+              <a:cs typeface="Calibri"/>
+            </a:endParaRPr>
+          </a:p>
+        </p:txBody>
+      </p:sp>
+      <p:graphicFrame>
+        <p:nvGraphicFramePr>
+          <p:cNvPr id="4" name="Table 4">
+            <a:extLst>
+              <a:ext uri="{FF2B5EF4-FFF2-40B4-BE49-F238E27FC236}">
+                <a16:creationId xmlns:a16="http://schemas.microsoft.com/office/drawing/2014/main" id="{4DE1F847-68AC-438F-841F-12A9DEE0FD84}"/>
+              </a:ext>
+            </a:extLst>
+          </p:cNvPr>
+          <p:cNvGraphicFramePr>
+            <a:graphicFrameLocks noGrp="1"/>
+          </p:cNvGraphicFramePr>
+          <p:nvPr>
+            <p:extLst>
+              <p:ext uri="{D42A27DB-BD31-4B8C-83A1-F6EECF244321}">
+                <p14:modId xmlns:p14="http://schemas.microsoft.com/office/powerpoint/2010/main" val="51090228"/>
+              </p:ext>
+            </p:extLst>
+          </p:nvPr>
+        </p:nvGraphicFramePr>
+        <p:xfrm>
+          <a:off x="502761" y="769855"/>
+          <a:ext cx="10826877" cy="2278395"/>
+        </p:xfrm>
+        <a:graphic>
+          <a:graphicData uri="http://schemas.openxmlformats.org/drawingml/2006/table">
+            <a:tbl>
+              <a:tblPr firstRow="1" bandRow="1">
+                <a:tableStyleId>{5C22544A-7EE6-4342-B048-85BDC9FD1C3A}</a:tableStyleId>
+              </a:tblPr>
+              <a:tblGrid>
+                <a:gridCol w="996139">
+                  <a:extLst>
+                    <a:ext uri="{9D8B030D-6E8A-4147-A177-3AD203B41FA5}">
+                      <a16:colId xmlns:a16="http://schemas.microsoft.com/office/drawing/2014/main" val="594805431"/>
+                    </a:ext>
+                  </a:extLst>
+                </a:gridCol>
+                <a:gridCol w="996139">
+                  <a:extLst>
+                    <a:ext uri="{9D8B030D-6E8A-4147-A177-3AD203B41FA5}">
+                      <a16:colId xmlns:a16="http://schemas.microsoft.com/office/drawing/2014/main" val="3962709586"/>
+                    </a:ext>
+                  </a:extLst>
+                </a:gridCol>
+                <a:gridCol w="1178040">
+                  <a:extLst>
+                    <a:ext uri="{9D8B030D-6E8A-4147-A177-3AD203B41FA5}">
+                      <a16:colId xmlns:a16="http://schemas.microsoft.com/office/drawing/2014/main" val="1586197226"/>
+                    </a:ext>
+                  </a:extLst>
+                </a:gridCol>
+                <a:gridCol w="1095751">
+                  <a:extLst>
+                    <a:ext uri="{9D8B030D-6E8A-4147-A177-3AD203B41FA5}">
+                      <a16:colId xmlns:a16="http://schemas.microsoft.com/office/drawing/2014/main" val="4231956932"/>
+                    </a:ext>
+                  </a:extLst>
+                </a:gridCol>
+                <a:gridCol w="1286282">
+                  <a:extLst>
+                    <a:ext uri="{9D8B030D-6E8A-4147-A177-3AD203B41FA5}">
+                      <a16:colId xmlns:a16="http://schemas.microsoft.com/office/drawing/2014/main" val="473075503"/>
+                    </a:ext>
+                  </a:extLst>
+                </a:gridCol>
+                <a:gridCol w="1271239">
+                  <a:extLst>
+                    <a:ext uri="{9D8B030D-6E8A-4147-A177-3AD203B41FA5}">
+                      <a16:colId xmlns:a16="http://schemas.microsoft.com/office/drawing/2014/main" val="1624473731"/>
+                    </a:ext>
+                  </a:extLst>
+                </a:gridCol>
+                <a:gridCol w="1072170">
+                  <a:extLst>
+                    <a:ext uri="{9D8B030D-6E8A-4147-A177-3AD203B41FA5}">
+                      <a16:colId xmlns:a16="http://schemas.microsoft.com/office/drawing/2014/main" val="3498612233"/>
+                    </a:ext>
+                  </a:extLst>
+                </a:gridCol>
+                <a:gridCol w="1352403">
+                  <a:extLst>
+                    <a:ext uri="{9D8B030D-6E8A-4147-A177-3AD203B41FA5}">
+                      <a16:colId xmlns:a16="http://schemas.microsoft.com/office/drawing/2014/main" val="3131314078"/>
+                    </a:ext>
+                  </a:extLst>
+                </a:gridCol>
+                <a:gridCol w="1578714">
+                  <a:extLst>
+                    <a:ext uri="{9D8B030D-6E8A-4147-A177-3AD203B41FA5}">
+                      <a16:colId xmlns:a16="http://schemas.microsoft.com/office/drawing/2014/main" val="3066658180"/>
+                    </a:ext>
+                  </a:extLst>
+                </a:gridCol>
+              </a:tblGrid>
+              <a:tr h="455679">
+                <a:tc>
+                  <a:txBody>
+                    <a:bodyPr/>
+                    <a:lstStyle/>
+                    <a:p>
+                      <a:endParaRPr lang="en-US"/>
+                    </a:p>
+                  </a:txBody>
+                  <a:tcPr/>
+                </a:tc>
+                <a:tc>
+                  <a:txBody>
+                    <a:bodyPr/>
+                    <a:lstStyle/>
+                    <a:p>
+                      <a:endParaRPr lang="en-US"/>
+                    </a:p>
+                  </a:txBody>
+                  <a:tcPr/>
+                </a:tc>
+                <a:tc>
+                  <a:txBody>
+                    <a:bodyPr/>
+                    <a:lstStyle/>
+                    <a:p>
+                      <a:endParaRPr lang="en-US"/>
+                    </a:p>
+                  </a:txBody>
+                  <a:tcPr/>
+                </a:tc>
+                <a:tc>
+                  <a:txBody>
+                    <a:bodyPr/>
+                    <a:lstStyle/>
+                    <a:p>
+                      <a:endParaRPr lang="en-US"/>
+                    </a:p>
+                  </a:txBody>
+                  <a:tcPr/>
+                </a:tc>
+                <a:tc>
+                  <a:txBody>
+                    <a:bodyPr/>
+                    <a:lstStyle/>
+                    <a:p>
+                      <a:endParaRPr lang="en-US"/>
+                    </a:p>
+                  </a:txBody>
+                  <a:tcPr/>
+                </a:tc>
+                <a:tc>
+                  <a:txBody>
+                    <a:bodyPr/>
+                    <a:lstStyle/>
+                    <a:p>
+                      <a:endParaRPr lang="en-US"/>
+                    </a:p>
+                  </a:txBody>
+                  <a:tcPr/>
+                </a:tc>
+                <a:tc>
+                  <a:txBody>
+                    <a:bodyPr/>
+                    <a:lstStyle/>
+                    <a:p>
+                      <a:endParaRPr lang="en-US"/>
+                    </a:p>
+                  </a:txBody>
+                  <a:tcPr/>
+                </a:tc>
+                <a:tc>
+                  <a:txBody>
+                    <a:bodyPr/>
+                    <a:lstStyle/>
+                    <a:p>
+                      <a:endParaRPr lang="en-US"/>
+                    </a:p>
+                  </a:txBody>
+                  <a:tcPr/>
+                </a:tc>
+                <a:tc>
+                  <a:txBody>
+                    <a:bodyPr/>
+                    <a:lstStyle/>
+                    <a:p>
+                      <a:endParaRPr lang="en-US"/>
+                    </a:p>
+                  </a:txBody>
+                  <a:tcPr/>
+                </a:tc>
+                <a:extLst>
+                  <a:ext uri="{0D108BD9-81ED-4DB2-BD59-A6C34878D82A}">
+                    <a16:rowId xmlns:a16="http://schemas.microsoft.com/office/drawing/2014/main" val="4189708643"/>
+                  </a:ext>
+                </a:extLst>
+              </a:tr>
+              <a:tr h="455679">
+                <a:tc>
+                  <a:txBody>
+                    <a:bodyPr/>
+                    <a:lstStyle/>
+                    <a:p>
+                      <a:endParaRPr lang="en-US"/>
+                    </a:p>
+                  </a:txBody>
+                  <a:tcPr/>
+                </a:tc>
+                <a:tc>
+                  <a:txBody>
+                    <a:bodyPr/>
+                    <a:lstStyle/>
+                    <a:p>
+                      <a:endParaRPr lang="en-US"/>
+                    </a:p>
+                  </a:txBody>
+                  <a:tcPr/>
+                </a:tc>
+                <a:tc>
+                  <a:txBody>
+                    <a:bodyPr/>
+                    <a:lstStyle/>
+                    <a:p>
+                      <a:endParaRPr lang="en-US"/>
+                    </a:p>
+                  </a:txBody>
+                  <a:tcPr/>
+                </a:tc>
+                <a:tc>
+                  <a:txBody>
+                    <a:bodyPr/>
+                    <a:lstStyle/>
+                    <a:p>
+                      <a:endParaRPr lang="en-US"/>
+                    </a:p>
+                  </a:txBody>
+                  <a:tcPr/>
+                </a:tc>
+                <a:tc>
+                  <a:txBody>
+                    <a:bodyPr/>
+                    <a:lstStyle/>
+                    <a:p>
+                      <a:endParaRPr lang="en-US"/>
+                    </a:p>
+                  </a:txBody>
+                  <a:tcPr/>
+                </a:tc>
+                <a:tc>
+                  <a:txBody>
+                    <a:bodyPr/>
+                    <a:lstStyle/>
+                    <a:p>
+                      <a:endParaRPr lang="en-US"/>
+                    </a:p>
+                  </a:txBody>
+                  <a:tcPr/>
+                </a:tc>
+                <a:tc>
+                  <a:txBody>
+                    <a:bodyPr/>
+                    <a:lstStyle/>
+                    <a:p>
+                      <a:endParaRPr lang="en-US"/>
+                    </a:p>
+                  </a:txBody>
+                  <a:tcPr/>
+                </a:tc>
+                <a:tc>
+                  <a:txBody>
+                    <a:bodyPr/>
+                    <a:lstStyle/>
+                    <a:p>
+                      <a:endParaRPr lang="en-US"/>
+                    </a:p>
+                  </a:txBody>
+                  <a:tcPr/>
+                </a:tc>
+                <a:tc>
+                  <a:txBody>
+                    <a:bodyPr/>
+                    <a:lstStyle/>
+                    <a:p>
+                      <a:endParaRPr lang="en-US"/>
+                    </a:p>
+                  </a:txBody>
+                  <a:tcPr/>
+                </a:tc>
+                <a:extLst>
+                  <a:ext uri="{0D108BD9-81ED-4DB2-BD59-A6C34878D82A}">
+                    <a16:rowId xmlns:a16="http://schemas.microsoft.com/office/drawing/2014/main" val="3140061776"/>
+                  </a:ext>
+                </a:extLst>
+              </a:tr>
+              <a:tr h="455679">
+                <a:tc>
+                  <a:txBody>
+                    <a:bodyPr/>
+                    <a:lstStyle/>
+                    <a:p>
+                      <a:endParaRPr lang="en-US"/>
+                    </a:p>
+                  </a:txBody>
+                  <a:tcPr/>
+                </a:tc>
+                <a:tc>
+                  <a:txBody>
+                    <a:bodyPr/>
+                    <a:lstStyle/>
+                    <a:p>
+                      <a:endParaRPr lang="en-US"/>
+                    </a:p>
+                  </a:txBody>
+                  <a:tcPr/>
+                </a:tc>
+                <a:tc>
+                  <a:txBody>
+                    <a:bodyPr/>
+                    <a:lstStyle/>
+                    <a:p>
+                      <a:endParaRPr lang="en-US"/>
+                    </a:p>
+                  </a:txBody>
+                  <a:tcPr/>
+                </a:tc>
+                <a:tc>
+                  <a:txBody>
+                    <a:bodyPr/>
+                    <a:lstStyle/>
+                    <a:p>
+                      <a:endParaRPr lang="en-US"/>
+                    </a:p>
+                  </a:txBody>
+                  <a:tcPr/>
+                </a:tc>
+                <a:tc>
+                  <a:txBody>
+                    <a:bodyPr/>
+                    <a:lstStyle/>
+                    <a:p>
+                      <a:endParaRPr lang="en-US"/>
+                    </a:p>
+                  </a:txBody>
+                  <a:tcPr/>
+                </a:tc>
+                <a:tc>
+                  <a:txBody>
+                    <a:bodyPr/>
+                    <a:lstStyle/>
+                    <a:p>
+                      <a:endParaRPr lang="en-US"/>
+                    </a:p>
+                  </a:txBody>
+                  <a:tcPr/>
+                </a:tc>
+                <a:tc>
+                  <a:txBody>
+                    <a:bodyPr/>
+                    <a:lstStyle/>
+                    <a:p>
+                      <a:endParaRPr lang="en-US"/>
+                    </a:p>
+                  </a:txBody>
+                  <a:tcPr/>
+                </a:tc>
+                <a:tc>
+                  <a:txBody>
+                    <a:bodyPr/>
+                    <a:lstStyle/>
+                    <a:p>
+                      <a:endParaRPr lang="en-US"/>
+                    </a:p>
+                  </a:txBody>
+                  <a:tcPr/>
+                </a:tc>
+                <a:tc>
+                  <a:txBody>
+                    <a:bodyPr/>
+                    <a:lstStyle/>
+                    <a:p>
+                      <a:endParaRPr lang="en-US"/>
+                    </a:p>
+                  </a:txBody>
+                  <a:tcPr/>
+                </a:tc>
+                <a:extLst>
+                  <a:ext uri="{0D108BD9-81ED-4DB2-BD59-A6C34878D82A}">
+                    <a16:rowId xmlns:a16="http://schemas.microsoft.com/office/drawing/2014/main" val="2394679091"/>
+                  </a:ext>
+                </a:extLst>
+              </a:tr>
+              <a:tr h="455679">
+                <a:tc>
+                  <a:txBody>
+                    <a:bodyPr/>
+                    <a:lstStyle/>
+                    <a:p>
+                      <a:endParaRPr lang="en-US"/>
+                    </a:p>
+                  </a:txBody>
+                  <a:tcPr/>
+                </a:tc>
+                <a:tc>
+                  <a:txBody>
+                    <a:bodyPr/>
+                    <a:lstStyle/>
+                    <a:p>
+                      <a:endParaRPr lang="en-US"/>
+                    </a:p>
+                  </a:txBody>
+                  <a:tcPr/>
+                </a:tc>
+                <a:tc>
+                  <a:txBody>
+                    <a:bodyPr/>
+                    <a:lstStyle/>
+                    <a:p>
+                      <a:endParaRPr lang="en-US"/>
+                    </a:p>
+                  </a:txBody>
+                  <a:tcPr/>
+                </a:tc>
+                <a:tc>
+                  <a:txBody>
+                    <a:bodyPr/>
+                    <a:lstStyle/>
+                    <a:p>
+                      <a:endParaRPr lang="en-US"/>
+                    </a:p>
+                  </a:txBody>
+                  <a:tcPr/>
+                </a:tc>
+                <a:tc>
+                  <a:txBody>
+                    <a:bodyPr/>
+                    <a:lstStyle/>
+                    <a:p>
+                      <a:endParaRPr lang="en-US"/>
+                    </a:p>
+                  </a:txBody>
+                  <a:tcPr/>
+                </a:tc>
+                <a:tc>
+                  <a:txBody>
+                    <a:bodyPr/>
+                    <a:lstStyle/>
+                    <a:p>
+                      <a:endParaRPr lang="en-US"/>
+                    </a:p>
+                  </a:txBody>
+                  <a:tcPr/>
+                </a:tc>
+                <a:tc>
+                  <a:txBody>
+                    <a:bodyPr/>
+                    <a:lstStyle/>
+                    <a:p>
+                      <a:endParaRPr lang="en-US"/>
+                    </a:p>
+                  </a:txBody>
+                  <a:tcPr/>
+                </a:tc>
+                <a:tc>
+                  <a:txBody>
+                    <a:bodyPr/>
+                    <a:lstStyle/>
+                    <a:p>
+                      <a:endParaRPr lang="en-US"/>
+                    </a:p>
+                  </a:txBody>
+                  <a:tcPr/>
+                </a:tc>
+                <a:tc>
+                  <a:txBody>
+                    <a:bodyPr/>
+                    <a:lstStyle/>
+                    <a:p>
+                      <a:endParaRPr lang="en-US"/>
+                    </a:p>
+                  </a:txBody>
+                  <a:tcPr/>
+                </a:tc>
+                <a:extLst>
+                  <a:ext uri="{0D108BD9-81ED-4DB2-BD59-A6C34878D82A}">
+                    <a16:rowId xmlns:a16="http://schemas.microsoft.com/office/drawing/2014/main" val="1206591327"/>
+                  </a:ext>
+                </a:extLst>
+              </a:tr>
+              <a:tr h="455679">
+                <a:tc>
+                  <a:txBody>
+                    <a:bodyPr/>
+                    <a:lstStyle/>
+                    <a:p>
+                      <a:endParaRPr lang="en-US"/>
+                    </a:p>
+                  </a:txBody>
+                  <a:tcPr/>
+                </a:tc>
+                <a:tc>
+                  <a:txBody>
+                    <a:bodyPr/>
+                    <a:lstStyle/>
+                    <a:p>
+                      <a:endParaRPr lang="en-US"/>
+                    </a:p>
+                  </a:txBody>
+                  <a:tcPr/>
+                </a:tc>
+                <a:tc>
+                  <a:txBody>
+                    <a:bodyPr/>
+                    <a:lstStyle/>
+                    <a:p>
+                      <a:endParaRPr lang="en-US"/>
+                    </a:p>
+                  </a:txBody>
+                  <a:tcPr/>
+                </a:tc>
+                <a:tc>
+                  <a:txBody>
+                    <a:bodyPr/>
+                    <a:lstStyle/>
+                    <a:p>
+                      <a:endParaRPr lang="en-US"/>
+                    </a:p>
+                  </a:txBody>
+                  <a:tcPr/>
+                </a:tc>
+                <a:tc>
+                  <a:txBody>
+                    <a:bodyPr/>
+                    <a:lstStyle/>
+                    <a:p>
+                      <a:endParaRPr lang="en-US"/>
+                    </a:p>
+                  </a:txBody>
+                  <a:tcPr/>
+                </a:tc>
+                <a:tc>
+                  <a:txBody>
+                    <a:bodyPr/>
+                    <a:lstStyle/>
+                    <a:p>
+                      <a:endParaRPr lang="en-US"/>
+                    </a:p>
+                  </a:txBody>
+                  <a:tcPr/>
+                </a:tc>
+                <a:tc>
+                  <a:txBody>
+                    <a:bodyPr/>
+                    <a:lstStyle/>
+                    <a:p>
+                      <a:endParaRPr lang="en-US"/>
+                    </a:p>
+                  </a:txBody>
+                  <a:tcPr/>
+                </a:tc>
+                <a:tc>
+                  <a:txBody>
+                    <a:bodyPr/>
+                    <a:lstStyle/>
+                    <a:p>
+                      <a:endParaRPr lang="en-US"/>
+                    </a:p>
+                  </a:txBody>
+                  <a:tcPr/>
+                </a:tc>
+                <a:tc>
+                  <a:txBody>
+                    <a:bodyPr/>
+                    <a:lstStyle/>
+                    <a:p>
+                      <a:endParaRPr lang="en-US"/>
+                    </a:p>
+                  </a:txBody>
+                  <a:tcPr/>
+                </a:tc>
+                <a:extLst>
+                  <a:ext uri="{0D108BD9-81ED-4DB2-BD59-A6C34878D82A}">
+                    <a16:rowId xmlns:a16="http://schemas.microsoft.com/office/drawing/2014/main" val="3139142105"/>
+                  </a:ext>
+                </a:extLst>
+              </a:tr>
+            </a:tbl>
+          </a:graphicData>
+        </a:graphic>
+      </p:graphicFrame>
+      <p:sp>
+        <p:nvSpPr>
+          <p:cNvPr id="6" name="TextBox 5">
+            <a:extLst>
+              <a:ext uri="{FF2B5EF4-FFF2-40B4-BE49-F238E27FC236}">
+                <a16:creationId xmlns:a16="http://schemas.microsoft.com/office/drawing/2014/main" id="{B866528D-EF02-48E2-9D97-7E8D50B7BD7A}"/>
+              </a:ext>
+            </a:extLst>
+          </p:cNvPr>
+          <p:cNvSpPr txBox="1"/>
+          <p:nvPr/>
+        </p:nvSpPr>
+        <p:spPr>
+          <a:xfrm>
+            <a:off x="1591188" y="798322"/>
+            <a:ext cx="889263" cy="369332"/>
+          </a:xfrm>
+          <a:prstGeom prst="rect">
+            <a:avLst/>
+          </a:prstGeom>
+          <a:noFill/>
+        </p:spPr>
+        <p:txBody>
+          <a:bodyPr rot="0" spcFirstLastPara="0" vertOverflow="overflow" horzOverflow="overflow" vert="horz" wrap="square" lIns="91440" tIns="45720" rIns="91440" bIns="45720" numCol="1" spcCol="0" rtlCol="0" fromWordArt="0" anchor="t" anchorCtr="0" forceAA="0" compatLnSpc="1">
+            <a:prstTxWarp prst="textNoShape">
+              <a:avLst/>
+            </a:prstTxWarp>
+            <a:spAutoFit/>
+          </a:bodyPr>
+          <a:lstStyle/>
+          <a:p>
+            <a:pPr algn="l"/>
+            <a:r>
+              <a:rPr lang="en-US" u="sng" err="1"/>
+              <a:t>SuppD</a:t>
+            </a:r>
+            <a:endParaRPr lang="en-US" u="sng">
+              <a:cs typeface="Calibri"/>
+            </a:endParaRPr>
+          </a:p>
+        </p:txBody>
+      </p:sp>
+      <p:sp>
+        <p:nvSpPr>
+          <p:cNvPr id="7" name="TextBox 6">
+            <a:extLst>
+              <a:ext uri="{FF2B5EF4-FFF2-40B4-BE49-F238E27FC236}">
+                <a16:creationId xmlns:a16="http://schemas.microsoft.com/office/drawing/2014/main" id="{B3E93516-5EDE-4D72-9784-0D0F367A42F5}"/>
+              </a:ext>
+            </a:extLst>
+          </p:cNvPr>
+          <p:cNvSpPr txBox="1"/>
+          <p:nvPr/>
+        </p:nvSpPr>
+        <p:spPr>
+          <a:xfrm>
+            <a:off x="2511515" y="826874"/>
+            <a:ext cx="1156356" cy="369332"/>
+          </a:xfrm>
+          <a:prstGeom prst="rect">
+            <a:avLst/>
+          </a:prstGeom>
+          <a:noFill/>
+        </p:spPr>
+        <p:txBody>
+          <a:bodyPr rot="0" spcFirstLastPara="0" vertOverflow="overflow" horzOverflow="overflow" vert="horz" wrap="square" lIns="91440" tIns="45720" rIns="91440" bIns="45720" numCol="1" spcCol="0" rtlCol="0" fromWordArt="0" anchor="t" anchorCtr="0" forceAA="0" compatLnSpc="1">
+            <a:prstTxWarp prst="textNoShape">
+              <a:avLst/>
+            </a:prstTxWarp>
+            <a:spAutoFit/>
+          </a:bodyPr>
+          <a:lstStyle/>
+          <a:p>
+            <a:pPr algn="l"/>
+            <a:r>
+              <a:rPr lang="en-US" i="1" err="1"/>
+              <a:t>UpdaterID</a:t>
+            </a:r>
+            <a:endParaRPr lang="en-US" i="1"/>
+          </a:p>
+        </p:txBody>
+      </p:sp>
+      <p:sp>
+        <p:nvSpPr>
+          <p:cNvPr id="8" name="TextBox 7">
+            <a:extLst>
+              <a:ext uri="{FF2B5EF4-FFF2-40B4-BE49-F238E27FC236}">
+                <a16:creationId xmlns:a16="http://schemas.microsoft.com/office/drawing/2014/main" id="{4BB3B923-8F68-4F8E-8250-A18EF5CE6CCF}"/>
+              </a:ext>
+            </a:extLst>
+          </p:cNvPr>
+          <p:cNvSpPr txBox="1"/>
+          <p:nvPr/>
+        </p:nvSpPr>
+        <p:spPr>
+          <a:xfrm>
+            <a:off x="3719653" y="798322"/>
+            <a:ext cx="1093510" cy="369332"/>
+          </a:xfrm>
+          <a:prstGeom prst="rect">
+            <a:avLst/>
+          </a:prstGeom>
+          <a:noFill/>
+        </p:spPr>
+        <p:txBody>
+          <a:bodyPr rot="0" spcFirstLastPara="0" vertOverflow="overflow" horzOverflow="overflow" vert="horz" wrap="square" lIns="91440" tIns="45720" rIns="91440" bIns="45720" numCol="1" spcCol="0" rtlCol="0" fromWordArt="0" anchor="t" anchorCtr="0" forceAA="0" compatLnSpc="1">
+            <a:prstTxWarp prst="textNoShape">
+              <a:avLst/>
+            </a:prstTxWarp>
+            <a:spAutoFit/>
+          </a:bodyPr>
+          <a:lstStyle/>
+          <a:p>
+            <a:pPr algn="l"/>
+            <a:r>
+              <a:rPr lang="en-US" err="1"/>
+              <a:t>UpdTime</a:t>
+            </a:r>
+            <a:endParaRPr lang="en-US"/>
+          </a:p>
+        </p:txBody>
+      </p:sp>
+      <p:sp>
+        <p:nvSpPr>
+          <p:cNvPr id="9" name="TextBox 8">
+            <a:extLst>
+              <a:ext uri="{FF2B5EF4-FFF2-40B4-BE49-F238E27FC236}">
+                <a16:creationId xmlns:a16="http://schemas.microsoft.com/office/drawing/2014/main" id="{612C11C3-F1C9-4FE1-B700-AC248E5BAAEB}"/>
+              </a:ext>
+            </a:extLst>
+          </p:cNvPr>
+          <p:cNvSpPr txBox="1"/>
+          <p:nvPr/>
+        </p:nvSpPr>
+        <p:spPr>
+          <a:xfrm>
+            <a:off x="4940372" y="798322"/>
+            <a:ext cx="1266335" cy="369332"/>
+          </a:xfrm>
+          <a:prstGeom prst="rect">
+            <a:avLst/>
+          </a:prstGeom>
+          <a:noFill/>
+        </p:spPr>
+        <p:txBody>
+          <a:bodyPr rot="0" spcFirstLastPara="0" vertOverflow="overflow" horzOverflow="overflow" vert="horz" wrap="square" lIns="91440" tIns="45720" rIns="91440" bIns="45720" numCol="1" spcCol="0" rtlCol="0" fromWordArt="0" anchor="t" anchorCtr="0" forceAA="0" compatLnSpc="1">
+            <a:prstTxWarp prst="textNoShape">
+              <a:avLst/>
+            </a:prstTxWarp>
+            <a:spAutoFit/>
+          </a:bodyPr>
+          <a:lstStyle/>
+          <a:p>
+            <a:pPr algn="l"/>
+            <a:r>
+              <a:rPr lang="en-US" err="1">
+                <a:cs typeface="Calibri"/>
+              </a:rPr>
+              <a:t>DataType</a:t>
+            </a:r>
+          </a:p>
+        </p:txBody>
+      </p:sp>
+      <p:sp>
+        <p:nvSpPr>
+          <p:cNvPr id="10" name="TextBox 9">
+            <a:extLst>
+              <a:ext uri="{FF2B5EF4-FFF2-40B4-BE49-F238E27FC236}">
+                <a16:creationId xmlns:a16="http://schemas.microsoft.com/office/drawing/2014/main" id="{85DF2DA7-08F8-441E-89AD-50AAEA40AEB0}"/>
+              </a:ext>
+            </a:extLst>
+          </p:cNvPr>
+          <p:cNvSpPr txBox="1"/>
+          <p:nvPr/>
+        </p:nvSpPr>
+        <p:spPr>
+          <a:xfrm>
+            <a:off x="8546581" y="826874"/>
+            <a:ext cx="1099224" cy="369332"/>
+          </a:xfrm>
+          <a:prstGeom prst="rect">
+            <a:avLst/>
+          </a:prstGeom>
+          <a:noFill/>
+        </p:spPr>
+        <p:txBody>
+          <a:bodyPr rot="0" spcFirstLastPara="0" vertOverflow="overflow" horzOverflow="overflow" vert="horz" wrap="square" lIns="91440" tIns="45720" rIns="91440" bIns="45720" numCol="1" spcCol="0" rtlCol="0" fromWordArt="0" anchor="t" anchorCtr="0" forceAA="0" compatLnSpc="1">
+            <a:prstTxWarp prst="textNoShape">
+              <a:avLst/>
+            </a:prstTxWarp>
+            <a:spAutoFit/>
+          </a:bodyPr>
+          <a:lstStyle/>
+          <a:p>
+            <a:pPr algn="l"/>
+            <a:r>
+              <a:rPr lang="en-US"/>
+              <a:t>Double1</a:t>
+            </a:r>
+            <a:endParaRPr lang="en-US">
+              <a:cs typeface="Calibri"/>
+            </a:endParaRPr>
+          </a:p>
+        </p:txBody>
+      </p:sp>
+      <p:sp>
+        <p:nvSpPr>
+          <p:cNvPr id="11" name="TextBox 10">
+            <a:extLst>
+              <a:ext uri="{FF2B5EF4-FFF2-40B4-BE49-F238E27FC236}">
+                <a16:creationId xmlns:a16="http://schemas.microsoft.com/office/drawing/2014/main" id="{814324B1-B299-4AB5-BE46-E248FF62BD9C}"/>
+              </a:ext>
+            </a:extLst>
+          </p:cNvPr>
+          <p:cNvSpPr txBox="1"/>
+          <p:nvPr/>
+        </p:nvSpPr>
+        <p:spPr>
+          <a:xfrm>
+            <a:off x="9901734" y="852602"/>
+            <a:ext cx="1300695" cy="369332"/>
+          </a:xfrm>
+          <a:prstGeom prst="rect">
+            <a:avLst/>
+          </a:prstGeom>
+          <a:noFill/>
+        </p:spPr>
+        <p:txBody>
+          <a:bodyPr rot="0" spcFirstLastPara="0" vertOverflow="overflow" horzOverflow="overflow" vert="horz" wrap="square" lIns="91440" tIns="45720" rIns="91440" bIns="45720" numCol="1" spcCol="0" rtlCol="0" fromWordArt="0" anchor="t" anchorCtr="0" forceAA="0" compatLnSpc="1">
+            <a:prstTxWarp prst="textNoShape">
+              <a:avLst/>
+            </a:prstTxWarp>
+            <a:spAutoFit/>
+          </a:bodyPr>
+          <a:lstStyle/>
+          <a:p>
+            <a:pPr algn="l"/>
+            <a:r>
+              <a:rPr lang="en-US">
+                <a:cs typeface="Calibri"/>
+              </a:rPr>
+              <a:t>Char256</a:t>
+            </a:r>
+          </a:p>
+        </p:txBody>
+      </p:sp>
+      <p:sp>
+        <p:nvSpPr>
+          <p:cNvPr id="12" name="TextBox 11">
+            <a:extLst>
+              <a:ext uri="{FF2B5EF4-FFF2-40B4-BE49-F238E27FC236}">
+                <a16:creationId xmlns:a16="http://schemas.microsoft.com/office/drawing/2014/main" id="{32977D4E-0F1C-465E-9560-C59C04973E49}"/>
+              </a:ext>
+            </a:extLst>
+          </p:cNvPr>
+          <p:cNvSpPr txBox="1"/>
+          <p:nvPr/>
+        </p:nvSpPr>
+        <p:spPr>
+          <a:xfrm>
+            <a:off x="6206707" y="826874"/>
+            <a:ext cx="857840" cy="369332"/>
+          </a:xfrm>
+          <a:prstGeom prst="rect">
+            <a:avLst/>
+          </a:prstGeom>
+          <a:noFill/>
+        </p:spPr>
+        <p:txBody>
+          <a:bodyPr rot="0" spcFirstLastPara="0" vertOverflow="overflow" horzOverflow="overflow" vert="horz" wrap="square" lIns="91440" tIns="45720" rIns="91440" bIns="45720" numCol="1" spcCol="0" rtlCol="0" fromWordArt="0" anchor="t" anchorCtr="0" forceAA="0" compatLnSpc="1">
+            <a:prstTxWarp prst="textNoShape">
+              <a:avLst/>
+            </a:prstTxWarp>
+            <a:spAutoFit/>
+          </a:bodyPr>
+          <a:lstStyle/>
+          <a:p>
+            <a:pPr algn="l"/>
+            <a:r>
+              <a:rPr lang="en-US">
+                <a:cs typeface="Calibri"/>
+              </a:rPr>
+              <a:t>valid</a:t>
+            </a:r>
+          </a:p>
+        </p:txBody>
+      </p:sp>
+      <p:sp>
+        <p:nvSpPr>
+          <p:cNvPr id="13" name="TextBox 12">
+            <a:extLst>
+              <a:ext uri="{FF2B5EF4-FFF2-40B4-BE49-F238E27FC236}">
+                <a16:creationId xmlns:a16="http://schemas.microsoft.com/office/drawing/2014/main" id="{2389A1B7-2AE5-4013-9404-CE10BABBF20B}"/>
+              </a:ext>
+            </a:extLst>
+          </p:cNvPr>
+          <p:cNvSpPr txBox="1"/>
+          <p:nvPr/>
+        </p:nvSpPr>
+        <p:spPr>
+          <a:xfrm>
+            <a:off x="459180" y="3629156"/>
+            <a:ext cx="7362333" cy="369332"/>
+          </a:xfrm>
+          <a:prstGeom prst="rect">
+            <a:avLst/>
+          </a:prstGeom>
+          <a:noFill/>
+        </p:spPr>
+        <p:txBody>
+          <a:bodyPr rot="0" spcFirstLastPara="0" vertOverflow="overflow" horzOverflow="overflow" vert="horz" wrap="square" lIns="91440" tIns="45720" rIns="91440" bIns="45720" numCol="1" spcCol="0" rtlCol="0" fromWordArt="0" anchor="t" anchorCtr="0" forceAA="0" compatLnSpc="1">
+            <a:prstTxWarp prst="textNoShape">
+              <a:avLst/>
+            </a:prstTxWarp>
+            <a:spAutoFit/>
+          </a:bodyPr>
+          <a:lstStyle/>
+          <a:p>
+            <a:r>
+              <a:rPr lang="en-US" i="1" err="1"/>
+              <a:t>ProdID</a:t>
+            </a:r>
+            <a:r>
+              <a:rPr lang="en-US"/>
+              <a:t> – FK = Product Identifier (used as a foreign key)</a:t>
+            </a:r>
+          </a:p>
+        </p:txBody>
+      </p:sp>
+      <p:sp>
+        <p:nvSpPr>
+          <p:cNvPr id="14" name="TextBox 13">
+            <a:extLst>
+              <a:ext uri="{FF2B5EF4-FFF2-40B4-BE49-F238E27FC236}">
+                <a16:creationId xmlns:a16="http://schemas.microsoft.com/office/drawing/2014/main" id="{54CEAC74-D9BD-4761-8B42-C903B70F875C}"/>
+              </a:ext>
+            </a:extLst>
+          </p:cNvPr>
+          <p:cNvSpPr txBox="1"/>
+          <p:nvPr/>
+        </p:nvSpPr>
+        <p:spPr>
+          <a:xfrm>
+            <a:off x="459180" y="3968493"/>
+            <a:ext cx="7519447" cy="369332"/>
+          </a:xfrm>
+          <a:prstGeom prst="rect">
+            <a:avLst/>
+          </a:prstGeom>
+          <a:noFill/>
+        </p:spPr>
+        <p:txBody>
+          <a:bodyPr rot="0" spcFirstLastPara="0" vertOverflow="overflow" horzOverflow="overflow" vert="horz" wrap="square" lIns="91440" tIns="45720" rIns="91440" bIns="45720" numCol="1" spcCol="0" rtlCol="0" fromWordArt="0" anchor="t" anchorCtr="0" forceAA="0" compatLnSpc="1">
+            <a:prstTxWarp prst="textNoShape">
+              <a:avLst/>
+            </a:prstTxWarp>
+            <a:spAutoFit/>
+          </a:bodyPr>
+          <a:lstStyle/>
+          <a:p>
+            <a:r>
+              <a:rPr lang="en-US" i="1"/>
+              <a:t>UpdaterID</a:t>
+            </a:r>
+            <a:r>
+              <a:rPr lang="en-US"/>
+              <a:t> – FK = Employee Identifier who created or updated this record</a:t>
+            </a:r>
+          </a:p>
+        </p:txBody>
+      </p:sp>
+      <p:sp>
+        <p:nvSpPr>
+          <p:cNvPr id="15" name="TextBox 14">
+            <a:extLst>
+              <a:ext uri="{FF2B5EF4-FFF2-40B4-BE49-F238E27FC236}">
+                <a16:creationId xmlns:a16="http://schemas.microsoft.com/office/drawing/2014/main" id="{7C81DF2C-83EE-4214-98D9-C68C764839D5}"/>
+              </a:ext>
+            </a:extLst>
+          </p:cNvPr>
+          <p:cNvSpPr txBox="1"/>
+          <p:nvPr/>
+        </p:nvSpPr>
+        <p:spPr>
+          <a:xfrm>
+            <a:off x="485427" y="4290140"/>
+            <a:ext cx="8273591" cy="369332"/>
+          </a:xfrm>
+          <a:prstGeom prst="rect">
+            <a:avLst/>
+          </a:prstGeom>
+          <a:noFill/>
+        </p:spPr>
+        <p:txBody>
+          <a:bodyPr rot="0" spcFirstLastPara="0" vertOverflow="overflow" horzOverflow="overflow" vert="horz" wrap="square" lIns="91440" tIns="45720" rIns="91440" bIns="45720" numCol="1" spcCol="0" rtlCol="0" fromWordArt="0" anchor="t" anchorCtr="0" forceAA="0" compatLnSpc="1">
+            <a:prstTxWarp prst="textNoShape">
+              <a:avLst/>
+            </a:prstTxWarp>
+            <a:spAutoFit/>
+          </a:bodyPr>
+          <a:lstStyle/>
+          <a:p>
+            <a:r>
+              <a:rPr lang="en-US" err="1"/>
+              <a:t>UpdTime</a:t>
+            </a:r>
+            <a:r>
+              <a:rPr lang="en-US"/>
+              <a:t> = Record update date and Time: MMDDYYYYHHMMSS</a:t>
+            </a:r>
+            <a:endParaRPr lang="en-US">
+              <a:cs typeface="Calibri"/>
+            </a:endParaRPr>
+          </a:p>
+        </p:txBody>
+      </p:sp>
+      <p:sp>
+        <p:nvSpPr>
+          <p:cNvPr id="16" name="TextBox 15">
+            <a:extLst>
+              <a:ext uri="{FF2B5EF4-FFF2-40B4-BE49-F238E27FC236}">
+                <a16:creationId xmlns:a16="http://schemas.microsoft.com/office/drawing/2014/main" id="{E158BBE1-3FFF-4F49-BD5C-47A47431C569}"/>
+              </a:ext>
+            </a:extLst>
+          </p:cNvPr>
+          <p:cNvSpPr txBox="1"/>
+          <p:nvPr/>
+        </p:nvSpPr>
+        <p:spPr>
+          <a:xfrm>
+            <a:off x="459180" y="5738684"/>
+            <a:ext cx="8603529" cy="369332"/>
+          </a:xfrm>
+          <a:prstGeom prst="rect">
+            <a:avLst/>
+          </a:prstGeom>
+          <a:noFill/>
+        </p:spPr>
+        <p:txBody>
+          <a:bodyPr rot="0" spcFirstLastPara="0" vertOverflow="overflow" horzOverflow="overflow" vert="horz" wrap="square" lIns="91440" tIns="45720" rIns="91440" bIns="45720" numCol="1" spcCol="0" rtlCol="0" fromWordArt="0" anchor="t" anchorCtr="0" forceAA="0" compatLnSpc="1">
+            <a:prstTxWarp prst="textNoShape">
+              <a:avLst/>
+            </a:prstTxWarp>
+            <a:spAutoFit/>
+          </a:bodyPr>
+          <a:lstStyle/>
+          <a:p>
+            <a:r>
+              <a:rPr lang="en-US"/>
+              <a:t>Int1= parameter for an Integer</a:t>
+            </a:r>
+            <a:endParaRPr lang="en-US">
+              <a:cs typeface="Calibri"/>
+            </a:endParaRPr>
+          </a:p>
+        </p:txBody>
+      </p:sp>
+      <p:sp>
+        <p:nvSpPr>
+          <p:cNvPr id="17" name="TextBox 16">
+            <a:extLst>
+              <a:ext uri="{FF2B5EF4-FFF2-40B4-BE49-F238E27FC236}">
+                <a16:creationId xmlns:a16="http://schemas.microsoft.com/office/drawing/2014/main" id="{3B519E4A-C51A-45EC-9396-25A6FFF94E7A}"/>
+              </a:ext>
+            </a:extLst>
+          </p:cNvPr>
+          <p:cNvSpPr txBox="1"/>
+          <p:nvPr/>
+        </p:nvSpPr>
+        <p:spPr>
+          <a:xfrm>
+            <a:off x="459180" y="4597988"/>
+            <a:ext cx="8273591" cy="923330"/>
+          </a:xfrm>
+          <a:prstGeom prst="rect">
+            <a:avLst/>
+          </a:prstGeom>
+          <a:noFill/>
+        </p:spPr>
+        <p:txBody>
+          <a:bodyPr rot="0" spcFirstLastPara="0" vertOverflow="overflow" horzOverflow="overflow" vert="horz" wrap="square" lIns="91440" tIns="45720" rIns="91440" bIns="45720" numCol="1" spcCol="0" rtlCol="0" fromWordArt="0" anchor="t" anchorCtr="0" forceAA="0" compatLnSpc="1">
+            <a:prstTxWarp prst="textNoShape">
+              <a:avLst/>
+            </a:prstTxWarp>
+            <a:spAutoFit/>
+          </a:bodyPr>
+          <a:lstStyle/>
+          <a:p>
+            <a:r>
+              <a:rPr lang="en-US" err="1"/>
+              <a:t>DataType</a:t>
+            </a:r>
+            <a:r>
+              <a:rPr lang="en-US"/>
+              <a:t>= indicates value type of Data1 and Data2 fields ((re)order date/(re)order amount, retail price, supplier price, current number in stock,..., other (can be added to </a:t>
+            </a:r>
+            <a:r>
+              <a:rPr lang="en-US" err="1"/>
+              <a:t>adinfinitum</a:t>
+            </a:r>
+            <a:r>
+              <a:rPr lang="en-US"/>
+              <a:t> ) </a:t>
+            </a:r>
+            <a:endParaRPr lang="en-US">
+              <a:cs typeface="Calibri"/>
+            </a:endParaRPr>
+          </a:p>
+        </p:txBody>
+      </p:sp>
+      <p:sp>
+        <p:nvSpPr>
+          <p:cNvPr id="18" name="TextBox 17">
+            <a:extLst>
+              <a:ext uri="{FF2B5EF4-FFF2-40B4-BE49-F238E27FC236}">
+                <a16:creationId xmlns:a16="http://schemas.microsoft.com/office/drawing/2014/main" id="{F2F8FC8D-D8C5-4280-82E4-953F97551A30}"/>
+              </a:ext>
+            </a:extLst>
+          </p:cNvPr>
+          <p:cNvSpPr txBox="1"/>
+          <p:nvPr/>
+        </p:nvSpPr>
+        <p:spPr>
+          <a:xfrm>
+            <a:off x="459180" y="5456563"/>
+            <a:ext cx="8273591" cy="369332"/>
+          </a:xfrm>
+          <a:prstGeom prst="rect">
+            <a:avLst/>
+          </a:prstGeom>
+          <a:noFill/>
+        </p:spPr>
+        <p:txBody>
+          <a:bodyPr rot="0" spcFirstLastPara="0" vertOverflow="overflow" horzOverflow="overflow" vert="horz" wrap="square" lIns="91440" tIns="45720" rIns="91440" bIns="45720" numCol="1" spcCol="0" rtlCol="0" fromWordArt="0" anchor="t" anchorCtr="0" forceAA="0" compatLnSpc="1">
+            <a:prstTxWarp prst="textNoShape">
+              <a:avLst/>
+            </a:prstTxWarp>
+            <a:spAutoFit/>
+          </a:bodyPr>
+          <a:lstStyle/>
+          <a:p>
+            <a:r>
+              <a:rPr lang="en-US"/>
+              <a:t>valid = indicates which columns of this record are valid (bit mapped)</a:t>
+            </a:r>
+            <a:endParaRPr lang="en-US">
+              <a:cs typeface="Calibri"/>
+            </a:endParaRPr>
+          </a:p>
+        </p:txBody>
+      </p:sp>
+      <p:sp>
+        <p:nvSpPr>
+          <p:cNvPr id="2" name="TextBox 1">
+            <a:extLst>
+              <a:ext uri="{FF2B5EF4-FFF2-40B4-BE49-F238E27FC236}">
+                <a16:creationId xmlns:a16="http://schemas.microsoft.com/office/drawing/2014/main" id="{C6D027D6-A446-AF40-AEFC-D6D3824409AE}"/>
+              </a:ext>
+            </a:extLst>
+          </p:cNvPr>
+          <p:cNvSpPr txBox="1"/>
+          <p:nvPr/>
+        </p:nvSpPr>
+        <p:spPr>
+          <a:xfrm>
+            <a:off x="7352000" y="826874"/>
+            <a:ext cx="978882" cy="369332"/>
+          </a:xfrm>
+          <a:prstGeom prst="rect">
+            <a:avLst/>
+          </a:prstGeom>
+          <a:noFill/>
+        </p:spPr>
+        <p:txBody>
+          <a:bodyPr wrap="square" rtlCol="0">
+            <a:spAutoFit/>
+          </a:bodyPr>
+          <a:lstStyle/>
+          <a:p>
+            <a:r>
+              <a:rPr lang="en-US"/>
+              <a:t>Int1</a:t>
+            </a:r>
+          </a:p>
+        </p:txBody>
+      </p:sp>
+      <p:sp>
+        <p:nvSpPr>
+          <p:cNvPr id="5" name="TextBox 4">
+            <a:extLst>
+              <a:ext uri="{FF2B5EF4-FFF2-40B4-BE49-F238E27FC236}">
+                <a16:creationId xmlns:a16="http://schemas.microsoft.com/office/drawing/2014/main" id="{578C4E0C-E0AE-AC40-B7DD-788B1B3996D0}"/>
+              </a:ext>
+            </a:extLst>
+          </p:cNvPr>
+          <p:cNvSpPr txBox="1"/>
+          <p:nvPr/>
+        </p:nvSpPr>
+        <p:spPr>
+          <a:xfrm>
+            <a:off x="544570" y="809562"/>
+            <a:ext cx="861813" cy="369332"/>
+          </a:xfrm>
+          <a:prstGeom prst="rect">
+            <a:avLst/>
+          </a:prstGeom>
+          <a:noFill/>
+        </p:spPr>
+        <p:txBody>
+          <a:bodyPr wrap="square" rtlCol="0">
+            <a:spAutoFit/>
+          </a:bodyPr>
+          <a:lstStyle/>
+          <a:p>
+            <a:r>
+              <a:rPr lang="en-US" u="sng" err="1"/>
+              <a:t>PinfoID</a:t>
+            </a:r>
+            <a:endParaRPr lang="en-US" u="sng"/>
+          </a:p>
+        </p:txBody>
+      </p:sp>
+      <p:sp>
+        <p:nvSpPr>
+          <p:cNvPr id="19" name="TextBox 18">
+            <a:extLst>
+              <a:ext uri="{FF2B5EF4-FFF2-40B4-BE49-F238E27FC236}">
+                <a16:creationId xmlns:a16="http://schemas.microsoft.com/office/drawing/2014/main" id="{449FA44A-9063-174B-9DAC-33407C07D416}"/>
+              </a:ext>
+            </a:extLst>
+          </p:cNvPr>
+          <p:cNvSpPr txBox="1"/>
+          <p:nvPr/>
+        </p:nvSpPr>
+        <p:spPr>
+          <a:xfrm>
+            <a:off x="485428" y="3298371"/>
+            <a:ext cx="8273591" cy="369332"/>
+          </a:xfrm>
+          <a:prstGeom prst="rect">
+            <a:avLst/>
+          </a:prstGeom>
+          <a:noFill/>
+        </p:spPr>
+        <p:txBody>
+          <a:bodyPr wrap="square" rtlCol="0">
+            <a:spAutoFit/>
+          </a:bodyPr>
+          <a:lstStyle/>
+          <a:p>
+            <a:r>
+              <a:rPr lang="en-US" u="sng" err="1"/>
+              <a:t>PinfoID</a:t>
+            </a:r>
+            <a:r>
+              <a:rPr lang="en-US"/>
+              <a:t> – PK = Primary Key for this table</a:t>
+            </a:r>
+          </a:p>
+        </p:txBody>
+      </p:sp>
+      <p:sp>
+        <p:nvSpPr>
+          <p:cNvPr id="20" name="TextBox 19">
+            <a:extLst>
+              <a:ext uri="{FF2B5EF4-FFF2-40B4-BE49-F238E27FC236}">
+                <a16:creationId xmlns:a16="http://schemas.microsoft.com/office/drawing/2014/main" id="{12751FF3-FEF4-8140-9B38-F359FF7DA8F6}"/>
+              </a:ext>
+            </a:extLst>
+          </p:cNvPr>
+          <p:cNvSpPr txBox="1"/>
+          <p:nvPr/>
+        </p:nvSpPr>
+        <p:spPr>
+          <a:xfrm>
+            <a:off x="485427" y="6076288"/>
+            <a:ext cx="8142180" cy="369332"/>
+          </a:xfrm>
+          <a:prstGeom prst="rect">
+            <a:avLst/>
+          </a:prstGeom>
+          <a:noFill/>
+        </p:spPr>
+        <p:txBody>
+          <a:bodyPr wrap="square" rtlCol="0">
+            <a:spAutoFit/>
+          </a:bodyPr>
+          <a:lstStyle/>
+          <a:p>
+            <a:r>
+              <a:rPr lang="en-US"/>
+              <a:t>Double1 = parameter for a Double</a:t>
+            </a:r>
+          </a:p>
+        </p:txBody>
+      </p:sp>
+      <p:sp>
+        <p:nvSpPr>
+          <p:cNvPr id="21" name="TextBox 20">
+            <a:extLst>
+              <a:ext uri="{FF2B5EF4-FFF2-40B4-BE49-F238E27FC236}">
+                <a16:creationId xmlns:a16="http://schemas.microsoft.com/office/drawing/2014/main" id="{8643D827-2DB4-474F-904A-AA8008BB7ABB}"/>
+              </a:ext>
+            </a:extLst>
+          </p:cNvPr>
+          <p:cNvSpPr txBox="1"/>
+          <p:nvPr/>
+        </p:nvSpPr>
+        <p:spPr>
+          <a:xfrm>
+            <a:off x="492939" y="6438991"/>
+            <a:ext cx="8168427" cy="367990"/>
+          </a:xfrm>
+          <a:prstGeom prst="rect">
+            <a:avLst/>
+          </a:prstGeom>
+          <a:noFill/>
+        </p:spPr>
+        <p:txBody>
+          <a:bodyPr wrap="square" rtlCol="0">
+            <a:spAutoFit/>
+          </a:bodyPr>
+          <a:lstStyle/>
+          <a:p>
+            <a:r>
+              <a:rPr lang="en-US"/>
+              <a:t>Char256 = parameter for a maximum 256 byte sized character array</a:t>
+            </a:r>
+          </a:p>
+        </p:txBody>
+      </p:sp>
+    </p:spTree>
+    <p:extLst>
+      <p:ext uri="{BB962C8B-B14F-4D97-AF65-F5344CB8AC3E}">
+        <p14:creationId xmlns:p14="http://schemas.microsoft.com/office/powerpoint/2010/main" val="411085431"/>
+      </p:ext>
+    </p:extLst>
+  </p:cSld>
+  <p:clrMapOvr>
+    <a:masterClrMapping/>
+  </p:clrMapOvr>
+</p:sld>
+</file>
+
+<file path=ppt/slides/slide11.xml><?xml version="1.0" encoding="utf-8"?>
+<p:sld xmlns:a="http://schemas.openxmlformats.org/drawingml/2006/main" xmlns:r="http://schemas.openxmlformats.org/officeDocument/2006/relationships" xmlns:p="http://schemas.openxmlformats.org/presentationml/2006/main">
+  <p:cSld>
+    <p:spTree>
+      <p:nvGrpSpPr>
+        <p:cNvPr id="1" name=""/>
+        <p:cNvGrpSpPr/>
+        <p:nvPr/>
+      </p:nvGrpSpPr>
+      <p:grpSpPr>
+        <a:xfrm>
+          <a:off x="0" y="0"/>
+          <a:ext cx="0" cy="0"/>
+          <a:chOff x="0" y="0"/>
+          <a:chExt cx="0" cy="0"/>
+        </a:xfrm>
+      </p:grpSpPr>
+      <p:sp>
+        <p:nvSpPr>
+          <p:cNvPr id="3" name="TextBox 2">
+            <a:extLst>
+              <a:ext uri="{FF2B5EF4-FFF2-40B4-BE49-F238E27FC236}">
+                <a16:creationId xmlns:a16="http://schemas.microsoft.com/office/drawing/2014/main" id="{3CB5204A-0799-4EB4-877D-2AA95CDFC47D}"/>
+              </a:ext>
+            </a:extLst>
+          </p:cNvPr>
+          <p:cNvSpPr txBox="1"/>
+          <p:nvPr/>
+        </p:nvSpPr>
+        <p:spPr>
+          <a:xfrm rot="21540000">
+            <a:off x="492226" y="157387"/>
+            <a:ext cx="1706252" cy="400110"/>
+          </a:xfrm>
+          <a:prstGeom prst="rect">
+            <a:avLst/>
+          </a:prstGeom>
+          <a:noFill/>
+        </p:spPr>
+        <p:txBody>
+          <a:bodyPr rot="0" spcFirstLastPara="0" vertOverflow="overflow" horzOverflow="overflow" vert="horz" wrap="square" lIns="91440" tIns="45720" rIns="91440" bIns="45720" numCol="1" spcCol="0" rtlCol="0" fromWordArt="0" anchor="t" anchorCtr="0" forceAA="0" compatLnSpc="1">
+            <a:prstTxWarp prst="textNoShape">
+              <a:avLst/>
+            </a:prstTxWarp>
+            <a:spAutoFit/>
+          </a:bodyPr>
+          <a:lstStyle/>
+          <a:p>
+            <a:pPr algn="l"/>
+            <a:r>
               <a:rPr lang="en-US" sz="2000"/>
               <a:t>SupplierInfo</a:t>
             </a:r>
-            <a:endParaRPr lang="en-US" sz="2000" dirty="0" err="1">
+            <a:endParaRPr lang="en-US" sz="2000" err="1">
               <a:cs typeface="Calibri"/>
             </a:endParaRPr>
           </a:p>
@@ -4412,77 +5892,77 @@
                     <a:bodyPr/>
                     <a:lstStyle/>
                     <a:p>
-                      <a:endParaRPr lang="en-US" dirty="0"/>
-                    </a:p>
-                  </a:txBody>
-                  <a:tcPr/>
-                </a:tc>
-                <a:tc>
-                  <a:txBody>
-                    <a:bodyPr/>
-                    <a:lstStyle/>
-                    <a:p>
-                      <a:endParaRPr lang="en-US"/>
-                    </a:p>
-                  </a:txBody>
-                  <a:tcPr/>
-                </a:tc>
-                <a:tc>
-                  <a:txBody>
-                    <a:bodyPr/>
-                    <a:lstStyle/>
-                    <a:p>
-                      <a:endParaRPr lang="en-US"/>
-                    </a:p>
-                  </a:txBody>
-                  <a:tcPr/>
-                </a:tc>
-                <a:tc>
-                  <a:txBody>
-                    <a:bodyPr/>
-                    <a:lstStyle/>
-                    <a:p>
-                      <a:endParaRPr lang="en-US"/>
-                    </a:p>
-                  </a:txBody>
-                  <a:tcPr/>
-                </a:tc>
-                <a:tc>
-                  <a:txBody>
-                    <a:bodyPr/>
-                    <a:lstStyle/>
-                    <a:p>
-                      <a:endParaRPr lang="en-US"/>
-                    </a:p>
-                  </a:txBody>
-                  <a:tcPr/>
-                </a:tc>
-                <a:tc>
-                  <a:txBody>
-                    <a:bodyPr/>
-                    <a:lstStyle/>
-                    <a:p>
-                      <a:endParaRPr lang="en-US"/>
-                    </a:p>
-                  </a:txBody>
-                  <a:tcPr/>
-                </a:tc>
-                <a:tc>
-                  <a:txBody>
-                    <a:bodyPr/>
-                    <a:lstStyle/>
-                    <a:p>
-                      <a:endParaRPr lang="en-US"/>
-                    </a:p>
-                  </a:txBody>
-                  <a:tcPr/>
-                </a:tc>
-                <a:tc>
-                  <a:txBody>
-                    <a:bodyPr/>
-                    <a:lstStyle/>
-                    <a:p>
-                      <a:endParaRPr lang="en-US" dirty="0"/>
+                      <a:endParaRPr lang="en-US"/>
+                    </a:p>
+                  </a:txBody>
+                  <a:tcPr/>
+                </a:tc>
+                <a:tc>
+                  <a:txBody>
+                    <a:bodyPr/>
+                    <a:lstStyle/>
+                    <a:p>
+                      <a:endParaRPr lang="en-US"/>
+                    </a:p>
+                  </a:txBody>
+                  <a:tcPr/>
+                </a:tc>
+                <a:tc>
+                  <a:txBody>
+                    <a:bodyPr/>
+                    <a:lstStyle/>
+                    <a:p>
+                      <a:endParaRPr lang="en-US"/>
+                    </a:p>
+                  </a:txBody>
+                  <a:tcPr/>
+                </a:tc>
+                <a:tc>
+                  <a:txBody>
+                    <a:bodyPr/>
+                    <a:lstStyle/>
+                    <a:p>
+                      <a:endParaRPr lang="en-US"/>
+                    </a:p>
+                  </a:txBody>
+                  <a:tcPr/>
+                </a:tc>
+                <a:tc>
+                  <a:txBody>
+                    <a:bodyPr/>
+                    <a:lstStyle/>
+                    <a:p>
+                      <a:endParaRPr lang="en-US"/>
+                    </a:p>
+                  </a:txBody>
+                  <a:tcPr/>
+                </a:tc>
+                <a:tc>
+                  <a:txBody>
+                    <a:bodyPr/>
+                    <a:lstStyle/>
+                    <a:p>
+                      <a:endParaRPr lang="en-US"/>
+                    </a:p>
+                  </a:txBody>
+                  <a:tcPr/>
+                </a:tc>
+                <a:tc>
+                  <a:txBody>
+                    <a:bodyPr/>
+                    <a:lstStyle/>
+                    <a:p>
+                      <a:endParaRPr lang="en-US"/>
+                    </a:p>
+                  </a:txBody>
+                  <a:tcPr/>
+                </a:tc>
+                <a:tc>
+                  <a:txBody>
+                    <a:bodyPr/>
+                    <a:lstStyle/>
+                    <a:p>
+                      <a:endParaRPr lang="en-US"/>
                     </a:p>
                   </a:txBody>
                   <a:tcPr/>
@@ -4509,87 +5989,87 @@
                     <a:bodyPr/>
                     <a:lstStyle/>
                     <a:p>
-                      <a:endParaRPr lang="en-US" dirty="0"/>
-                    </a:p>
-                  </a:txBody>
-                  <a:tcPr/>
-                </a:tc>
-                <a:tc>
-                  <a:txBody>
-                    <a:bodyPr/>
-                    <a:lstStyle/>
-                    <a:p>
-                      <a:endParaRPr lang="en-US" dirty="0"/>
-                    </a:p>
-                  </a:txBody>
-                  <a:tcPr/>
-                </a:tc>
-                <a:tc>
-                  <a:txBody>
-                    <a:bodyPr/>
-                    <a:lstStyle/>
-                    <a:p>
-                      <a:endParaRPr lang="en-US"/>
-                    </a:p>
-                  </a:txBody>
-                  <a:tcPr/>
-                </a:tc>
-                <a:tc>
-                  <a:txBody>
-                    <a:bodyPr/>
-                    <a:lstStyle/>
-                    <a:p>
-                      <a:endParaRPr lang="en-US"/>
-                    </a:p>
-                  </a:txBody>
-                  <a:tcPr/>
-                </a:tc>
-                <a:tc>
-                  <a:txBody>
-                    <a:bodyPr/>
-                    <a:lstStyle/>
-                    <a:p>
-                      <a:endParaRPr lang="en-US"/>
-                    </a:p>
-                  </a:txBody>
-                  <a:tcPr/>
-                </a:tc>
-                <a:tc>
-                  <a:txBody>
-                    <a:bodyPr/>
-                    <a:lstStyle/>
-                    <a:p>
-                      <a:endParaRPr lang="en-US"/>
-                    </a:p>
-                  </a:txBody>
-                  <a:tcPr/>
-                </a:tc>
-                <a:tc>
-                  <a:txBody>
-                    <a:bodyPr/>
-                    <a:lstStyle/>
-                    <a:p>
-                      <a:endParaRPr lang="en-US"/>
-                    </a:p>
-                  </a:txBody>
-                  <a:tcPr/>
-                </a:tc>
-                <a:tc>
-                  <a:txBody>
-                    <a:bodyPr/>
-                    <a:lstStyle/>
-                    <a:p>
-                      <a:endParaRPr lang="en-US"/>
-                    </a:p>
-                  </a:txBody>
-                  <a:tcPr/>
-                </a:tc>
-                <a:tc>
-                  <a:txBody>
-                    <a:bodyPr/>
-                    <a:lstStyle/>
-                    <a:p>
-                      <a:endParaRPr lang="en-US" dirty="0"/>
+                      <a:endParaRPr lang="en-US"/>
+                    </a:p>
+                  </a:txBody>
+                  <a:tcPr/>
+                </a:tc>
+                <a:tc>
+                  <a:txBody>
+                    <a:bodyPr/>
+                    <a:lstStyle/>
+                    <a:p>
+                      <a:endParaRPr lang="en-US"/>
+                    </a:p>
+                  </a:txBody>
+                  <a:tcPr/>
+                </a:tc>
+                <a:tc>
+                  <a:txBody>
+                    <a:bodyPr/>
+                    <a:lstStyle/>
+                    <a:p>
+                      <a:endParaRPr lang="en-US"/>
+                    </a:p>
+                  </a:txBody>
+                  <a:tcPr/>
+                </a:tc>
+                <a:tc>
+                  <a:txBody>
+                    <a:bodyPr/>
+                    <a:lstStyle/>
+                    <a:p>
+                      <a:endParaRPr lang="en-US"/>
+                    </a:p>
+                  </a:txBody>
+                  <a:tcPr/>
+                </a:tc>
+                <a:tc>
+                  <a:txBody>
+                    <a:bodyPr/>
+                    <a:lstStyle/>
+                    <a:p>
+                      <a:endParaRPr lang="en-US"/>
+                    </a:p>
+                  </a:txBody>
+                  <a:tcPr/>
+                </a:tc>
+                <a:tc>
+                  <a:txBody>
+                    <a:bodyPr/>
+                    <a:lstStyle/>
+                    <a:p>
+                      <a:endParaRPr lang="en-US"/>
+                    </a:p>
+                  </a:txBody>
+                  <a:tcPr/>
+                </a:tc>
+                <a:tc>
+                  <a:txBody>
+                    <a:bodyPr/>
+                    <a:lstStyle/>
+                    <a:p>
+                      <a:endParaRPr lang="en-US"/>
+                    </a:p>
+                  </a:txBody>
+                  <a:tcPr/>
+                </a:tc>
+                <a:tc>
+                  <a:txBody>
+                    <a:bodyPr/>
+                    <a:lstStyle/>
+                    <a:p>
+                      <a:endParaRPr lang="en-US"/>
+                    </a:p>
+                  </a:txBody>
+                  <a:tcPr/>
+                </a:tc>
+                <a:tc>
+                  <a:txBody>
+                    <a:bodyPr/>
+                    <a:lstStyle/>
+                    <a:p>
+                      <a:endParaRPr lang="en-US"/>
                     </a:p>
                   </a:txBody>
                   <a:tcPr/>
@@ -4606,17 +6086,17 @@
                     <a:bodyPr/>
                     <a:lstStyle/>
                     <a:p>
-                      <a:endParaRPr lang="en-US" dirty="0"/>
-                    </a:p>
-                  </a:txBody>
-                  <a:tcPr/>
-                </a:tc>
-                <a:tc>
-                  <a:txBody>
-                    <a:bodyPr/>
-                    <a:lstStyle/>
-                    <a:p>
-                      <a:endParaRPr lang="en-US" dirty="0"/>
+                      <a:endParaRPr lang="en-US"/>
+                    </a:p>
+                  </a:txBody>
+                  <a:tcPr/>
+                </a:tc>
+                <a:tc>
+                  <a:txBody>
+                    <a:bodyPr/>
+                    <a:lstStyle/>
+                    <a:p>
+                      <a:endParaRPr lang="en-US"/>
                     </a:p>
                   </a:txBody>
                   <a:tcPr/>
@@ -4703,17 +6183,17 @@
                     <a:bodyPr/>
                     <a:lstStyle/>
                     <a:p>
-                      <a:endParaRPr lang="en-US" dirty="0"/>
-                    </a:p>
-                  </a:txBody>
-                  <a:tcPr/>
-                </a:tc>
-                <a:tc>
-                  <a:txBody>
-                    <a:bodyPr/>
-                    <a:lstStyle/>
-                    <a:p>
-                      <a:endParaRPr lang="en-US" dirty="0"/>
+                      <a:endParaRPr lang="en-US"/>
+                    </a:p>
+                  </a:txBody>
+                  <a:tcPr/>
+                </a:tc>
+                <a:tc>
+                  <a:txBody>
+                    <a:bodyPr/>
+                    <a:lstStyle/>
+                    <a:p>
+                      <a:endParaRPr lang="en-US"/>
                     </a:p>
                   </a:txBody>
                   <a:tcPr/>
@@ -4800,87 +6280,87 @@
                     <a:bodyPr/>
                     <a:lstStyle/>
                     <a:p>
-                      <a:endParaRPr lang="en-US" dirty="0"/>
-                    </a:p>
-                  </a:txBody>
-                  <a:tcPr/>
-                </a:tc>
-                <a:tc>
-                  <a:txBody>
-                    <a:bodyPr/>
-                    <a:lstStyle/>
-                    <a:p>
-                      <a:endParaRPr lang="en-US" dirty="0"/>
-                    </a:p>
-                  </a:txBody>
-                  <a:tcPr/>
-                </a:tc>
-                <a:tc>
-                  <a:txBody>
-                    <a:bodyPr/>
-                    <a:lstStyle/>
-                    <a:p>
-                      <a:endParaRPr lang="en-US"/>
-                    </a:p>
-                  </a:txBody>
-                  <a:tcPr/>
-                </a:tc>
-                <a:tc>
-                  <a:txBody>
-                    <a:bodyPr/>
-                    <a:lstStyle/>
-                    <a:p>
-                      <a:endParaRPr lang="en-US"/>
-                    </a:p>
-                  </a:txBody>
-                  <a:tcPr/>
-                </a:tc>
-                <a:tc>
-                  <a:txBody>
-                    <a:bodyPr/>
-                    <a:lstStyle/>
-                    <a:p>
-                      <a:endParaRPr lang="en-US"/>
-                    </a:p>
-                  </a:txBody>
-                  <a:tcPr/>
-                </a:tc>
-                <a:tc>
-                  <a:txBody>
-                    <a:bodyPr/>
-                    <a:lstStyle/>
-                    <a:p>
-                      <a:endParaRPr lang="en-US"/>
-                    </a:p>
-                  </a:txBody>
-                  <a:tcPr/>
-                </a:tc>
-                <a:tc>
-                  <a:txBody>
-                    <a:bodyPr/>
-                    <a:lstStyle/>
-                    <a:p>
-                      <a:endParaRPr lang="en-US"/>
-                    </a:p>
-                  </a:txBody>
-                  <a:tcPr/>
-                </a:tc>
-                <a:tc>
-                  <a:txBody>
-                    <a:bodyPr/>
-                    <a:lstStyle/>
-                    <a:p>
-                      <a:endParaRPr lang="en-US"/>
-                    </a:p>
-                  </a:txBody>
-                  <a:tcPr/>
-                </a:tc>
-                <a:tc>
-                  <a:txBody>
-                    <a:bodyPr/>
-                    <a:lstStyle/>
-                    <a:p>
-                      <a:endParaRPr lang="en-US" dirty="0"/>
+                      <a:endParaRPr lang="en-US"/>
+                    </a:p>
+                  </a:txBody>
+                  <a:tcPr/>
+                </a:tc>
+                <a:tc>
+                  <a:txBody>
+                    <a:bodyPr/>
+                    <a:lstStyle/>
+                    <a:p>
+                      <a:endParaRPr lang="en-US"/>
+                    </a:p>
+                  </a:txBody>
+                  <a:tcPr/>
+                </a:tc>
+                <a:tc>
+                  <a:txBody>
+                    <a:bodyPr/>
+                    <a:lstStyle/>
+                    <a:p>
+                      <a:endParaRPr lang="en-US"/>
+                    </a:p>
+                  </a:txBody>
+                  <a:tcPr/>
+                </a:tc>
+                <a:tc>
+                  <a:txBody>
+                    <a:bodyPr/>
+                    <a:lstStyle/>
+                    <a:p>
+                      <a:endParaRPr lang="en-US"/>
+                    </a:p>
+                  </a:txBody>
+                  <a:tcPr/>
+                </a:tc>
+                <a:tc>
+                  <a:txBody>
+                    <a:bodyPr/>
+                    <a:lstStyle/>
+                    <a:p>
+                      <a:endParaRPr lang="en-US"/>
+                    </a:p>
+                  </a:txBody>
+                  <a:tcPr/>
+                </a:tc>
+                <a:tc>
+                  <a:txBody>
+                    <a:bodyPr/>
+                    <a:lstStyle/>
+                    <a:p>
+                      <a:endParaRPr lang="en-US"/>
+                    </a:p>
+                  </a:txBody>
+                  <a:tcPr/>
+                </a:tc>
+                <a:tc>
+                  <a:txBody>
+                    <a:bodyPr/>
+                    <a:lstStyle/>
+                    <a:p>
+                      <a:endParaRPr lang="en-US"/>
+                    </a:p>
+                  </a:txBody>
+                  <a:tcPr/>
+                </a:tc>
+                <a:tc>
+                  <a:txBody>
+                    <a:bodyPr/>
+                    <a:lstStyle/>
+                    <a:p>
+                      <a:endParaRPr lang="en-US"/>
+                    </a:p>
+                  </a:txBody>
+                  <a:tcPr/>
+                </a:tc>
+                <a:tc>
+                  <a:txBody>
+                    <a:bodyPr/>
+                    <a:lstStyle/>
+                    <a:p>
+                      <a:endParaRPr lang="en-US"/>
                     </a:p>
                   </a:txBody>
                   <a:tcPr/>
@@ -4928,10 +6408,10 @@
           <a:p>
             <a:pPr algn="l"/>
             <a:r>
-              <a:rPr lang="en-US" u="sng" dirty="0" err="1"/>
+              <a:rPr lang="en-US" u="sng" err="1"/>
               <a:t>SuppD</a:t>
             </a:r>
-            <a:endParaRPr lang="en-US" u="sng" dirty="0">
+            <a:endParaRPr lang="en-US" u="sng">
               <a:cs typeface="Calibri"/>
             </a:endParaRPr>
           </a:p>
@@ -4970,10 +6450,10 @@
           <a:p>
             <a:pPr algn="l"/>
             <a:r>
-              <a:rPr lang="en-US" i="1" dirty="0" err="1"/>
+              <a:rPr lang="en-US" i="1" err="1"/>
               <a:t>UpdaterID</a:t>
             </a:r>
-            <a:endParaRPr lang="en-US" i="1" dirty="0"/>
+            <a:endParaRPr lang="en-US" i="1"/>
           </a:p>
         </p:txBody>
       </p:sp>
@@ -5010,10 +6490,10 @@
           <a:p>
             <a:pPr algn="l"/>
             <a:r>
-              <a:rPr lang="en-US" dirty="0" err="1"/>
+              <a:rPr lang="en-US" err="1"/>
               <a:t>UpdTime</a:t>
             </a:r>
-            <a:endParaRPr lang="en-US" dirty="0"/>
+            <a:endParaRPr lang="en-US"/>
           </a:p>
         </p:txBody>
       </p:sp>
@@ -5050,12 +6530,12 @@
           <a:p>
             <a:pPr algn="l"/>
             <a:r>
-              <a:rPr lang="en-US" dirty="0" err="1">
+              <a:rPr lang="en-US" err="1">
                 <a:cs typeface="Calibri"/>
               </a:rPr>
               <a:t>SuppType</a:t>
             </a:r>
-            <a:endParaRPr lang="en-US" dirty="0">
+            <a:endParaRPr lang="en-US">
               <a:cs typeface="Calibri"/>
             </a:endParaRPr>
           </a:p>
@@ -5094,10 +6574,10 @@
           <a:p>
             <a:pPr algn="l"/>
             <a:r>
-              <a:rPr lang="en-US" dirty="0"/>
+              <a:rPr lang="en-US"/>
               <a:t>Char256</a:t>
             </a:r>
-            <a:endParaRPr lang="en-US" dirty="0">
+            <a:endParaRPr lang="en-US">
               <a:cs typeface="Calibri"/>
             </a:endParaRPr>
           </a:p>
@@ -5136,7 +6616,7 @@
           <a:p>
             <a:pPr algn="l"/>
             <a:r>
-              <a:rPr lang="en-US" dirty="0">
+              <a:rPr lang="en-US">
                 <a:cs typeface="Calibri"/>
               </a:rPr>
               <a:t>Int1</a:t>
@@ -5177,7 +6657,7 @@
           <a:p>
             <a:pPr algn="l"/>
             <a:r>
-              <a:rPr lang="en-US" dirty="0">
+              <a:rPr lang="en-US">
                 <a:cs typeface="Calibri"/>
               </a:rPr>
               <a:t>valid</a:t>
@@ -5217,11 +6697,11 @@
           <a:lstStyle/>
           <a:p>
             <a:r>
-              <a:rPr lang="en-US" i="1" dirty="0"/>
+              <a:rPr lang="en-US" i="1"/>
               <a:t>SuppID</a:t>
             </a:r>
             <a:r>
-              <a:rPr lang="en-US" dirty="0"/>
+              <a:rPr lang="en-US"/>
               <a:t> – FK = Supplier Identifier (used as a foreign key)</a:t>
             </a:r>
           </a:p>
@@ -5259,16 +6739,12 @@
           <a:lstStyle/>
           <a:p>
             <a:r>
-              <a:rPr lang="en-US" i="1" dirty="0"/>
+              <a:rPr lang="en-US" i="1"/>
               <a:t>UpdaterID</a:t>
             </a:r>
             <a:r>
-              <a:rPr lang="en-US" dirty="0"/>
-              <a:t> – FK = Employee Identifier who </a:t>
-            </a:r>
-            <a:r>
               <a:rPr lang="en-US"/>
-              <a:t>created or updated this record</a:t>
+              <a:t> – FK = Employee Identifier who created or updated this record</a:t>
             </a:r>
           </a:p>
         </p:txBody>
@@ -5305,14 +6781,14 @@
           <a:lstStyle/>
           <a:p>
             <a:r>
-              <a:rPr lang="en-US" dirty="0" err="1"/>
+              <a:rPr lang="en-US" err="1"/>
               <a:t>UpdTime</a:t>
             </a:r>
             <a:r>
-              <a:rPr lang="en-US" dirty="0"/>
+              <a:rPr lang="en-US"/>
               <a:t> = Record update date and Time: MMDDYYYYHHMMSS</a:t>
             </a:r>
-            <a:endParaRPr lang="en-US" dirty="0">
+            <a:endParaRPr lang="en-US">
               <a:cs typeface="Calibri"/>
             </a:endParaRPr>
           </a:p>
@@ -5350,10 +6826,10 @@
           <a:lstStyle/>
           <a:p>
             <a:r>
-              <a:rPr lang="en-US" dirty="0"/>
+              <a:rPr lang="en-US"/>
               <a:t>Int1 = An Integer sized parameter</a:t>
             </a:r>
-            <a:endParaRPr lang="en-US" dirty="0">
+            <a:endParaRPr lang="en-US">
               <a:cs typeface="Calibri"/>
             </a:endParaRPr>
           </a:p>
@@ -5391,34 +6867,34 @@
           <a:lstStyle/>
           <a:p>
             <a:r>
-              <a:rPr lang="en-US" dirty="0"/>
+              <a:rPr lang="en-US"/>
               <a:t>SuppType= indicates value type of Int1, Double1 and Char256 fields (</a:t>
             </a:r>
             <a:r>
-              <a:rPr lang="en-US" dirty="0" err="1"/>
+              <a:rPr lang="en-US" err="1"/>
               <a:t>primaryPhone</a:t>
             </a:r>
             <a:r>
-              <a:rPr lang="en-US" dirty="0"/>
+              <a:rPr lang="en-US"/>
               <a:t>, Phone2, …, </a:t>
             </a:r>
             <a:r>
-              <a:rPr lang="en-US" dirty="0" err="1"/>
+              <a:rPr lang="en-US" err="1"/>
               <a:t>PrimaryEmail</a:t>
             </a:r>
             <a:r>
-              <a:rPr lang="en-US" dirty="0"/>
+              <a:rPr lang="en-US"/>
               <a:t>, Email2,...AddressLine1, AddressLine2, …, </a:t>
             </a:r>
             <a:r>
-              <a:rPr lang="en-US" dirty="0" err="1"/>
+              <a:rPr lang="en-US" err="1"/>
               <a:t>Bname</a:t>
             </a:r>
             <a:r>
-              <a:rPr lang="en-US" dirty="0"/>
+              <a:rPr lang="en-US"/>
               <a:t>, other (can be added to ad infinitum ) </a:t>
             </a:r>
-            <a:endParaRPr lang="en-US" dirty="0">
+            <a:endParaRPr lang="en-US">
               <a:cs typeface="Calibri"/>
             </a:endParaRPr>
           </a:p>
@@ -5456,10 +6932,10 @@
           <a:lstStyle/>
           <a:p>
             <a:r>
-              <a:rPr lang="en-US" dirty="0"/>
+              <a:rPr lang="en-US"/>
               <a:t>valid = indicates which, if any, columns in record is valid (bit mapped)</a:t>
             </a:r>
-            <a:endParaRPr lang="en-US" dirty="0">
+            <a:endParaRPr lang="en-US">
               <a:cs typeface="Calibri"/>
             </a:endParaRPr>
           </a:p>
@@ -5494,7 +6970,7 @@
           <a:lstStyle/>
           <a:p>
             <a:r>
-              <a:rPr lang="en-US" dirty="0"/>
+              <a:rPr lang="en-US"/>
               <a:t>Double1</a:t>
             </a:r>
           </a:p>
@@ -5529,7 +7005,7 @@
           <a:lstStyle/>
           <a:p>
             <a:r>
-              <a:rPr lang="en-US" dirty="0"/>
+              <a:rPr lang="en-US"/>
               <a:t>Double1 – A Double sized parameter</a:t>
             </a:r>
           </a:p>
@@ -5564,7 +7040,7 @@
           <a:lstStyle/>
           <a:p>
             <a:r>
-              <a:rPr lang="en-US" dirty="0"/>
+              <a:rPr lang="en-US"/>
               <a:t>Char256 = A maximum 256 byte parameter for a character field</a:t>
             </a:r>
           </a:p>
@@ -5599,10 +7075,10 @@
           <a:lstStyle/>
           <a:p>
             <a:r>
-              <a:rPr lang="en-US" u="sng" dirty="0" err="1"/>
+              <a:rPr lang="en-US" u="sng" err="1"/>
               <a:t>SinfoID</a:t>
             </a:r>
-            <a:endParaRPr lang="en-US" u="sng" dirty="0"/>
+            <a:endParaRPr lang="en-US" u="sng"/>
           </a:p>
         </p:txBody>
       </p:sp>
@@ -5635,11 +7111,11 @@
           <a:lstStyle/>
           <a:p>
             <a:r>
-              <a:rPr lang="en-US" u="sng" dirty="0" err="1"/>
+              <a:rPr lang="en-US" u="sng" err="1"/>
               <a:t>SinfoID</a:t>
             </a:r>
             <a:r>
-              <a:rPr lang="en-US" dirty="0"/>
+              <a:rPr lang="en-US"/>
               <a:t> – PK = Primary Key for this table</a:t>
             </a:r>
           </a:p>
@@ -5649,1393 +7125,6 @@
     <p:extLst>
       <p:ext uri="{BB962C8B-B14F-4D97-AF65-F5344CB8AC3E}">
         <p14:creationId xmlns:p14="http://schemas.microsoft.com/office/powerpoint/2010/main" val="3481181001"/>
-      </p:ext>
-    </p:extLst>
-  </p:cSld>
-  <p:clrMapOvr>
-    <a:masterClrMapping/>
-  </p:clrMapOvr>
-</p:sld>
-</file>
-
-<file path=ppt/slides/slide11.xml><?xml version="1.0" encoding="utf-8"?>
-<p:sld xmlns:a="http://schemas.openxmlformats.org/drawingml/2006/main" xmlns:r="http://schemas.openxmlformats.org/officeDocument/2006/relationships" xmlns:p="http://schemas.openxmlformats.org/presentationml/2006/main">
-  <p:cSld>
-    <p:spTree>
-      <p:nvGrpSpPr>
-        <p:cNvPr id="1" name=""/>
-        <p:cNvGrpSpPr/>
-        <p:nvPr/>
-      </p:nvGrpSpPr>
-      <p:grpSpPr>
-        <a:xfrm>
-          <a:off x="0" y="0"/>
-          <a:ext cx="0" cy="0"/>
-          <a:chOff x="0" y="0"/>
-          <a:chExt cx="0" cy="0"/>
-        </a:xfrm>
-      </p:grpSpPr>
-      <p:sp>
-        <p:nvSpPr>
-          <p:cNvPr id="3" name="TextBox 2">
-            <a:extLst>
-              <a:ext uri="{FF2B5EF4-FFF2-40B4-BE49-F238E27FC236}">
-                <a16:creationId xmlns:a16="http://schemas.microsoft.com/office/drawing/2014/main" id="{3CB5204A-0799-4EB4-877D-2AA95CDFC47D}"/>
-              </a:ext>
-            </a:extLst>
-          </p:cNvPr>
-          <p:cNvSpPr txBox="1"/>
-          <p:nvPr/>
-        </p:nvSpPr>
-        <p:spPr>
-          <a:xfrm rot="21540000">
-            <a:off x="492226" y="157387"/>
-            <a:ext cx="1706252" cy="400110"/>
-          </a:xfrm>
-          <a:prstGeom prst="rect">
-            <a:avLst/>
-          </a:prstGeom>
-          <a:noFill/>
-        </p:spPr>
-        <p:txBody>
-          <a:bodyPr rot="0" spcFirstLastPara="0" vertOverflow="overflow" horzOverflow="overflow" vert="horz" wrap="square" lIns="91440" tIns="45720" rIns="91440" bIns="45720" numCol="1" spcCol="0" rtlCol="0" fromWordArt="0" anchor="t" anchorCtr="0" forceAA="0" compatLnSpc="1">
-            <a:prstTxWarp prst="textNoShape">
-              <a:avLst/>
-            </a:prstTxWarp>
-            <a:spAutoFit/>
-          </a:bodyPr>
-          <a:lstStyle/>
-          <a:p>
-            <a:pPr algn="l"/>
-            <a:r>
-              <a:rPr lang="en-US" sz="2000" dirty="0" err="1"/>
-              <a:t>ProductInfo</a:t>
-            </a:r>
-            <a:endParaRPr lang="en-US" sz="2000" dirty="0" err="1">
-              <a:cs typeface="Calibri"/>
-            </a:endParaRPr>
-          </a:p>
-        </p:txBody>
-      </p:sp>
-      <p:graphicFrame>
-        <p:nvGraphicFramePr>
-          <p:cNvPr id="4" name="Table 4">
-            <a:extLst>
-              <a:ext uri="{FF2B5EF4-FFF2-40B4-BE49-F238E27FC236}">
-                <a16:creationId xmlns:a16="http://schemas.microsoft.com/office/drawing/2014/main" id="{4DE1F847-68AC-438F-841F-12A9DEE0FD84}"/>
-              </a:ext>
-            </a:extLst>
-          </p:cNvPr>
-          <p:cNvGraphicFramePr>
-            <a:graphicFrameLocks noGrp="1"/>
-          </p:cNvGraphicFramePr>
-          <p:nvPr>
-            <p:extLst>
-              <p:ext uri="{D42A27DB-BD31-4B8C-83A1-F6EECF244321}">
-                <p14:modId xmlns:p14="http://schemas.microsoft.com/office/powerpoint/2010/main" val="51090228"/>
-              </p:ext>
-            </p:extLst>
-          </p:nvPr>
-        </p:nvGraphicFramePr>
-        <p:xfrm>
-          <a:off x="502761" y="769855"/>
-          <a:ext cx="10826877" cy="2278395"/>
-        </p:xfrm>
-        <a:graphic>
-          <a:graphicData uri="http://schemas.openxmlformats.org/drawingml/2006/table">
-            <a:tbl>
-              <a:tblPr firstRow="1" bandRow="1">
-                <a:tableStyleId>{5C22544A-7EE6-4342-B048-85BDC9FD1C3A}</a:tableStyleId>
-              </a:tblPr>
-              <a:tblGrid>
-                <a:gridCol w="996139">
-                  <a:extLst>
-                    <a:ext uri="{9D8B030D-6E8A-4147-A177-3AD203B41FA5}">
-                      <a16:colId xmlns:a16="http://schemas.microsoft.com/office/drawing/2014/main" val="594805431"/>
-                    </a:ext>
-                  </a:extLst>
-                </a:gridCol>
-                <a:gridCol w="996139">
-                  <a:extLst>
-                    <a:ext uri="{9D8B030D-6E8A-4147-A177-3AD203B41FA5}">
-                      <a16:colId xmlns:a16="http://schemas.microsoft.com/office/drawing/2014/main" val="3962709586"/>
-                    </a:ext>
-                  </a:extLst>
-                </a:gridCol>
-                <a:gridCol w="1178040">
-                  <a:extLst>
-                    <a:ext uri="{9D8B030D-6E8A-4147-A177-3AD203B41FA5}">
-                      <a16:colId xmlns:a16="http://schemas.microsoft.com/office/drawing/2014/main" val="1586197226"/>
-                    </a:ext>
-                  </a:extLst>
-                </a:gridCol>
-                <a:gridCol w="1095751">
-                  <a:extLst>
-                    <a:ext uri="{9D8B030D-6E8A-4147-A177-3AD203B41FA5}">
-                      <a16:colId xmlns:a16="http://schemas.microsoft.com/office/drawing/2014/main" val="4231956932"/>
-                    </a:ext>
-                  </a:extLst>
-                </a:gridCol>
-                <a:gridCol w="1286282">
-                  <a:extLst>
-                    <a:ext uri="{9D8B030D-6E8A-4147-A177-3AD203B41FA5}">
-                      <a16:colId xmlns:a16="http://schemas.microsoft.com/office/drawing/2014/main" val="473075503"/>
-                    </a:ext>
-                  </a:extLst>
-                </a:gridCol>
-                <a:gridCol w="1271239">
-                  <a:extLst>
-                    <a:ext uri="{9D8B030D-6E8A-4147-A177-3AD203B41FA5}">
-                      <a16:colId xmlns:a16="http://schemas.microsoft.com/office/drawing/2014/main" val="1624473731"/>
-                    </a:ext>
-                  </a:extLst>
-                </a:gridCol>
-                <a:gridCol w="1072170">
-                  <a:extLst>
-                    <a:ext uri="{9D8B030D-6E8A-4147-A177-3AD203B41FA5}">
-                      <a16:colId xmlns:a16="http://schemas.microsoft.com/office/drawing/2014/main" val="3498612233"/>
-                    </a:ext>
-                  </a:extLst>
-                </a:gridCol>
-                <a:gridCol w="1352403">
-                  <a:extLst>
-                    <a:ext uri="{9D8B030D-6E8A-4147-A177-3AD203B41FA5}">
-                      <a16:colId xmlns:a16="http://schemas.microsoft.com/office/drawing/2014/main" val="3131314078"/>
-                    </a:ext>
-                  </a:extLst>
-                </a:gridCol>
-                <a:gridCol w="1578714">
-                  <a:extLst>
-                    <a:ext uri="{9D8B030D-6E8A-4147-A177-3AD203B41FA5}">
-                      <a16:colId xmlns:a16="http://schemas.microsoft.com/office/drawing/2014/main" val="3066658180"/>
-                    </a:ext>
-                  </a:extLst>
-                </a:gridCol>
-              </a:tblGrid>
-              <a:tr h="455679">
-                <a:tc>
-                  <a:txBody>
-                    <a:bodyPr/>
-                    <a:lstStyle/>
-                    <a:p>
-                      <a:endParaRPr lang="en-US"/>
-                    </a:p>
-                  </a:txBody>
-                  <a:tcPr/>
-                </a:tc>
-                <a:tc>
-                  <a:txBody>
-                    <a:bodyPr/>
-                    <a:lstStyle/>
-                    <a:p>
-                      <a:endParaRPr lang="en-US"/>
-                    </a:p>
-                  </a:txBody>
-                  <a:tcPr/>
-                </a:tc>
-                <a:tc>
-                  <a:txBody>
-                    <a:bodyPr/>
-                    <a:lstStyle/>
-                    <a:p>
-                      <a:endParaRPr lang="en-US"/>
-                    </a:p>
-                  </a:txBody>
-                  <a:tcPr/>
-                </a:tc>
-                <a:tc>
-                  <a:txBody>
-                    <a:bodyPr/>
-                    <a:lstStyle/>
-                    <a:p>
-                      <a:endParaRPr lang="en-US"/>
-                    </a:p>
-                  </a:txBody>
-                  <a:tcPr/>
-                </a:tc>
-                <a:tc>
-                  <a:txBody>
-                    <a:bodyPr/>
-                    <a:lstStyle/>
-                    <a:p>
-                      <a:endParaRPr lang="en-US"/>
-                    </a:p>
-                  </a:txBody>
-                  <a:tcPr/>
-                </a:tc>
-                <a:tc>
-                  <a:txBody>
-                    <a:bodyPr/>
-                    <a:lstStyle/>
-                    <a:p>
-                      <a:endParaRPr lang="en-US"/>
-                    </a:p>
-                  </a:txBody>
-                  <a:tcPr/>
-                </a:tc>
-                <a:tc>
-                  <a:txBody>
-                    <a:bodyPr/>
-                    <a:lstStyle/>
-                    <a:p>
-                      <a:endParaRPr lang="en-US" dirty="0"/>
-                    </a:p>
-                  </a:txBody>
-                  <a:tcPr/>
-                </a:tc>
-                <a:tc>
-                  <a:txBody>
-                    <a:bodyPr/>
-                    <a:lstStyle/>
-                    <a:p>
-                      <a:endParaRPr lang="en-US"/>
-                    </a:p>
-                  </a:txBody>
-                  <a:tcPr/>
-                </a:tc>
-                <a:tc>
-                  <a:txBody>
-                    <a:bodyPr/>
-                    <a:lstStyle/>
-                    <a:p>
-                      <a:endParaRPr lang="en-US"/>
-                    </a:p>
-                  </a:txBody>
-                  <a:tcPr/>
-                </a:tc>
-                <a:extLst>
-                  <a:ext uri="{0D108BD9-81ED-4DB2-BD59-A6C34878D82A}">
-                    <a16:rowId xmlns:a16="http://schemas.microsoft.com/office/drawing/2014/main" val="4189708643"/>
-                  </a:ext>
-                </a:extLst>
-              </a:tr>
-              <a:tr h="455679">
-                <a:tc>
-                  <a:txBody>
-                    <a:bodyPr/>
-                    <a:lstStyle/>
-                    <a:p>
-                      <a:endParaRPr lang="en-US" dirty="0"/>
-                    </a:p>
-                  </a:txBody>
-                  <a:tcPr/>
-                </a:tc>
-                <a:tc>
-                  <a:txBody>
-                    <a:bodyPr/>
-                    <a:lstStyle/>
-                    <a:p>
-                      <a:endParaRPr lang="en-US" dirty="0"/>
-                    </a:p>
-                  </a:txBody>
-                  <a:tcPr/>
-                </a:tc>
-                <a:tc>
-                  <a:txBody>
-                    <a:bodyPr/>
-                    <a:lstStyle/>
-                    <a:p>
-                      <a:endParaRPr lang="en-US"/>
-                    </a:p>
-                  </a:txBody>
-                  <a:tcPr/>
-                </a:tc>
-                <a:tc>
-                  <a:txBody>
-                    <a:bodyPr/>
-                    <a:lstStyle/>
-                    <a:p>
-                      <a:endParaRPr lang="en-US"/>
-                    </a:p>
-                  </a:txBody>
-                  <a:tcPr/>
-                </a:tc>
-                <a:tc>
-                  <a:txBody>
-                    <a:bodyPr/>
-                    <a:lstStyle/>
-                    <a:p>
-                      <a:endParaRPr lang="en-US"/>
-                    </a:p>
-                  </a:txBody>
-                  <a:tcPr/>
-                </a:tc>
-                <a:tc>
-                  <a:txBody>
-                    <a:bodyPr/>
-                    <a:lstStyle/>
-                    <a:p>
-                      <a:endParaRPr lang="en-US"/>
-                    </a:p>
-                  </a:txBody>
-                  <a:tcPr/>
-                </a:tc>
-                <a:tc>
-                  <a:txBody>
-                    <a:bodyPr/>
-                    <a:lstStyle/>
-                    <a:p>
-                      <a:endParaRPr lang="en-US"/>
-                    </a:p>
-                  </a:txBody>
-                  <a:tcPr/>
-                </a:tc>
-                <a:tc>
-                  <a:txBody>
-                    <a:bodyPr/>
-                    <a:lstStyle/>
-                    <a:p>
-                      <a:endParaRPr lang="en-US"/>
-                    </a:p>
-                  </a:txBody>
-                  <a:tcPr/>
-                </a:tc>
-                <a:tc>
-                  <a:txBody>
-                    <a:bodyPr/>
-                    <a:lstStyle/>
-                    <a:p>
-                      <a:endParaRPr lang="en-US"/>
-                    </a:p>
-                  </a:txBody>
-                  <a:tcPr/>
-                </a:tc>
-                <a:extLst>
-                  <a:ext uri="{0D108BD9-81ED-4DB2-BD59-A6C34878D82A}">
-                    <a16:rowId xmlns:a16="http://schemas.microsoft.com/office/drawing/2014/main" val="3140061776"/>
-                  </a:ext>
-                </a:extLst>
-              </a:tr>
-              <a:tr h="455679">
-                <a:tc>
-                  <a:txBody>
-                    <a:bodyPr/>
-                    <a:lstStyle/>
-                    <a:p>
-                      <a:endParaRPr lang="en-US" dirty="0"/>
-                    </a:p>
-                  </a:txBody>
-                  <a:tcPr/>
-                </a:tc>
-                <a:tc>
-                  <a:txBody>
-                    <a:bodyPr/>
-                    <a:lstStyle/>
-                    <a:p>
-                      <a:endParaRPr lang="en-US" dirty="0"/>
-                    </a:p>
-                  </a:txBody>
-                  <a:tcPr/>
-                </a:tc>
-                <a:tc>
-                  <a:txBody>
-                    <a:bodyPr/>
-                    <a:lstStyle/>
-                    <a:p>
-                      <a:endParaRPr lang="en-US"/>
-                    </a:p>
-                  </a:txBody>
-                  <a:tcPr/>
-                </a:tc>
-                <a:tc>
-                  <a:txBody>
-                    <a:bodyPr/>
-                    <a:lstStyle/>
-                    <a:p>
-                      <a:endParaRPr lang="en-US"/>
-                    </a:p>
-                  </a:txBody>
-                  <a:tcPr/>
-                </a:tc>
-                <a:tc>
-                  <a:txBody>
-                    <a:bodyPr/>
-                    <a:lstStyle/>
-                    <a:p>
-                      <a:endParaRPr lang="en-US"/>
-                    </a:p>
-                  </a:txBody>
-                  <a:tcPr/>
-                </a:tc>
-                <a:tc>
-                  <a:txBody>
-                    <a:bodyPr/>
-                    <a:lstStyle/>
-                    <a:p>
-                      <a:endParaRPr lang="en-US"/>
-                    </a:p>
-                  </a:txBody>
-                  <a:tcPr/>
-                </a:tc>
-                <a:tc>
-                  <a:txBody>
-                    <a:bodyPr/>
-                    <a:lstStyle/>
-                    <a:p>
-                      <a:endParaRPr lang="en-US"/>
-                    </a:p>
-                  </a:txBody>
-                  <a:tcPr/>
-                </a:tc>
-                <a:tc>
-                  <a:txBody>
-                    <a:bodyPr/>
-                    <a:lstStyle/>
-                    <a:p>
-                      <a:endParaRPr lang="en-US"/>
-                    </a:p>
-                  </a:txBody>
-                  <a:tcPr/>
-                </a:tc>
-                <a:tc>
-                  <a:txBody>
-                    <a:bodyPr/>
-                    <a:lstStyle/>
-                    <a:p>
-                      <a:endParaRPr lang="en-US"/>
-                    </a:p>
-                  </a:txBody>
-                  <a:tcPr/>
-                </a:tc>
-                <a:extLst>
-                  <a:ext uri="{0D108BD9-81ED-4DB2-BD59-A6C34878D82A}">
-                    <a16:rowId xmlns:a16="http://schemas.microsoft.com/office/drawing/2014/main" val="2394679091"/>
-                  </a:ext>
-                </a:extLst>
-              </a:tr>
-              <a:tr h="455679">
-                <a:tc>
-                  <a:txBody>
-                    <a:bodyPr/>
-                    <a:lstStyle/>
-                    <a:p>
-                      <a:endParaRPr lang="en-US" dirty="0"/>
-                    </a:p>
-                  </a:txBody>
-                  <a:tcPr/>
-                </a:tc>
-                <a:tc>
-                  <a:txBody>
-                    <a:bodyPr/>
-                    <a:lstStyle/>
-                    <a:p>
-                      <a:endParaRPr lang="en-US" dirty="0"/>
-                    </a:p>
-                  </a:txBody>
-                  <a:tcPr/>
-                </a:tc>
-                <a:tc>
-                  <a:txBody>
-                    <a:bodyPr/>
-                    <a:lstStyle/>
-                    <a:p>
-                      <a:endParaRPr lang="en-US"/>
-                    </a:p>
-                  </a:txBody>
-                  <a:tcPr/>
-                </a:tc>
-                <a:tc>
-                  <a:txBody>
-                    <a:bodyPr/>
-                    <a:lstStyle/>
-                    <a:p>
-                      <a:endParaRPr lang="en-US"/>
-                    </a:p>
-                  </a:txBody>
-                  <a:tcPr/>
-                </a:tc>
-                <a:tc>
-                  <a:txBody>
-                    <a:bodyPr/>
-                    <a:lstStyle/>
-                    <a:p>
-                      <a:endParaRPr lang="en-US"/>
-                    </a:p>
-                  </a:txBody>
-                  <a:tcPr/>
-                </a:tc>
-                <a:tc>
-                  <a:txBody>
-                    <a:bodyPr/>
-                    <a:lstStyle/>
-                    <a:p>
-                      <a:endParaRPr lang="en-US"/>
-                    </a:p>
-                  </a:txBody>
-                  <a:tcPr/>
-                </a:tc>
-                <a:tc>
-                  <a:txBody>
-                    <a:bodyPr/>
-                    <a:lstStyle/>
-                    <a:p>
-                      <a:endParaRPr lang="en-US"/>
-                    </a:p>
-                  </a:txBody>
-                  <a:tcPr/>
-                </a:tc>
-                <a:tc>
-                  <a:txBody>
-                    <a:bodyPr/>
-                    <a:lstStyle/>
-                    <a:p>
-                      <a:endParaRPr lang="en-US"/>
-                    </a:p>
-                  </a:txBody>
-                  <a:tcPr/>
-                </a:tc>
-                <a:tc>
-                  <a:txBody>
-                    <a:bodyPr/>
-                    <a:lstStyle/>
-                    <a:p>
-                      <a:endParaRPr lang="en-US"/>
-                    </a:p>
-                  </a:txBody>
-                  <a:tcPr/>
-                </a:tc>
-                <a:extLst>
-                  <a:ext uri="{0D108BD9-81ED-4DB2-BD59-A6C34878D82A}">
-                    <a16:rowId xmlns:a16="http://schemas.microsoft.com/office/drawing/2014/main" val="1206591327"/>
-                  </a:ext>
-                </a:extLst>
-              </a:tr>
-              <a:tr h="455679">
-                <a:tc>
-                  <a:txBody>
-                    <a:bodyPr/>
-                    <a:lstStyle/>
-                    <a:p>
-                      <a:endParaRPr lang="en-US" dirty="0"/>
-                    </a:p>
-                  </a:txBody>
-                  <a:tcPr/>
-                </a:tc>
-                <a:tc>
-                  <a:txBody>
-                    <a:bodyPr/>
-                    <a:lstStyle/>
-                    <a:p>
-                      <a:endParaRPr lang="en-US" dirty="0"/>
-                    </a:p>
-                  </a:txBody>
-                  <a:tcPr/>
-                </a:tc>
-                <a:tc>
-                  <a:txBody>
-                    <a:bodyPr/>
-                    <a:lstStyle/>
-                    <a:p>
-                      <a:endParaRPr lang="en-US"/>
-                    </a:p>
-                  </a:txBody>
-                  <a:tcPr/>
-                </a:tc>
-                <a:tc>
-                  <a:txBody>
-                    <a:bodyPr/>
-                    <a:lstStyle/>
-                    <a:p>
-                      <a:endParaRPr lang="en-US"/>
-                    </a:p>
-                  </a:txBody>
-                  <a:tcPr/>
-                </a:tc>
-                <a:tc>
-                  <a:txBody>
-                    <a:bodyPr/>
-                    <a:lstStyle/>
-                    <a:p>
-                      <a:endParaRPr lang="en-US"/>
-                    </a:p>
-                  </a:txBody>
-                  <a:tcPr/>
-                </a:tc>
-                <a:tc>
-                  <a:txBody>
-                    <a:bodyPr/>
-                    <a:lstStyle/>
-                    <a:p>
-                      <a:endParaRPr lang="en-US"/>
-                    </a:p>
-                  </a:txBody>
-                  <a:tcPr/>
-                </a:tc>
-                <a:tc>
-                  <a:txBody>
-                    <a:bodyPr/>
-                    <a:lstStyle/>
-                    <a:p>
-                      <a:endParaRPr lang="en-US"/>
-                    </a:p>
-                  </a:txBody>
-                  <a:tcPr/>
-                </a:tc>
-                <a:tc>
-                  <a:txBody>
-                    <a:bodyPr/>
-                    <a:lstStyle/>
-                    <a:p>
-                      <a:endParaRPr lang="en-US"/>
-                    </a:p>
-                  </a:txBody>
-                  <a:tcPr/>
-                </a:tc>
-                <a:tc>
-                  <a:txBody>
-                    <a:bodyPr/>
-                    <a:lstStyle/>
-                    <a:p>
-                      <a:endParaRPr lang="en-US" dirty="0"/>
-                    </a:p>
-                  </a:txBody>
-                  <a:tcPr/>
-                </a:tc>
-                <a:extLst>
-                  <a:ext uri="{0D108BD9-81ED-4DB2-BD59-A6C34878D82A}">
-                    <a16:rowId xmlns:a16="http://schemas.microsoft.com/office/drawing/2014/main" val="3139142105"/>
-                  </a:ext>
-                </a:extLst>
-              </a:tr>
-            </a:tbl>
-          </a:graphicData>
-        </a:graphic>
-      </p:graphicFrame>
-      <p:sp>
-        <p:nvSpPr>
-          <p:cNvPr id="6" name="TextBox 5">
-            <a:extLst>
-              <a:ext uri="{FF2B5EF4-FFF2-40B4-BE49-F238E27FC236}">
-                <a16:creationId xmlns:a16="http://schemas.microsoft.com/office/drawing/2014/main" id="{B866528D-EF02-48E2-9D97-7E8D50B7BD7A}"/>
-              </a:ext>
-            </a:extLst>
-          </p:cNvPr>
-          <p:cNvSpPr txBox="1"/>
-          <p:nvPr/>
-        </p:nvSpPr>
-        <p:spPr>
-          <a:xfrm>
-            <a:off x="1591188" y="798322"/>
-            <a:ext cx="889263" cy="369332"/>
-          </a:xfrm>
-          <a:prstGeom prst="rect">
-            <a:avLst/>
-          </a:prstGeom>
-          <a:noFill/>
-        </p:spPr>
-        <p:txBody>
-          <a:bodyPr rot="0" spcFirstLastPara="0" vertOverflow="overflow" horzOverflow="overflow" vert="horz" wrap="square" lIns="91440" tIns="45720" rIns="91440" bIns="45720" numCol="1" spcCol="0" rtlCol="0" fromWordArt="0" anchor="t" anchorCtr="0" forceAA="0" compatLnSpc="1">
-            <a:prstTxWarp prst="textNoShape">
-              <a:avLst/>
-            </a:prstTxWarp>
-            <a:spAutoFit/>
-          </a:bodyPr>
-          <a:lstStyle/>
-          <a:p>
-            <a:pPr algn="l"/>
-            <a:r>
-              <a:rPr lang="en-US" u="sng" dirty="0" err="1"/>
-              <a:t>SuppD</a:t>
-            </a:r>
-            <a:endParaRPr lang="en-US" u="sng" dirty="0">
-              <a:cs typeface="Calibri"/>
-            </a:endParaRPr>
-          </a:p>
-        </p:txBody>
-      </p:sp>
-      <p:sp>
-        <p:nvSpPr>
-          <p:cNvPr id="7" name="TextBox 6">
-            <a:extLst>
-              <a:ext uri="{FF2B5EF4-FFF2-40B4-BE49-F238E27FC236}">
-                <a16:creationId xmlns:a16="http://schemas.microsoft.com/office/drawing/2014/main" id="{B3E93516-5EDE-4D72-9784-0D0F367A42F5}"/>
-              </a:ext>
-            </a:extLst>
-          </p:cNvPr>
-          <p:cNvSpPr txBox="1"/>
-          <p:nvPr/>
-        </p:nvSpPr>
-        <p:spPr>
-          <a:xfrm>
-            <a:off x="2511515" y="826874"/>
-            <a:ext cx="1156356" cy="369332"/>
-          </a:xfrm>
-          <a:prstGeom prst="rect">
-            <a:avLst/>
-          </a:prstGeom>
-          <a:noFill/>
-        </p:spPr>
-        <p:txBody>
-          <a:bodyPr rot="0" spcFirstLastPara="0" vertOverflow="overflow" horzOverflow="overflow" vert="horz" wrap="square" lIns="91440" tIns="45720" rIns="91440" bIns="45720" numCol="1" spcCol="0" rtlCol="0" fromWordArt="0" anchor="t" anchorCtr="0" forceAA="0" compatLnSpc="1">
-            <a:prstTxWarp prst="textNoShape">
-              <a:avLst/>
-            </a:prstTxWarp>
-            <a:spAutoFit/>
-          </a:bodyPr>
-          <a:lstStyle/>
-          <a:p>
-            <a:pPr algn="l"/>
-            <a:r>
-              <a:rPr lang="en-US" i="1" dirty="0" err="1"/>
-              <a:t>UpdaterID</a:t>
-            </a:r>
-            <a:endParaRPr lang="en-US" i="1" dirty="0"/>
-          </a:p>
-        </p:txBody>
-      </p:sp>
-      <p:sp>
-        <p:nvSpPr>
-          <p:cNvPr id="8" name="TextBox 7">
-            <a:extLst>
-              <a:ext uri="{FF2B5EF4-FFF2-40B4-BE49-F238E27FC236}">
-                <a16:creationId xmlns:a16="http://schemas.microsoft.com/office/drawing/2014/main" id="{4BB3B923-8F68-4F8E-8250-A18EF5CE6CCF}"/>
-              </a:ext>
-            </a:extLst>
-          </p:cNvPr>
-          <p:cNvSpPr txBox="1"/>
-          <p:nvPr/>
-        </p:nvSpPr>
-        <p:spPr>
-          <a:xfrm>
-            <a:off x="3719653" y="798322"/>
-            <a:ext cx="1093510" cy="369332"/>
-          </a:xfrm>
-          <a:prstGeom prst="rect">
-            <a:avLst/>
-          </a:prstGeom>
-          <a:noFill/>
-        </p:spPr>
-        <p:txBody>
-          <a:bodyPr rot="0" spcFirstLastPara="0" vertOverflow="overflow" horzOverflow="overflow" vert="horz" wrap="square" lIns="91440" tIns="45720" rIns="91440" bIns="45720" numCol="1" spcCol="0" rtlCol="0" fromWordArt="0" anchor="t" anchorCtr="0" forceAA="0" compatLnSpc="1">
-            <a:prstTxWarp prst="textNoShape">
-              <a:avLst/>
-            </a:prstTxWarp>
-            <a:spAutoFit/>
-          </a:bodyPr>
-          <a:lstStyle/>
-          <a:p>
-            <a:pPr algn="l"/>
-            <a:r>
-              <a:rPr lang="en-US" dirty="0" err="1"/>
-              <a:t>UpdTime</a:t>
-            </a:r>
-            <a:endParaRPr lang="en-US" dirty="0"/>
-          </a:p>
-        </p:txBody>
-      </p:sp>
-      <p:sp>
-        <p:nvSpPr>
-          <p:cNvPr id="9" name="TextBox 8">
-            <a:extLst>
-              <a:ext uri="{FF2B5EF4-FFF2-40B4-BE49-F238E27FC236}">
-                <a16:creationId xmlns:a16="http://schemas.microsoft.com/office/drawing/2014/main" id="{612C11C3-F1C9-4FE1-B700-AC248E5BAAEB}"/>
-              </a:ext>
-            </a:extLst>
-          </p:cNvPr>
-          <p:cNvSpPr txBox="1"/>
-          <p:nvPr/>
-        </p:nvSpPr>
-        <p:spPr>
-          <a:xfrm>
-            <a:off x="4940372" y="798322"/>
-            <a:ext cx="1266335" cy="369332"/>
-          </a:xfrm>
-          <a:prstGeom prst="rect">
-            <a:avLst/>
-          </a:prstGeom>
-          <a:noFill/>
-        </p:spPr>
-        <p:txBody>
-          <a:bodyPr rot="0" spcFirstLastPara="0" vertOverflow="overflow" horzOverflow="overflow" vert="horz" wrap="square" lIns="91440" tIns="45720" rIns="91440" bIns="45720" numCol="1" spcCol="0" rtlCol="0" fromWordArt="0" anchor="t" anchorCtr="0" forceAA="0" compatLnSpc="1">
-            <a:prstTxWarp prst="textNoShape">
-              <a:avLst/>
-            </a:prstTxWarp>
-            <a:spAutoFit/>
-          </a:bodyPr>
-          <a:lstStyle/>
-          <a:p>
-            <a:pPr algn="l"/>
-            <a:r>
-              <a:rPr lang="en-US" dirty="0" err="1">
-                <a:cs typeface="Calibri"/>
-              </a:rPr>
-              <a:t>DataType</a:t>
-            </a:r>
-          </a:p>
-        </p:txBody>
-      </p:sp>
-      <p:sp>
-        <p:nvSpPr>
-          <p:cNvPr id="10" name="TextBox 9">
-            <a:extLst>
-              <a:ext uri="{FF2B5EF4-FFF2-40B4-BE49-F238E27FC236}">
-                <a16:creationId xmlns:a16="http://schemas.microsoft.com/office/drawing/2014/main" id="{85DF2DA7-08F8-441E-89AD-50AAEA40AEB0}"/>
-              </a:ext>
-            </a:extLst>
-          </p:cNvPr>
-          <p:cNvSpPr txBox="1"/>
-          <p:nvPr/>
-        </p:nvSpPr>
-        <p:spPr>
-          <a:xfrm>
-            <a:off x="8546581" y="826874"/>
-            <a:ext cx="1099224" cy="369332"/>
-          </a:xfrm>
-          <a:prstGeom prst="rect">
-            <a:avLst/>
-          </a:prstGeom>
-          <a:noFill/>
-        </p:spPr>
-        <p:txBody>
-          <a:bodyPr rot="0" spcFirstLastPara="0" vertOverflow="overflow" horzOverflow="overflow" vert="horz" wrap="square" lIns="91440" tIns="45720" rIns="91440" bIns="45720" numCol="1" spcCol="0" rtlCol="0" fromWordArt="0" anchor="t" anchorCtr="0" forceAA="0" compatLnSpc="1">
-            <a:prstTxWarp prst="textNoShape">
-              <a:avLst/>
-            </a:prstTxWarp>
-            <a:spAutoFit/>
-          </a:bodyPr>
-          <a:lstStyle/>
-          <a:p>
-            <a:pPr algn="l"/>
-            <a:r>
-              <a:rPr lang="en-US" dirty="0"/>
-              <a:t>Double1</a:t>
-            </a:r>
-            <a:endParaRPr lang="en-US" dirty="0">
-              <a:cs typeface="Calibri"/>
-            </a:endParaRPr>
-          </a:p>
-        </p:txBody>
-      </p:sp>
-      <p:sp>
-        <p:nvSpPr>
-          <p:cNvPr id="11" name="TextBox 10">
-            <a:extLst>
-              <a:ext uri="{FF2B5EF4-FFF2-40B4-BE49-F238E27FC236}">
-                <a16:creationId xmlns:a16="http://schemas.microsoft.com/office/drawing/2014/main" id="{814324B1-B299-4AB5-BE46-E248FF62BD9C}"/>
-              </a:ext>
-            </a:extLst>
-          </p:cNvPr>
-          <p:cNvSpPr txBox="1"/>
-          <p:nvPr/>
-        </p:nvSpPr>
-        <p:spPr>
-          <a:xfrm>
-            <a:off x="9901734" y="852602"/>
-            <a:ext cx="1300695" cy="369332"/>
-          </a:xfrm>
-          <a:prstGeom prst="rect">
-            <a:avLst/>
-          </a:prstGeom>
-          <a:noFill/>
-        </p:spPr>
-        <p:txBody>
-          <a:bodyPr rot="0" spcFirstLastPara="0" vertOverflow="overflow" horzOverflow="overflow" vert="horz" wrap="square" lIns="91440" tIns="45720" rIns="91440" bIns="45720" numCol="1" spcCol="0" rtlCol="0" fromWordArt="0" anchor="t" anchorCtr="0" forceAA="0" compatLnSpc="1">
-            <a:prstTxWarp prst="textNoShape">
-              <a:avLst/>
-            </a:prstTxWarp>
-            <a:spAutoFit/>
-          </a:bodyPr>
-          <a:lstStyle/>
-          <a:p>
-            <a:pPr algn="l"/>
-            <a:r>
-              <a:rPr lang="en-US" dirty="0">
-                <a:cs typeface="Calibri"/>
-              </a:rPr>
-              <a:t>Char256</a:t>
-            </a:r>
-          </a:p>
-        </p:txBody>
-      </p:sp>
-      <p:sp>
-        <p:nvSpPr>
-          <p:cNvPr id="12" name="TextBox 11">
-            <a:extLst>
-              <a:ext uri="{FF2B5EF4-FFF2-40B4-BE49-F238E27FC236}">
-                <a16:creationId xmlns:a16="http://schemas.microsoft.com/office/drawing/2014/main" id="{32977D4E-0F1C-465E-9560-C59C04973E49}"/>
-              </a:ext>
-            </a:extLst>
-          </p:cNvPr>
-          <p:cNvSpPr txBox="1"/>
-          <p:nvPr/>
-        </p:nvSpPr>
-        <p:spPr>
-          <a:xfrm>
-            <a:off x="6206707" y="826874"/>
-            <a:ext cx="857840" cy="369332"/>
-          </a:xfrm>
-          <a:prstGeom prst="rect">
-            <a:avLst/>
-          </a:prstGeom>
-          <a:noFill/>
-        </p:spPr>
-        <p:txBody>
-          <a:bodyPr rot="0" spcFirstLastPara="0" vertOverflow="overflow" horzOverflow="overflow" vert="horz" wrap="square" lIns="91440" tIns="45720" rIns="91440" bIns="45720" numCol="1" spcCol="0" rtlCol="0" fromWordArt="0" anchor="t" anchorCtr="0" forceAA="0" compatLnSpc="1">
-            <a:prstTxWarp prst="textNoShape">
-              <a:avLst/>
-            </a:prstTxWarp>
-            <a:spAutoFit/>
-          </a:bodyPr>
-          <a:lstStyle/>
-          <a:p>
-            <a:pPr algn="l"/>
-            <a:r>
-              <a:rPr lang="en-US" dirty="0">
-                <a:cs typeface="Calibri"/>
-              </a:rPr>
-              <a:t>valid</a:t>
-            </a:r>
-          </a:p>
-        </p:txBody>
-      </p:sp>
-      <p:sp>
-        <p:nvSpPr>
-          <p:cNvPr id="13" name="TextBox 12">
-            <a:extLst>
-              <a:ext uri="{FF2B5EF4-FFF2-40B4-BE49-F238E27FC236}">
-                <a16:creationId xmlns:a16="http://schemas.microsoft.com/office/drawing/2014/main" id="{2389A1B7-2AE5-4013-9404-CE10BABBF20B}"/>
-              </a:ext>
-            </a:extLst>
-          </p:cNvPr>
-          <p:cNvSpPr txBox="1"/>
-          <p:nvPr/>
-        </p:nvSpPr>
-        <p:spPr>
-          <a:xfrm>
-            <a:off x="459180" y="3629156"/>
-            <a:ext cx="7362333" cy="369332"/>
-          </a:xfrm>
-          <a:prstGeom prst="rect">
-            <a:avLst/>
-          </a:prstGeom>
-          <a:noFill/>
-        </p:spPr>
-        <p:txBody>
-          <a:bodyPr rot="0" spcFirstLastPara="0" vertOverflow="overflow" horzOverflow="overflow" vert="horz" wrap="square" lIns="91440" tIns="45720" rIns="91440" bIns="45720" numCol="1" spcCol="0" rtlCol="0" fromWordArt="0" anchor="t" anchorCtr="0" forceAA="0" compatLnSpc="1">
-            <a:prstTxWarp prst="textNoShape">
-              <a:avLst/>
-            </a:prstTxWarp>
-            <a:spAutoFit/>
-          </a:bodyPr>
-          <a:lstStyle/>
-          <a:p>
-            <a:r>
-              <a:rPr lang="en-US" i="1" dirty="0" err="1"/>
-              <a:t>ProdID</a:t>
-            </a:r>
-            <a:r>
-              <a:rPr lang="en-US" dirty="0"/>
-              <a:t> – FK = Product Identifier (used as a foreign key)</a:t>
-            </a:r>
-          </a:p>
-        </p:txBody>
-      </p:sp>
-      <p:sp>
-        <p:nvSpPr>
-          <p:cNvPr id="14" name="TextBox 13">
-            <a:extLst>
-              <a:ext uri="{FF2B5EF4-FFF2-40B4-BE49-F238E27FC236}">
-                <a16:creationId xmlns:a16="http://schemas.microsoft.com/office/drawing/2014/main" id="{54CEAC74-D9BD-4761-8B42-C903B70F875C}"/>
-              </a:ext>
-            </a:extLst>
-          </p:cNvPr>
-          <p:cNvSpPr txBox="1"/>
-          <p:nvPr/>
-        </p:nvSpPr>
-        <p:spPr>
-          <a:xfrm>
-            <a:off x="459180" y="3968493"/>
-            <a:ext cx="7519447" cy="369332"/>
-          </a:xfrm>
-          <a:prstGeom prst="rect">
-            <a:avLst/>
-          </a:prstGeom>
-          <a:noFill/>
-        </p:spPr>
-        <p:txBody>
-          <a:bodyPr rot="0" spcFirstLastPara="0" vertOverflow="overflow" horzOverflow="overflow" vert="horz" wrap="square" lIns="91440" tIns="45720" rIns="91440" bIns="45720" numCol="1" spcCol="0" rtlCol="0" fromWordArt="0" anchor="t" anchorCtr="0" forceAA="0" compatLnSpc="1">
-            <a:prstTxWarp prst="textNoShape">
-              <a:avLst/>
-            </a:prstTxWarp>
-            <a:spAutoFit/>
-          </a:bodyPr>
-          <a:lstStyle/>
-          <a:p>
-            <a:r>
-              <a:rPr lang="en-US" i="1" dirty="0"/>
-              <a:t>UpdaterID</a:t>
-            </a:r>
-            <a:r>
-              <a:rPr lang="en-US" dirty="0"/>
-              <a:t> – FK = Employee Identifier who created or updated this record</a:t>
-            </a:r>
-          </a:p>
-        </p:txBody>
-      </p:sp>
-      <p:sp>
-        <p:nvSpPr>
-          <p:cNvPr id="15" name="TextBox 14">
-            <a:extLst>
-              <a:ext uri="{FF2B5EF4-FFF2-40B4-BE49-F238E27FC236}">
-                <a16:creationId xmlns:a16="http://schemas.microsoft.com/office/drawing/2014/main" id="{7C81DF2C-83EE-4214-98D9-C68C764839D5}"/>
-              </a:ext>
-            </a:extLst>
-          </p:cNvPr>
-          <p:cNvSpPr txBox="1"/>
-          <p:nvPr/>
-        </p:nvSpPr>
-        <p:spPr>
-          <a:xfrm>
-            <a:off x="485427" y="4290140"/>
-            <a:ext cx="8273591" cy="369332"/>
-          </a:xfrm>
-          <a:prstGeom prst="rect">
-            <a:avLst/>
-          </a:prstGeom>
-          <a:noFill/>
-        </p:spPr>
-        <p:txBody>
-          <a:bodyPr rot="0" spcFirstLastPara="0" vertOverflow="overflow" horzOverflow="overflow" vert="horz" wrap="square" lIns="91440" tIns="45720" rIns="91440" bIns="45720" numCol="1" spcCol="0" rtlCol="0" fromWordArt="0" anchor="t" anchorCtr="0" forceAA="0" compatLnSpc="1">
-            <a:prstTxWarp prst="textNoShape">
-              <a:avLst/>
-            </a:prstTxWarp>
-            <a:spAutoFit/>
-          </a:bodyPr>
-          <a:lstStyle/>
-          <a:p>
-            <a:r>
-              <a:rPr lang="en-US" dirty="0" err="1"/>
-              <a:t>UpdTime</a:t>
-            </a:r>
-            <a:r>
-              <a:rPr lang="en-US" dirty="0"/>
-              <a:t> = Record update date and Time: MMDDYYYYHHMMSS</a:t>
-            </a:r>
-            <a:endParaRPr lang="en-US" dirty="0">
-              <a:cs typeface="Calibri"/>
-            </a:endParaRPr>
-          </a:p>
-        </p:txBody>
-      </p:sp>
-      <p:sp>
-        <p:nvSpPr>
-          <p:cNvPr id="16" name="TextBox 15">
-            <a:extLst>
-              <a:ext uri="{FF2B5EF4-FFF2-40B4-BE49-F238E27FC236}">
-                <a16:creationId xmlns:a16="http://schemas.microsoft.com/office/drawing/2014/main" id="{E158BBE1-3FFF-4F49-BD5C-47A47431C569}"/>
-              </a:ext>
-            </a:extLst>
-          </p:cNvPr>
-          <p:cNvSpPr txBox="1"/>
-          <p:nvPr/>
-        </p:nvSpPr>
-        <p:spPr>
-          <a:xfrm>
-            <a:off x="459180" y="5738684"/>
-            <a:ext cx="8603529" cy="369332"/>
-          </a:xfrm>
-          <a:prstGeom prst="rect">
-            <a:avLst/>
-          </a:prstGeom>
-          <a:noFill/>
-        </p:spPr>
-        <p:txBody>
-          <a:bodyPr rot="0" spcFirstLastPara="0" vertOverflow="overflow" horzOverflow="overflow" vert="horz" wrap="square" lIns="91440" tIns="45720" rIns="91440" bIns="45720" numCol="1" spcCol="0" rtlCol="0" fromWordArt="0" anchor="t" anchorCtr="0" forceAA="0" compatLnSpc="1">
-            <a:prstTxWarp prst="textNoShape">
-              <a:avLst/>
-            </a:prstTxWarp>
-            <a:spAutoFit/>
-          </a:bodyPr>
-          <a:lstStyle/>
-          <a:p>
-            <a:r>
-              <a:rPr lang="en-US" dirty="0"/>
-              <a:t>Int1= parameter for an Integer</a:t>
-            </a:r>
-            <a:endParaRPr lang="en-US" dirty="0">
-              <a:cs typeface="Calibri"/>
-            </a:endParaRPr>
-          </a:p>
-        </p:txBody>
-      </p:sp>
-      <p:sp>
-        <p:nvSpPr>
-          <p:cNvPr id="17" name="TextBox 16">
-            <a:extLst>
-              <a:ext uri="{FF2B5EF4-FFF2-40B4-BE49-F238E27FC236}">
-                <a16:creationId xmlns:a16="http://schemas.microsoft.com/office/drawing/2014/main" id="{3B519E4A-C51A-45EC-9396-25A6FFF94E7A}"/>
-              </a:ext>
-            </a:extLst>
-          </p:cNvPr>
-          <p:cNvSpPr txBox="1"/>
-          <p:nvPr/>
-        </p:nvSpPr>
-        <p:spPr>
-          <a:xfrm>
-            <a:off x="459180" y="4597988"/>
-            <a:ext cx="8273591" cy="923330"/>
-          </a:xfrm>
-          <a:prstGeom prst="rect">
-            <a:avLst/>
-          </a:prstGeom>
-          <a:noFill/>
-        </p:spPr>
-        <p:txBody>
-          <a:bodyPr rot="0" spcFirstLastPara="0" vertOverflow="overflow" horzOverflow="overflow" vert="horz" wrap="square" lIns="91440" tIns="45720" rIns="91440" bIns="45720" numCol="1" spcCol="0" rtlCol="0" fromWordArt="0" anchor="t" anchorCtr="0" forceAA="0" compatLnSpc="1">
-            <a:prstTxWarp prst="textNoShape">
-              <a:avLst/>
-            </a:prstTxWarp>
-            <a:spAutoFit/>
-          </a:bodyPr>
-          <a:lstStyle/>
-          <a:p>
-            <a:r>
-              <a:rPr lang="en-US" dirty="0" err="1"/>
-              <a:t>DataType</a:t>
-            </a:r>
-            <a:r>
-              <a:rPr lang="en-US" dirty="0"/>
-              <a:t>= indicates value type of Data1 and Data2 fields ((re)order date/(re)order amount, retail price, supplier price, current number in stock,..., other (can be added to </a:t>
-            </a:r>
-            <a:r>
-              <a:rPr lang="en-US" dirty="0" err="1"/>
-              <a:t>adinfinitum</a:t>
-            </a:r>
-            <a:r>
-              <a:rPr lang="en-US" dirty="0"/>
-              <a:t> ) </a:t>
-            </a:r>
-            <a:endParaRPr lang="en-US" dirty="0">
-              <a:cs typeface="Calibri"/>
-            </a:endParaRPr>
-          </a:p>
-        </p:txBody>
-      </p:sp>
-      <p:sp>
-        <p:nvSpPr>
-          <p:cNvPr id="18" name="TextBox 17">
-            <a:extLst>
-              <a:ext uri="{FF2B5EF4-FFF2-40B4-BE49-F238E27FC236}">
-                <a16:creationId xmlns:a16="http://schemas.microsoft.com/office/drawing/2014/main" id="{F2F8FC8D-D8C5-4280-82E4-953F97551A30}"/>
-              </a:ext>
-            </a:extLst>
-          </p:cNvPr>
-          <p:cNvSpPr txBox="1"/>
-          <p:nvPr/>
-        </p:nvSpPr>
-        <p:spPr>
-          <a:xfrm>
-            <a:off x="459180" y="5456563"/>
-            <a:ext cx="8273591" cy="369332"/>
-          </a:xfrm>
-          <a:prstGeom prst="rect">
-            <a:avLst/>
-          </a:prstGeom>
-          <a:noFill/>
-        </p:spPr>
-        <p:txBody>
-          <a:bodyPr rot="0" spcFirstLastPara="0" vertOverflow="overflow" horzOverflow="overflow" vert="horz" wrap="square" lIns="91440" tIns="45720" rIns="91440" bIns="45720" numCol="1" spcCol="0" rtlCol="0" fromWordArt="0" anchor="t" anchorCtr="0" forceAA="0" compatLnSpc="1">
-            <a:prstTxWarp prst="textNoShape">
-              <a:avLst/>
-            </a:prstTxWarp>
-            <a:spAutoFit/>
-          </a:bodyPr>
-          <a:lstStyle/>
-          <a:p>
-            <a:r>
-              <a:rPr lang="en-US" dirty="0"/>
-              <a:t>valid = indicates which columns of this record are valid (bit mapped)</a:t>
-            </a:r>
-            <a:endParaRPr lang="en-US" dirty="0">
-              <a:cs typeface="Calibri"/>
-            </a:endParaRPr>
-          </a:p>
-        </p:txBody>
-      </p:sp>
-      <p:sp>
-        <p:nvSpPr>
-          <p:cNvPr id="2" name="TextBox 1">
-            <a:extLst>
-              <a:ext uri="{FF2B5EF4-FFF2-40B4-BE49-F238E27FC236}">
-                <a16:creationId xmlns:a16="http://schemas.microsoft.com/office/drawing/2014/main" id="{C6D027D6-A446-AF40-AEFC-D6D3824409AE}"/>
-              </a:ext>
-            </a:extLst>
-          </p:cNvPr>
-          <p:cNvSpPr txBox="1"/>
-          <p:nvPr/>
-        </p:nvSpPr>
-        <p:spPr>
-          <a:xfrm>
-            <a:off x="7352000" y="826874"/>
-            <a:ext cx="978882" cy="369332"/>
-          </a:xfrm>
-          <a:prstGeom prst="rect">
-            <a:avLst/>
-          </a:prstGeom>
-          <a:noFill/>
-        </p:spPr>
-        <p:txBody>
-          <a:bodyPr wrap="square" rtlCol="0">
-            <a:spAutoFit/>
-          </a:bodyPr>
-          <a:lstStyle/>
-          <a:p>
-            <a:r>
-              <a:rPr lang="en-US" dirty="0"/>
-              <a:t>Int1</a:t>
-            </a:r>
-          </a:p>
-        </p:txBody>
-      </p:sp>
-      <p:sp>
-        <p:nvSpPr>
-          <p:cNvPr id="5" name="TextBox 4">
-            <a:extLst>
-              <a:ext uri="{FF2B5EF4-FFF2-40B4-BE49-F238E27FC236}">
-                <a16:creationId xmlns:a16="http://schemas.microsoft.com/office/drawing/2014/main" id="{578C4E0C-E0AE-AC40-B7DD-788B1B3996D0}"/>
-              </a:ext>
-            </a:extLst>
-          </p:cNvPr>
-          <p:cNvSpPr txBox="1"/>
-          <p:nvPr/>
-        </p:nvSpPr>
-        <p:spPr>
-          <a:xfrm>
-            <a:off x="544570" y="809562"/>
-            <a:ext cx="861813" cy="369332"/>
-          </a:xfrm>
-          <a:prstGeom prst="rect">
-            <a:avLst/>
-          </a:prstGeom>
-          <a:noFill/>
-        </p:spPr>
-        <p:txBody>
-          <a:bodyPr wrap="square" rtlCol="0">
-            <a:spAutoFit/>
-          </a:bodyPr>
-          <a:lstStyle/>
-          <a:p>
-            <a:r>
-              <a:rPr lang="en-US" u="sng" dirty="0" err="1"/>
-              <a:t>PinfoID</a:t>
-            </a:r>
-            <a:endParaRPr lang="en-US" u="sng" dirty="0"/>
-          </a:p>
-        </p:txBody>
-      </p:sp>
-      <p:sp>
-        <p:nvSpPr>
-          <p:cNvPr id="19" name="TextBox 18">
-            <a:extLst>
-              <a:ext uri="{FF2B5EF4-FFF2-40B4-BE49-F238E27FC236}">
-                <a16:creationId xmlns:a16="http://schemas.microsoft.com/office/drawing/2014/main" id="{449FA44A-9063-174B-9DAC-33407C07D416}"/>
-              </a:ext>
-            </a:extLst>
-          </p:cNvPr>
-          <p:cNvSpPr txBox="1"/>
-          <p:nvPr/>
-        </p:nvSpPr>
-        <p:spPr>
-          <a:xfrm>
-            <a:off x="485428" y="3298371"/>
-            <a:ext cx="8273591" cy="369332"/>
-          </a:xfrm>
-          <a:prstGeom prst="rect">
-            <a:avLst/>
-          </a:prstGeom>
-          <a:noFill/>
-        </p:spPr>
-        <p:txBody>
-          <a:bodyPr wrap="square" rtlCol="0">
-            <a:spAutoFit/>
-          </a:bodyPr>
-          <a:lstStyle/>
-          <a:p>
-            <a:r>
-              <a:rPr lang="en-US" u="sng" dirty="0" err="1"/>
-              <a:t>PinfoID</a:t>
-            </a:r>
-            <a:r>
-              <a:rPr lang="en-US" dirty="0"/>
-              <a:t> – PK = Primary Key for this table</a:t>
-            </a:r>
-          </a:p>
-        </p:txBody>
-      </p:sp>
-      <p:sp>
-        <p:nvSpPr>
-          <p:cNvPr id="20" name="TextBox 19">
-            <a:extLst>
-              <a:ext uri="{FF2B5EF4-FFF2-40B4-BE49-F238E27FC236}">
-                <a16:creationId xmlns:a16="http://schemas.microsoft.com/office/drawing/2014/main" id="{12751FF3-FEF4-8140-9B38-F359FF7DA8F6}"/>
-              </a:ext>
-            </a:extLst>
-          </p:cNvPr>
-          <p:cNvSpPr txBox="1"/>
-          <p:nvPr/>
-        </p:nvSpPr>
-        <p:spPr>
-          <a:xfrm>
-            <a:off x="485427" y="6076288"/>
-            <a:ext cx="8142180" cy="369332"/>
-          </a:xfrm>
-          <a:prstGeom prst="rect">
-            <a:avLst/>
-          </a:prstGeom>
-          <a:noFill/>
-        </p:spPr>
-        <p:txBody>
-          <a:bodyPr wrap="square" rtlCol="0">
-            <a:spAutoFit/>
-          </a:bodyPr>
-          <a:lstStyle/>
-          <a:p>
-            <a:r>
-              <a:rPr lang="en-US" dirty="0"/>
-              <a:t>Double1 = parameter for a Double</a:t>
-            </a:r>
-          </a:p>
-        </p:txBody>
-      </p:sp>
-      <p:sp>
-        <p:nvSpPr>
-          <p:cNvPr id="21" name="TextBox 20">
-            <a:extLst>
-              <a:ext uri="{FF2B5EF4-FFF2-40B4-BE49-F238E27FC236}">
-                <a16:creationId xmlns:a16="http://schemas.microsoft.com/office/drawing/2014/main" id="{8643D827-2DB4-474F-904A-AA8008BB7ABB}"/>
-              </a:ext>
-            </a:extLst>
-          </p:cNvPr>
-          <p:cNvSpPr txBox="1"/>
-          <p:nvPr/>
-        </p:nvSpPr>
-        <p:spPr>
-          <a:xfrm>
-            <a:off x="492939" y="6438991"/>
-            <a:ext cx="8168427" cy="367990"/>
-          </a:xfrm>
-          <a:prstGeom prst="rect">
-            <a:avLst/>
-          </a:prstGeom>
-          <a:noFill/>
-        </p:spPr>
-        <p:txBody>
-          <a:bodyPr wrap="square" rtlCol="0">
-            <a:spAutoFit/>
-          </a:bodyPr>
-          <a:lstStyle/>
-          <a:p>
-            <a:r>
-              <a:rPr lang="en-US" dirty="0"/>
-              <a:t>Char256 = parameter for a maximum 256 byte sized character array</a:t>
-            </a:r>
-          </a:p>
-        </p:txBody>
-      </p:sp>
-    </p:spTree>
-    <p:extLst>
-      <p:ext uri="{BB962C8B-B14F-4D97-AF65-F5344CB8AC3E}">
-        <p14:creationId xmlns:p14="http://schemas.microsoft.com/office/powerpoint/2010/main" val="411085431"/>
       </p:ext>
     </p:extLst>
   </p:cSld>
@@ -7095,7 +7184,7 @@
           <a:p>
             <a:pPr algn="l"/>
             <a:r>
-              <a:rPr lang="en-US" sz="2000" dirty="0" err="1">
+              <a:rPr lang="en-US" sz="2000" err="1">
                 <a:cs typeface="Calibri"/>
               </a:rPr>
               <a:t>TransactionDetails</a:t>
@@ -7204,7 +7293,7 @@
                     <a:bodyPr/>
                     <a:lstStyle/>
                     <a:p>
-                      <a:endParaRPr lang="en-US" dirty="0"/>
+                      <a:endParaRPr lang="en-US"/>
                     </a:p>
                   </a:txBody>
                   <a:tcPr/>
@@ -7301,57 +7390,57 @@
                     <a:bodyPr/>
                     <a:lstStyle/>
                     <a:p>
-                      <a:endParaRPr lang="en-US" dirty="0"/>
-                    </a:p>
-                  </a:txBody>
-                  <a:tcPr/>
-                </a:tc>
-                <a:tc>
-                  <a:txBody>
-                    <a:bodyPr/>
-                    <a:lstStyle/>
-                    <a:p>
-                      <a:endParaRPr lang="en-US" dirty="0"/>
-                    </a:p>
-                  </a:txBody>
-                  <a:tcPr/>
-                </a:tc>
-                <a:tc>
-                  <a:txBody>
-                    <a:bodyPr/>
-                    <a:lstStyle/>
-                    <a:p>
-                      <a:endParaRPr lang="en-US"/>
-                    </a:p>
-                  </a:txBody>
-                  <a:tcPr/>
-                </a:tc>
-                <a:tc>
-                  <a:txBody>
-                    <a:bodyPr/>
-                    <a:lstStyle/>
-                    <a:p>
-                      <a:endParaRPr lang="en-US"/>
-                    </a:p>
-                  </a:txBody>
-                  <a:tcPr/>
-                </a:tc>
-                <a:tc>
-                  <a:txBody>
-                    <a:bodyPr/>
-                    <a:lstStyle/>
-                    <a:p>
-                      <a:endParaRPr lang="en-US"/>
-                    </a:p>
-                  </a:txBody>
-                  <a:tcPr/>
-                </a:tc>
-                <a:tc>
-                  <a:txBody>
-                    <a:bodyPr/>
-                    <a:lstStyle/>
-                    <a:p>
-                      <a:endParaRPr lang="en-US" dirty="0"/>
+                      <a:endParaRPr lang="en-US"/>
+                    </a:p>
+                  </a:txBody>
+                  <a:tcPr/>
+                </a:tc>
+                <a:tc>
+                  <a:txBody>
+                    <a:bodyPr/>
+                    <a:lstStyle/>
+                    <a:p>
+                      <a:endParaRPr lang="en-US"/>
+                    </a:p>
+                  </a:txBody>
+                  <a:tcPr/>
+                </a:tc>
+                <a:tc>
+                  <a:txBody>
+                    <a:bodyPr/>
+                    <a:lstStyle/>
+                    <a:p>
+                      <a:endParaRPr lang="en-US"/>
+                    </a:p>
+                  </a:txBody>
+                  <a:tcPr/>
+                </a:tc>
+                <a:tc>
+                  <a:txBody>
+                    <a:bodyPr/>
+                    <a:lstStyle/>
+                    <a:p>
+                      <a:endParaRPr lang="en-US"/>
+                    </a:p>
+                  </a:txBody>
+                  <a:tcPr/>
+                </a:tc>
+                <a:tc>
+                  <a:txBody>
+                    <a:bodyPr/>
+                    <a:lstStyle/>
+                    <a:p>
+                      <a:endParaRPr lang="en-US"/>
+                    </a:p>
+                  </a:txBody>
+                  <a:tcPr/>
+                </a:tc>
+                <a:tc>
+                  <a:txBody>
+                    <a:bodyPr/>
+                    <a:lstStyle/>
+                    <a:p>
+                      <a:endParaRPr lang="en-US"/>
                     </a:p>
                   </a:txBody>
                   <a:tcPr/>
@@ -7398,17 +7487,17 @@
                     <a:bodyPr/>
                     <a:lstStyle/>
                     <a:p>
-                      <a:endParaRPr lang="en-US" dirty="0"/>
-                    </a:p>
-                  </a:txBody>
-                  <a:tcPr/>
-                </a:tc>
-                <a:tc>
-                  <a:txBody>
-                    <a:bodyPr/>
-                    <a:lstStyle/>
-                    <a:p>
-                      <a:endParaRPr lang="en-US" dirty="0"/>
+                      <a:endParaRPr lang="en-US"/>
+                    </a:p>
+                  </a:txBody>
+                  <a:tcPr/>
+                </a:tc>
+                <a:tc>
+                  <a:txBody>
+                    <a:bodyPr/>
+                    <a:lstStyle/>
+                    <a:p>
+                      <a:endParaRPr lang="en-US"/>
                     </a:p>
                   </a:txBody>
                   <a:tcPr/>
@@ -7495,17 +7584,17 @@
                     <a:bodyPr/>
                     <a:lstStyle/>
                     <a:p>
-                      <a:endParaRPr lang="en-US" dirty="0"/>
-                    </a:p>
-                  </a:txBody>
-                  <a:tcPr/>
-                </a:tc>
-                <a:tc>
-                  <a:txBody>
-                    <a:bodyPr/>
-                    <a:lstStyle/>
-                    <a:p>
-                      <a:endParaRPr lang="en-US" dirty="0"/>
+                      <a:endParaRPr lang="en-US"/>
+                    </a:p>
+                  </a:txBody>
+                  <a:tcPr/>
+                </a:tc>
+                <a:tc>
+                  <a:txBody>
+                    <a:bodyPr/>
+                    <a:lstStyle/>
+                    <a:p>
+                      <a:endParaRPr lang="en-US"/>
                     </a:p>
                   </a:txBody>
                   <a:tcPr/>
@@ -7592,87 +7681,87 @@
                     <a:bodyPr/>
                     <a:lstStyle/>
                     <a:p>
-                      <a:endParaRPr lang="en-US" dirty="0"/>
-                    </a:p>
-                  </a:txBody>
-                  <a:tcPr/>
-                </a:tc>
-                <a:tc>
-                  <a:txBody>
-                    <a:bodyPr/>
-                    <a:lstStyle/>
-                    <a:p>
-                      <a:endParaRPr lang="en-US"/>
-                    </a:p>
-                  </a:txBody>
-                  <a:tcPr/>
-                </a:tc>
-                <a:tc>
-                  <a:txBody>
-                    <a:bodyPr/>
-                    <a:lstStyle/>
-                    <a:p>
-                      <a:endParaRPr lang="en-US"/>
-                    </a:p>
-                  </a:txBody>
-                  <a:tcPr/>
-                </a:tc>
-                <a:tc>
-                  <a:txBody>
-                    <a:bodyPr/>
-                    <a:lstStyle/>
-                    <a:p>
-                      <a:endParaRPr lang="en-US"/>
-                    </a:p>
-                  </a:txBody>
-                  <a:tcPr/>
-                </a:tc>
-                <a:tc>
-                  <a:txBody>
-                    <a:bodyPr/>
-                    <a:lstStyle/>
-                    <a:p>
-                      <a:endParaRPr lang="en-US"/>
-                    </a:p>
-                  </a:txBody>
-                  <a:tcPr/>
-                </a:tc>
-                <a:tc>
-                  <a:txBody>
-                    <a:bodyPr/>
-                    <a:lstStyle/>
-                    <a:p>
-                      <a:endParaRPr lang="en-US"/>
-                    </a:p>
-                  </a:txBody>
-                  <a:tcPr/>
-                </a:tc>
-                <a:tc>
-                  <a:txBody>
-                    <a:bodyPr/>
-                    <a:lstStyle/>
-                    <a:p>
-                      <a:endParaRPr lang="en-US"/>
-                    </a:p>
-                  </a:txBody>
-                  <a:tcPr/>
-                </a:tc>
-                <a:tc>
-                  <a:txBody>
-                    <a:bodyPr/>
-                    <a:lstStyle/>
-                    <a:p>
-                      <a:endParaRPr lang="en-US"/>
-                    </a:p>
-                  </a:txBody>
-                  <a:tcPr/>
-                </a:tc>
-                <a:tc>
-                  <a:txBody>
-                    <a:bodyPr/>
-                    <a:lstStyle/>
-                    <a:p>
-                      <a:endParaRPr lang="en-US" dirty="0"/>
+                      <a:endParaRPr lang="en-US"/>
+                    </a:p>
+                  </a:txBody>
+                  <a:tcPr/>
+                </a:tc>
+                <a:tc>
+                  <a:txBody>
+                    <a:bodyPr/>
+                    <a:lstStyle/>
+                    <a:p>
+                      <a:endParaRPr lang="en-US"/>
+                    </a:p>
+                  </a:txBody>
+                  <a:tcPr/>
+                </a:tc>
+                <a:tc>
+                  <a:txBody>
+                    <a:bodyPr/>
+                    <a:lstStyle/>
+                    <a:p>
+                      <a:endParaRPr lang="en-US"/>
+                    </a:p>
+                  </a:txBody>
+                  <a:tcPr/>
+                </a:tc>
+                <a:tc>
+                  <a:txBody>
+                    <a:bodyPr/>
+                    <a:lstStyle/>
+                    <a:p>
+                      <a:endParaRPr lang="en-US"/>
+                    </a:p>
+                  </a:txBody>
+                  <a:tcPr/>
+                </a:tc>
+                <a:tc>
+                  <a:txBody>
+                    <a:bodyPr/>
+                    <a:lstStyle/>
+                    <a:p>
+                      <a:endParaRPr lang="en-US"/>
+                    </a:p>
+                  </a:txBody>
+                  <a:tcPr/>
+                </a:tc>
+                <a:tc>
+                  <a:txBody>
+                    <a:bodyPr/>
+                    <a:lstStyle/>
+                    <a:p>
+                      <a:endParaRPr lang="en-US"/>
+                    </a:p>
+                  </a:txBody>
+                  <a:tcPr/>
+                </a:tc>
+                <a:tc>
+                  <a:txBody>
+                    <a:bodyPr/>
+                    <a:lstStyle/>
+                    <a:p>
+                      <a:endParaRPr lang="en-US"/>
+                    </a:p>
+                  </a:txBody>
+                  <a:tcPr/>
+                </a:tc>
+                <a:tc>
+                  <a:txBody>
+                    <a:bodyPr/>
+                    <a:lstStyle/>
+                    <a:p>
+                      <a:endParaRPr lang="en-US"/>
+                    </a:p>
+                  </a:txBody>
+                  <a:tcPr/>
+                </a:tc>
+                <a:tc>
+                  <a:txBody>
+                    <a:bodyPr/>
+                    <a:lstStyle/>
+                    <a:p>
+                      <a:endParaRPr lang="en-US"/>
                     </a:p>
                   </a:txBody>
                   <a:tcPr/>
@@ -7720,10 +7809,10 @@
           <a:p>
             <a:pPr algn="l"/>
             <a:r>
-              <a:rPr lang="en-US" u="sng" dirty="0" err="1"/>
+              <a:rPr lang="en-US" u="sng" err="1"/>
               <a:t>TransID</a:t>
             </a:r>
-            <a:endParaRPr lang="en-US" u="sng" dirty="0">
+            <a:endParaRPr lang="en-US" u="sng">
               <a:cs typeface="Calibri"/>
             </a:endParaRPr>
           </a:p>
@@ -7762,10 +7851,10 @@
           <a:p>
             <a:pPr algn="l"/>
             <a:r>
-              <a:rPr lang="en-US" i="1" dirty="0" err="1"/>
+              <a:rPr lang="en-US" i="1" err="1"/>
               <a:t>UpdaterID</a:t>
             </a:r>
-            <a:endParaRPr lang="en-US" i="1" dirty="0"/>
+            <a:endParaRPr lang="en-US" i="1"/>
           </a:p>
         </p:txBody>
       </p:sp>
@@ -7802,10 +7891,10 @@
           <a:p>
             <a:pPr algn="l"/>
             <a:r>
-              <a:rPr lang="en-US" dirty="0" err="1"/>
+              <a:rPr lang="en-US" err="1"/>
               <a:t>UpdTime</a:t>
             </a:r>
-            <a:endParaRPr lang="en-US" dirty="0"/>
+            <a:endParaRPr lang="en-US"/>
           </a:p>
         </p:txBody>
       </p:sp>
@@ -7842,7 +7931,7 @@
           <a:p>
             <a:pPr algn="l"/>
             <a:r>
-              <a:rPr lang="en-US" dirty="0" err="1">
+              <a:rPr lang="en-US" err="1">
                 <a:cs typeface="Calibri"/>
               </a:rPr>
               <a:t>DataType</a:t>
@@ -7883,10 +7972,10 @@
           <a:p>
             <a:pPr algn="l"/>
             <a:r>
-              <a:rPr lang="en-US" dirty="0"/>
+              <a:rPr lang="en-US"/>
               <a:t>Double1</a:t>
             </a:r>
-            <a:endParaRPr lang="en-US" dirty="0">
+            <a:endParaRPr lang="en-US">
               <a:cs typeface="Calibri"/>
             </a:endParaRPr>
           </a:p>
@@ -7925,7 +8014,7 @@
           <a:p>
             <a:pPr algn="l"/>
             <a:r>
-              <a:rPr lang="en-US" dirty="0">
+              <a:rPr lang="en-US">
                 <a:cs typeface="Calibri"/>
               </a:rPr>
               <a:t>Char256</a:t>
@@ -7966,7 +8055,7 @@
           <a:p>
             <a:pPr algn="l"/>
             <a:r>
-              <a:rPr lang="en-US" dirty="0">
+              <a:rPr lang="en-US">
                 <a:cs typeface="Calibri"/>
               </a:rPr>
               <a:t>valid</a:t>
@@ -8006,11 +8095,11 @@
           <a:lstStyle/>
           <a:p>
             <a:r>
-              <a:rPr lang="en-US" i="1" dirty="0" err="1"/>
+              <a:rPr lang="en-US" i="1" err="1"/>
               <a:t>TransID</a:t>
             </a:r>
             <a:r>
-              <a:rPr lang="en-US" dirty="0"/>
+              <a:rPr lang="en-US"/>
               <a:t> – FK = Transaction Identifier (used as a foreign key)</a:t>
             </a:r>
           </a:p>
@@ -8048,11 +8137,11 @@
           <a:lstStyle/>
           <a:p>
             <a:r>
-              <a:rPr lang="en-US" i="1" dirty="0"/>
+              <a:rPr lang="en-US" i="1"/>
               <a:t>UpdaterID</a:t>
             </a:r>
             <a:r>
-              <a:rPr lang="en-US" dirty="0"/>
+              <a:rPr lang="en-US"/>
               <a:t> – FK = Employee Identifier who created or updated this record</a:t>
             </a:r>
           </a:p>
@@ -8090,14 +8179,14 @@
           <a:lstStyle/>
           <a:p>
             <a:r>
-              <a:rPr lang="en-US" dirty="0" err="1"/>
+              <a:rPr lang="en-US" err="1"/>
               <a:t>UpdTime</a:t>
             </a:r>
             <a:r>
-              <a:rPr lang="en-US" dirty="0"/>
+              <a:rPr lang="en-US"/>
               <a:t> = Record update date and Time: MMDDYYYYHHMMSS</a:t>
             </a:r>
-            <a:endParaRPr lang="en-US" dirty="0">
+            <a:endParaRPr lang="en-US">
               <a:cs typeface="Calibri"/>
             </a:endParaRPr>
           </a:p>
@@ -8135,10 +8224,10 @@
           <a:lstStyle/>
           <a:p>
             <a:r>
-              <a:rPr lang="en-US" dirty="0"/>
+              <a:rPr lang="en-US"/>
               <a:t>Int1 = integer sized parameter</a:t>
             </a:r>
-            <a:endParaRPr lang="en-US" dirty="0">
+            <a:endParaRPr lang="en-US">
               <a:cs typeface="Calibri"/>
             </a:endParaRPr>
           </a:p>
@@ -8176,14 +8265,14 @@
           <a:lstStyle/>
           <a:p>
             <a:r>
-              <a:rPr lang="en-US" dirty="0" err="1"/>
+              <a:rPr lang="en-US" err="1"/>
               <a:t>DataType</a:t>
             </a:r>
             <a:r>
-              <a:rPr lang="en-US" dirty="0"/>
+              <a:rPr lang="en-US"/>
               <a:t>= indicates value type of Data1 and Data2 fields (product purchased, service provided, payment method info,..., other (can be added to ad infinitum ) </a:t>
             </a:r>
-            <a:endParaRPr lang="en-US" dirty="0">
+            <a:endParaRPr lang="en-US">
               <a:cs typeface="Calibri"/>
             </a:endParaRPr>
           </a:p>
@@ -8221,10 +8310,10 @@
           <a:lstStyle/>
           <a:p>
             <a:r>
-              <a:rPr lang="en-US" dirty="0"/>
+              <a:rPr lang="en-US"/>
               <a:t>valid = this record is valid indicator</a:t>
             </a:r>
-            <a:endParaRPr lang="en-US" dirty="0">
+            <a:endParaRPr lang="en-US">
               <a:cs typeface="Calibri"/>
             </a:endParaRPr>
           </a:p>
@@ -8259,7 +8348,7 @@
           <a:lstStyle/>
           <a:p>
             <a:r>
-              <a:rPr lang="en-US" dirty="0"/>
+              <a:rPr lang="en-US"/>
               <a:t>Int1</a:t>
             </a:r>
           </a:p>
@@ -8294,10 +8383,10 @@
           <a:lstStyle/>
           <a:p>
             <a:r>
-              <a:rPr lang="en-US" u="sng" dirty="0" err="1"/>
+              <a:rPr lang="en-US" u="sng" err="1"/>
               <a:t>TinfoID</a:t>
             </a:r>
-            <a:endParaRPr lang="en-US" u="sng" dirty="0"/>
+            <a:endParaRPr lang="en-US" u="sng"/>
           </a:p>
         </p:txBody>
       </p:sp>
@@ -8330,11 +8419,11 @@
           <a:lstStyle/>
           <a:p>
             <a:r>
-              <a:rPr lang="en-US" u="sng" dirty="0" err="1"/>
+              <a:rPr lang="en-US" u="sng" err="1"/>
               <a:t>TinfoID</a:t>
             </a:r>
             <a:r>
-              <a:rPr lang="en-US" dirty="0"/>
+              <a:rPr lang="en-US"/>
               <a:t> = PK = Primary Key for this table</a:t>
             </a:r>
           </a:p>
@@ -8369,7 +8458,7 @@
           <a:lstStyle/>
           <a:p>
             <a:r>
-              <a:rPr lang="en-US" dirty="0"/>
+              <a:rPr lang="en-US"/>
               <a:t>Double1 = Double sized parameter</a:t>
             </a:r>
           </a:p>
@@ -8404,7 +8493,7 @@
           <a:lstStyle/>
           <a:p>
             <a:r>
-              <a:rPr lang="en-US" dirty="0"/>
+              <a:rPr lang="en-US"/>
               <a:t>Char256 = 256 byte sized character parameter</a:t>
             </a:r>
           </a:p>
@@ -8473,7 +8562,7 @@
           <a:p>
             <a:pPr algn="l"/>
             <a:r>
-              <a:rPr lang="en-US" sz="2000" dirty="0">
+              <a:rPr lang="en-US" sz="2000">
                 <a:cs typeface="Calibri"/>
               </a:rPr>
               <a:t>Relationships</a:t>
@@ -8514,7 +8603,7 @@
           <a:p>
             <a:pPr algn="l"/>
             <a:r>
-              <a:rPr lang="en-US" dirty="0">
+              <a:rPr lang="en-US">
                 <a:cs typeface="Calibri"/>
               </a:rPr>
               <a:t>valid</a:t>
@@ -8609,9 +8698,6 @@
               </a:rPr>
               <a:t>EmpInfo</a:t>
             </a:r>
-            <a:endParaRPr lang="en-US" dirty="0">
-              <a:cs typeface="Calibri"/>
-            </a:endParaRPr>
           </a:p>
         </p:txBody>
       </p:sp>
@@ -8742,9 +8828,6 @@
               </a:rPr>
               <a:t>Employee</a:t>
             </a:r>
-            <a:endParaRPr lang="en-US" dirty="0">
-              <a:cs typeface="Calibri"/>
-            </a:endParaRPr>
           </a:p>
         </p:txBody>
       </p:sp>
@@ -8786,9 +8869,6 @@
               </a:rPr>
               <a:t>n</a:t>
             </a:r>
-            <a:endParaRPr lang="en-US" dirty="0">
-              <a:cs typeface="Calibri"/>
-            </a:endParaRPr>
           </a:p>
         </p:txBody>
       </p:sp>
@@ -8830,9 +8910,6 @@
               </a:rPr>
               <a:t>1</a:t>
             </a:r>
-            <a:endParaRPr lang="en-US" dirty="0">
-              <a:cs typeface="Calibri"/>
-            </a:endParaRPr>
           </a:p>
         </p:txBody>
       </p:sp>
@@ -9090,9 +9167,6 @@
               </a:rPr>
               <a:t>1</a:t>
             </a:r>
-            <a:endParaRPr lang="en-US" dirty="0">
-              <a:cs typeface="Calibri"/>
-            </a:endParaRPr>
           </a:p>
         </p:txBody>
       </p:sp>
@@ -9183,9 +9257,6 @@
               </a:rPr>
               <a:t>TransactionDetails</a:t>
             </a:r>
-            <a:endParaRPr lang="en-US" dirty="0">
-              <a:cs typeface="Calibri"/>
-            </a:endParaRPr>
           </a:p>
         </p:txBody>
       </p:sp>
@@ -9276,9 +9347,6 @@
               </a:rPr>
               <a:t>Transaction</a:t>
             </a:r>
-            <a:endParaRPr lang="en-US" dirty="0">
-              <a:cs typeface="Calibri"/>
-            </a:endParaRPr>
           </a:p>
         </p:txBody>
       </p:sp>
@@ -10167,9 +10235,6 @@
               </a:rPr>
               <a:t>Service</a:t>
             </a:r>
-            <a:endParaRPr lang="en-US" dirty="0">
-              <a:cs typeface="Calibri"/>
-            </a:endParaRPr>
           </a:p>
         </p:txBody>
       </p:sp>
@@ -10211,9 +10276,6 @@
               </a:rPr>
               <a:t>Product</a:t>
             </a:r>
-            <a:endParaRPr lang="en-US" dirty="0">
-              <a:cs typeface="Calibri"/>
-            </a:endParaRPr>
           </a:p>
         </p:txBody>
       </p:sp>
@@ -10497,9 +10559,6 @@
               </a:rPr>
               <a:t>SupplierInfo</a:t>
             </a:r>
-            <a:endParaRPr lang="en-US" dirty="0">
-              <a:cs typeface="Calibri"/>
-            </a:endParaRPr>
           </a:p>
         </p:txBody>
       </p:sp>
@@ -10541,9 +10600,6 @@
               </a:rPr>
               <a:t>ProductInfo</a:t>
             </a:r>
-            <a:endParaRPr lang="en-US" dirty="0">
-              <a:cs typeface="Calibri"/>
-            </a:endParaRPr>
           </a:p>
         </p:txBody>
       </p:sp>
@@ -10625,9 +10681,6 @@
               </a:rPr>
               <a:t>n</a:t>
             </a:r>
-            <a:endParaRPr lang="en-US" dirty="0">
-              <a:cs typeface="Calibri"/>
-            </a:endParaRPr>
           </a:p>
         </p:txBody>
       </p:sp>
@@ -10669,9 +10722,6 @@
               </a:rPr>
               <a:t>n</a:t>
             </a:r>
-            <a:endParaRPr lang="en-US" dirty="0">
-              <a:cs typeface="Calibri"/>
-            </a:endParaRPr>
           </a:p>
         </p:txBody>
       </p:sp>
@@ -10713,9 +10763,6 @@
               </a:rPr>
               <a:t>n</a:t>
             </a:r>
-            <a:endParaRPr lang="en-US" dirty="0">
-              <a:cs typeface="Calibri"/>
-            </a:endParaRPr>
           </a:p>
         </p:txBody>
       </p:sp>
@@ -10757,9 +10804,6 @@
               </a:rPr>
               <a:t>1</a:t>
             </a:r>
-            <a:endParaRPr lang="en-US" dirty="0">
-              <a:cs typeface="Calibri"/>
-            </a:endParaRPr>
           </a:p>
         </p:txBody>
       </p:sp>
@@ -10801,9 +10845,6 @@
               </a:rPr>
               <a:t>1</a:t>
             </a:r>
-            <a:endParaRPr lang="en-US" dirty="0">
-              <a:cs typeface="Calibri"/>
-            </a:endParaRPr>
           </a:p>
         </p:txBody>
       </p:sp>
@@ -10845,9 +10886,6 @@
               </a:rPr>
               <a:t>1</a:t>
             </a:r>
-            <a:endParaRPr lang="en-US" dirty="0">
-              <a:cs typeface="Calibri"/>
-            </a:endParaRPr>
           </a:p>
         </p:txBody>
       </p:sp>
@@ -10889,9 +10927,6 @@
               </a:rPr>
               <a:t>n</a:t>
             </a:r>
-            <a:endParaRPr lang="en-US" dirty="0">
-              <a:cs typeface="Calibri"/>
-            </a:endParaRPr>
           </a:p>
         </p:txBody>
       </p:sp>
@@ -10933,9 +10968,6 @@
               </a:rPr>
               <a:t>1</a:t>
             </a:r>
-            <a:endParaRPr lang="en-US" dirty="0">
-              <a:cs typeface="Calibri"/>
-            </a:endParaRPr>
           </a:p>
         </p:txBody>
       </p:sp>
@@ -10977,9 +11009,6 @@
               </a:rPr>
               <a:t>n</a:t>
             </a:r>
-            <a:endParaRPr lang="en-US" dirty="0">
-              <a:cs typeface="Calibri"/>
-            </a:endParaRPr>
           </a:p>
         </p:txBody>
       </p:sp>
@@ -11021,9 +11050,6 @@
               </a:rPr>
               <a:t>n</a:t>
             </a:r>
-            <a:endParaRPr lang="en-US" dirty="0">
-              <a:cs typeface="Calibri"/>
-            </a:endParaRPr>
           </a:p>
         </p:txBody>
       </p:sp>
@@ -11065,9 +11091,6 @@
               </a:rPr>
               <a:t>n</a:t>
             </a:r>
-            <a:endParaRPr lang="en-US" dirty="0">
-              <a:cs typeface="Calibri"/>
-            </a:endParaRPr>
           </a:p>
         </p:txBody>
       </p:sp>
@@ -11109,9 +11132,6 @@
               </a:rPr>
               <a:t>n</a:t>
             </a:r>
-            <a:endParaRPr lang="en-US" dirty="0">
-              <a:cs typeface="Calibri"/>
-            </a:endParaRPr>
           </a:p>
         </p:txBody>
       </p:sp>
@@ -11191,7 +11211,7 @@
           </a:bodyPr>
           <a:lstStyle/>
           <a:p>
-            <a:endParaRPr lang="en-US" dirty="0"/>
+            <a:endParaRPr lang="en-US"/>
           </a:p>
         </p:txBody>
       </p:sp>
@@ -11224,15 +11244,15 @@
           <a:lstStyle/>
           <a:p>
             <a:r>
-              <a:rPr lang="en-US" dirty="0"/>
+              <a:rPr lang="en-US"/>
               <a:t>Optionally in 2</a:t>
             </a:r>
             <a:r>
-              <a:rPr lang="en-US" baseline="30000" dirty="0"/>
+              <a:rPr lang="en-US" baseline="30000"/>
               <a:t>nd</a:t>
             </a:r>
             <a:r>
-              <a:rPr lang="en-US" dirty="0"/>
+              <a:rPr lang="en-US"/>
               <a:t> phase of project</a:t>
             </a:r>
           </a:p>
@@ -11401,7 +11421,7 @@
                     <a:bodyPr/>
                     <a:lstStyle/>
                     <a:p>
-                      <a:endParaRPr lang="en-US" dirty="0">
+                      <a:endParaRPr lang="en-US">
                         <a:solidFill>
                           <a:schemeClr val="bg1"/>
                         </a:solidFill>
@@ -11492,7 +11512,7 @@
                     <a:bodyPr/>
                     <a:lstStyle/>
                     <a:p>
-                      <a:endParaRPr lang="en-US" dirty="0">
+                      <a:endParaRPr lang="en-US">
                         <a:solidFill>
                           <a:schemeClr val="bg1"/>
                         </a:solidFill>
@@ -11583,7 +11603,7 @@
                     <a:bodyPr/>
                     <a:lstStyle/>
                     <a:p>
-                      <a:endParaRPr lang="en-US" dirty="0">
+                      <a:endParaRPr lang="en-US">
                         <a:solidFill>
                           <a:schemeClr val="bg1"/>
                         </a:solidFill>
@@ -11674,7 +11694,7 @@
                     <a:bodyPr/>
                     <a:lstStyle/>
                     <a:p>
-                      <a:endParaRPr lang="en-US" dirty="0">
+                      <a:endParaRPr lang="en-US">
                         <a:solidFill>
                           <a:schemeClr val="bg1"/>
                         </a:solidFill>
@@ -11765,7 +11785,7 @@
                     <a:bodyPr/>
                     <a:lstStyle/>
                     <a:p>
-                      <a:endParaRPr lang="en-US" dirty="0">
+                      <a:endParaRPr lang="en-US">
                         <a:solidFill>
                           <a:schemeClr val="bg1"/>
                         </a:solidFill>
@@ -11926,10 +11946,10 @@
           <a:p>
             <a:pPr algn="l"/>
             <a:r>
-              <a:rPr lang="en-US" i="1" dirty="0" err="1"/>
+              <a:rPr lang="en-US" i="1" err="1"/>
               <a:t>UpdaterID</a:t>
             </a:r>
-            <a:endParaRPr lang="en-US" i="1" dirty="0"/>
+            <a:endParaRPr lang="en-US" i="1"/>
           </a:p>
         </p:txBody>
       </p:sp>
@@ -11966,10 +11986,10 @@
           <a:p>
             <a:pPr algn="l"/>
             <a:r>
-              <a:rPr lang="en-US" dirty="0" err="1"/>
+              <a:rPr lang="en-US" err="1"/>
               <a:t>UpdTime</a:t>
             </a:r>
-            <a:endParaRPr lang="en-US" dirty="0"/>
+            <a:endParaRPr lang="en-US"/>
           </a:p>
         </p:txBody>
       </p:sp>
@@ -12045,10 +12065,10 @@
           <a:p>
             <a:pPr algn="l"/>
             <a:r>
-              <a:rPr lang="en-US" dirty="0" err="1"/>
+              <a:rPr lang="en-US" err="1"/>
               <a:t>Fname</a:t>
             </a:r>
-            <a:endParaRPr lang="en-US" dirty="0"/>
+            <a:endParaRPr lang="en-US"/>
           </a:p>
         </p:txBody>
       </p:sp>
@@ -12090,9 +12110,6 @@
               </a:rPr>
               <a:t>Minit</a:t>
             </a:r>
-            <a:endParaRPr lang="en-US" dirty="0">
-              <a:cs typeface="Calibri"/>
-            </a:endParaRPr>
           </a:p>
         </p:txBody>
       </p:sp>
@@ -12209,16 +12226,12 @@
           <a:lstStyle/>
           <a:p>
             <a:r>
-              <a:rPr lang="en-US" i="1" dirty="0"/>
+              <a:rPr lang="en-US" i="1"/>
               <a:t>UpdaterID</a:t>
             </a:r>
             <a:r>
-              <a:rPr lang="en-US" dirty="0"/>
-              <a:t> – FK = Employee Identifier who </a:t>
-            </a:r>
-            <a:r>
               <a:rPr lang="en-US"/>
-              <a:t>created or updated this record</a:t>
+              <a:t> – FK = Employee Identifier who created or updated this record</a:t>
             </a:r>
           </a:p>
         </p:txBody>
@@ -12491,7 +12504,7 @@
           <a:p>
             <a:pPr algn="l"/>
             <a:r>
-              <a:rPr lang="en-US" sz="2000" dirty="0">
+              <a:rPr lang="en-US" sz="2000">
                 <a:cs typeface="Calibri"/>
               </a:rPr>
               <a:t>Customer</a:t>
@@ -13011,7 +13024,7 @@
                     <a:bodyPr/>
                     <a:lstStyle/>
                     <a:p>
-                      <a:endParaRPr lang="en-US" dirty="0"/>
+                      <a:endParaRPr lang="en-US"/>
                     </a:p>
                   </a:txBody>
                   <a:tcPr/>
@@ -13059,10 +13072,10 @@
           <a:p>
             <a:pPr algn="l"/>
             <a:r>
-              <a:rPr lang="en-US" u="sng" dirty="0" err="1"/>
+              <a:rPr lang="en-US" u="sng" err="1"/>
               <a:t>CustID</a:t>
             </a:r>
-            <a:endParaRPr lang="en-US" u="sng" dirty="0" err="1">
+            <a:endParaRPr lang="en-US" u="sng" err="1">
               <a:cs typeface="Calibri"/>
             </a:endParaRPr>
           </a:p>
@@ -13101,10 +13114,10 @@
           <a:p>
             <a:pPr algn="l"/>
             <a:r>
-              <a:rPr lang="en-US" i="1" dirty="0" err="1"/>
+              <a:rPr lang="en-US" i="1" err="1"/>
               <a:t>UpdaterID</a:t>
             </a:r>
-            <a:endParaRPr lang="en-US" i="1" dirty="0"/>
+            <a:endParaRPr lang="en-US" i="1"/>
           </a:p>
         </p:txBody>
       </p:sp>
@@ -13141,10 +13154,10 @@
           <a:p>
             <a:pPr algn="l"/>
             <a:r>
-              <a:rPr lang="en-US" dirty="0" err="1"/>
+              <a:rPr lang="en-US" err="1"/>
               <a:t>UpdTime</a:t>
             </a:r>
-            <a:endParaRPr lang="en-US" dirty="0"/>
+            <a:endParaRPr lang="en-US"/>
           </a:p>
         </p:txBody>
       </p:sp>
@@ -13181,10 +13194,10 @@
           <a:p>
             <a:pPr algn="l"/>
             <a:r>
-              <a:rPr lang="en-US" dirty="0" err="1"/>
+              <a:rPr lang="en-US" err="1"/>
               <a:t>CreateTime</a:t>
             </a:r>
-            <a:endParaRPr lang="en-US" dirty="0"/>
+            <a:endParaRPr lang="en-US"/>
           </a:p>
         </p:txBody>
       </p:sp>
@@ -13260,12 +13273,12 @@
           <a:p>
             <a:pPr algn="l"/>
             <a:r>
-              <a:rPr lang="en-US" dirty="0" err="1">
+              <a:rPr lang="en-US" err="1">
                 <a:cs typeface="Calibri"/>
               </a:rPr>
               <a:t>Minit</a:t>
             </a:r>
-            <a:endParaRPr lang="en-US" dirty="0">
+            <a:endParaRPr lang="en-US">
               <a:cs typeface="Calibri"/>
             </a:endParaRPr>
           </a:p>
@@ -13304,10 +13317,10 @@
           <a:p>
             <a:pPr algn="l"/>
             <a:r>
-              <a:rPr lang="en-US" dirty="0" err="1"/>
+              <a:rPr lang="en-US" err="1"/>
               <a:t>Lname</a:t>
             </a:r>
-            <a:endParaRPr lang="en-US" dirty="0"/>
+            <a:endParaRPr lang="en-US"/>
           </a:p>
         </p:txBody>
       </p:sp>
@@ -13343,11 +13356,11 @@
           <a:lstStyle/>
           <a:p>
             <a:r>
-              <a:rPr lang="en-US" u="sng" dirty="0" err="1"/>
+              <a:rPr lang="en-US" u="sng" err="1"/>
               <a:t>CustID</a:t>
             </a:r>
             <a:r>
-              <a:rPr lang="en-US" dirty="0"/>
+              <a:rPr lang="en-US"/>
               <a:t> – PK = Unique Customer Identifier</a:t>
             </a:r>
           </a:p>
@@ -13385,16 +13398,12 @@
           <a:lstStyle/>
           <a:p>
             <a:r>
-              <a:rPr lang="en-US" i="1" dirty="0"/>
+              <a:rPr lang="en-US" i="1"/>
               <a:t>UpdaterID</a:t>
             </a:r>
             <a:r>
-              <a:rPr lang="en-US" dirty="0"/>
-              <a:t> – FK = Employee Identifier who </a:t>
-            </a:r>
-            <a:r>
               <a:rPr lang="en-US"/>
-              <a:t>created or updated this record</a:t>
+              <a:t> – FK = Employee Identifier who created or updated this record</a:t>
             </a:r>
           </a:p>
         </p:txBody>
@@ -13672,9 +13681,6 @@
               </a:rPr>
               <a:t>Supplier</a:t>
             </a:r>
-            <a:endParaRPr lang="en-US" sz="2000" dirty="0">
-              <a:cs typeface="Calibri"/>
-            </a:endParaRPr>
           </a:p>
         </p:txBody>
       </p:sp>
@@ -13836,7 +13842,7 @@
                     <a:bodyPr/>
                     <a:lstStyle/>
                     <a:p>
-                      <a:endParaRPr lang="en-US" dirty="0"/>
+                      <a:endParaRPr lang="en-US"/>
                     </a:p>
                   </a:txBody>
                   <a:tcPr/>
@@ -14184,7 +14190,7 @@
                     <a:bodyPr/>
                     <a:lstStyle/>
                     <a:p>
-                      <a:endParaRPr lang="en-US" dirty="0"/>
+                      <a:endParaRPr lang="en-US"/>
                     </a:p>
                   </a:txBody>
                   <a:tcPr/>
@@ -14235,7 +14241,7 @@
               <a:rPr lang="en-US" u="sng"/>
               <a:t>SuppID</a:t>
             </a:r>
-            <a:endParaRPr lang="en-US" u="sng" dirty="0" err="1">
+            <a:endParaRPr lang="en-US" u="sng" err="1">
               <a:cs typeface="Calibri"/>
             </a:endParaRPr>
           </a:p>
@@ -14274,10 +14280,10 @@
           <a:p>
             <a:pPr algn="l"/>
             <a:r>
-              <a:rPr lang="en-US" i="1" dirty="0" err="1"/>
+              <a:rPr lang="en-US" i="1" err="1"/>
               <a:t>UpdaterID</a:t>
             </a:r>
-            <a:endParaRPr lang="en-US" i="1" dirty="0"/>
+            <a:endParaRPr lang="en-US" i="1"/>
           </a:p>
         </p:txBody>
       </p:sp>
@@ -14314,10 +14320,10 @@
           <a:p>
             <a:pPr algn="l"/>
             <a:r>
-              <a:rPr lang="en-US" dirty="0" err="1"/>
+              <a:rPr lang="en-US" err="1"/>
               <a:t>UpdTime</a:t>
             </a:r>
-            <a:endParaRPr lang="en-US" dirty="0"/>
+            <a:endParaRPr lang="en-US"/>
           </a:p>
         </p:txBody>
       </p:sp>
@@ -14354,10 +14360,10 @@
           <a:p>
             <a:pPr algn="l"/>
             <a:r>
-              <a:rPr lang="en-US" dirty="0" err="1"/>
+              <a:rPr lang="en-US" err="1"/>
               <a:t>CreateTime</a:t>
             </a:r>
-            <a:endParaRPr lang="en-US" dirty="0"/>
+            <a:endParaRPr lang="en-US"/>
           </a:p>
         </p:txBody>
       </p:sp>
@@ -14394,10 +14400,10 @@
           <a:p>
             <a:pPr algn="l"/>
             <a:r>
-              <a:rPr lang="en-US" dirty="0" err="1"/>
+              <a:rPr lang="en-US" err="1"/>
               <a:t>Bname</a:t>
             </a:r>
-            <a:endParaRPr lang="en-US" dirty="0"/>
+            <a:endParaRPr lang="en-US"/>
           </a:p>
         </p:txBody>
       </p:sp>
@@ -14439,9 +14445,6 @@
               </a:rPr>
               <a:t>?</a:t>
             </a:r>
-            <a:endParaRPr lang="en-US" dirty="0">
-              <a:cs typeface="Calibri"/>
-            </a:endParaRPr>
           </a:p>
         </p:txBody>
       </p:sp>
@@ -14483,9 +14486,6 @@
               </a:rPr>
               <a:t>?</a:t>
             </a:r>
-            <a:endParaRPr lang="en-US" dirty="0">
-              <a:cs typeface="Calibri"/>
-            </a:endParaRPr>
           </a:p>
         </p:txBody>
       </p:sp>
@@ -14521,7 +14521,7 @@
           <a:lstStyle/>
           <a:p>
             <a:r>
-              <a:rPr lang="en-US" u="sng" dirty="0"/>
+              <a:rPr lang="en-US" u="sng"/>
               <a:t>SuppID</a:t>
             </a:r>
             <a:r>
@@ -14563,16 +14563,12 @@
           <a:lstStyle/>
           <a:p>
             <a:r>
-              <a:rPr lang="en-US" i="1" dirty="0"/>
+              <a:rPr lang="en-US" i="1"/>
               <a:t>UpdaterID</a:t>
             </a:r>
             <a:r>
-              <a:rPr lang="en-US" dirty="0"/>
-              <a:t> – FK = Employee Identifier who </a:t>
-            </a:r>
-            <a:r>
               <a:rPr lang="en-US"/>
-              <a:t>created or updated this record</a:t>
+              <a:t> – FK = Employee Identifier who created or updated this record</a:t>
             </a:r>
           </a:p>
         </p:txBody>
@@ -14845,7 +14841,7 @@
           <a:p>
             <a:pPr algn="l"/>
             <a:r>
-              <a:rPr lang="en-US" sz="2000" dirty="0">
+              <a:rPr lang="en-US" sz="2000">
                 <a:cs typeface="Calibri"/>
               </a:rPr>
               <a:t>Product</a:t>
@@ -15365,7 +15361,7 @@
                     <a:bodyPr/>
                     <a:lstStyle/>
                     <a:p>
-                      <a:endParaRPr lang="en-US" dirty="0"/>
+                      <a:endParaRPr lang="en-US"/>
                     </a:p>
                   </a:txBody>
                   <a:tcPr/>
@@ -15413,10 +15409,10 @@
           <a:p>
             <a:pPr algn="l"/>
             <a:r>
-              <a:rPr lang="en-US" u="sng" dirty="0" err="1"/>
+              <a:rPr lang="en-US" u="sng" err="1"/>
               <a:t>ProdID</a:t>
             </a:r>
-            <a:endParaRPr lang="en-US" u="sng" dirty="0" err="1">
+            <a:endParaRPr lang="en-US" u="sng" err="1">
               <a:cs typeface="Calibri"/>
             </a:endParaRPr>
           </a:p>
@@ -15455,10 +15451,10 @@
           <a:p>
             <a:pPr algn="l"/>
             <a:r>
-              <a:rPr lang="en-US" i="1" dirty="0" err="1"/>
+              <a:rPr lang="en-US" i="1" err="1"/>
               <a:t>UpdaterID</a:t>
             </a:r>
-            <a:endParaRPr lang="en-US" i="1" dirty="0"/>
+            <a:endParaRPr lang="en-US" i="1"/>
           </a:p>
         </p:txBody>
       </p:sp>
@@ -15495,10 +15491,10 @@
           <a:p>
             <a:pPr algn="l"/>
             <a:r>
-              <a:rPr lang="en-US" dirty="0" err="1"/>
+              <a:rPr lang="en-US" err="1"/>
               <a:t>UpdTime</a:t>
             </a:r>
-            <a:endParaRPr lang="en-US" dirty="0"/>
+            <a:endParaRPr lang="en-US"/>
           </a:p>
         </p:txBody>
       </p:sp>
@@ -15535,10 +15531,10 @@
           <a:p>
             <a:pPr algn="l"/>
             <a:r>
-              <a:rPr lang="en-US" dirty="0" err="1"/>
+              <a:rPr lang="en-US" err="1"/>
               <a:t>CreateTime</a:t>
             </a:r>
-            <a:endParaRPr lang="en-US" dirty="0"/>
+            <a:endParaRPr lang="en-US"/>
           </a:p>
         </p:txBody>
       </p:sp>
@@ -15575,10 +15571,10 @@
           <a:p>
             <a:pPr algn="l"/>
             <a:r>
-              <a:rPr lang="en-US" dirty="0" err="1"/>
+              <a:rPr lang="en-US" err="1"/>
               <a:t>Pname</a:t>
             </a:r>
-            <a:endParaRPr lang="en-US" dirty="0" err="1">
+            <a:endParaRPr lang="en-US" err="1">
               <a:cs typeface="Calibri"/>
             </a:endParaRPr>
           </a:p>
@@ -15617,12 +15613,12 @@
           <a:p>
             <a:pPr algn="l"/>
             <a:r>
-              <a:rPr lang="en-US" i="1" dirty="0" err="1">
+              <a:rPr lang="en-US" i="1" err="1">
                 <a:cs typeface="Calibri"/>
               </a:rPr>
               <a:t>SuppID</a:t>
             </a:r>
-            <a:endParaRPr lang="en-US" i="1" dirty="0">
+            <a:endParaRPr lang="en-US" i="1">
               <a:cs typeface="Calibri"/>
             </a:endParaRPr>
           </a:p>
@@ -15661,7 +15657,7 @@
           <a:p>
             <a:pPr algn="l"/>
             <a:r>
-              <a:rPr lang="en-US" dirty="0" err="1">
+              <a:rPr lang="en-US" err="1">
                 <a:cs typeface="Calibri"/>
               </a:rPr>
               <a:t>Tbd</a:t>
@@ -15701,11 +15697,11 @@
           <a:lstStyle/>
           <a:p>
             <a:r>
-              <a:rPr lang="en-US" u="sng" dirty="0" err="1"/>
+              <a:rPr lang="en-US" u="sng" err="1"/>
               <a:t>ProdID</a:t>
             </a:r>
             <a:r>
-              <a:rPr lang="en-US" dirty="0"/>
+              <a:rPr lang="en-US"/>
               <a:t> – PK = Unique Product Identifier</a:t>
             </a:r>
           </a:p>
@@ -15743,16 +15739,12 @@
           <a:lstStyle/>
           <a:p>
             <a:r>
-              <a:rPr lang="en-US" i="1" dirty="0"/>
+              <a:rPr lang="en-US" i="1"/>
               <a:t>UpdaterID</a:t>
             </a:r>
             <a:r>
-              <a:rPr lang="en-US" dirty="0"/>
-              <a:t> – FK = Employee Identifier who </a:t>
-            </a:r>
-            <a:r>
               <a:rPr lang="en-US"/>
-              <a:t>created or updated this record</a:t>
+              <a:t> – FK = Employee Identifier who created or updated this record</a:t>
             </a:r>
           </a:p>
         </p:txBody>
@@ -15871,14 +15863,14 @@
           <a:lstStyle/>
           <a:p>
             <a:r>
-              <a:rPr lang="en-US" dirty="0" err="1"/>
+              <a:rPr lang="en-US" err="1"/>
               <a:t>Pname</a:t>
             </a:r>
             <a:r>
-              <a:rPr lang="en-US" dirty="0"/>
+              <a:rPr lang="en-US"/>
               <a:t>= Product Name</a:t>
             </a:r>
-            <a:endParaRPr lang="en-US" dirty="0">
+            <a:endParaRPr lang="en-US">
               <a:cs typeface="Calibri"/>
             </a:endParaRPr>
           </a:p>
@@ -15916,14 +15908,14 @@
           <a:lstStyle/>
           <a:p>
             <a:r>
-              <a:rPr lang="en-US" dirty="0" err="1"/>
+              <a:rPr lang="en-US" err="1"/>
               <a:t>SuppID</a:t>
             </a:r>
             <a:r>
-              <a:rPr lang="en-US" dirty="0"/>
+              <a:rPr lang="en-US"/>
               <a:t> – FK = Supplier identifier a foreign key of supplier</a:t>
             </a:r>
-            <a:endParaRPr lang="en-US" dirty="0">
+            <a:endParaRPr lang="en-US">
               <a:cs typeface="Calibri"/>
             </a:endParaRPr>
           </a:p>
@@ -16033,7 +16025,7 @@
           <a:p>
             <a:pPr algn="l"/>
             <a:r>
-              <a:rPr lang="en-US" sz="2000" dirty="0">
+              <a:rPr lang="en-US" sz="2000">
                 <a:cs typeface="Calibri"/>
               </a:rPr>
               <a:t>Service</a:t>
@@ -16547,7 +16539,7 @@
                     <a:bodyPr/>
                     <a:lstStyle/>
                     <a:p>
-                      <a:endParaRPr lang="en-US" dirty="0"/>
+                      <a:endParaRPr lang="en-US"/>
                     </a:p>
                   </a:txBody>
                   <a:tcPr/>
@@ -16595,10 +16587,10 @@
           <a:p>
             <a:pPr algn="l"/>
             <a:r>
-              <a:rPr lang="en-US" u="sng" dirty="0" err="1"/>
+              <a:rPr lang="en-US" u="sng" err="1"/>
               <a:t>ServD</a:t>
             </a:r>
-            <a:endParaRPr lang="en-US" u="sng" dirty="0" err="1">
+            <a:endParaRPr lang="en-US" u="sng" err="1">
               <a:cs typeface="Calibri"/>
             </a:endParaRPr>
           </a:p>
@@ -16637,10 +16629,10 @@
           <a:p>
             <a:pPr algn="l"/>
             <a:r>
-              <a:rPr lang="en-US" i="1" dirty="0" err="1"/>
+              <a:rPr lang="en-US" i="1" err="1"/>
               <a:t>UpdaterID</a:t>
             </a:r>
-            <a:endParaRPr lang="en-US" i="1" dirty="0"/>
+            <a:endParaRPr lang="en-US" i="1"/>
           </a:p>
         </p:txBody>
       </p:sp>
@@ -16677,10 +16669,10 @@
           <a:p>
             <a:pPr algn="l"/>
             <a:r>
-              <a:rPr lang="en-US" dirty="0" err="1"/>
+              <a:rPr lang="en-US" err="1"/>
               <a:t>UpdTime</a:t>
             </a:r>
-            <a:endParaRPr lang="en-US" dirty="0"/>
+            <a:endParaRPr lang="en-US"/>
           </a:p>
         </p:txBody>
       </p:sp>
@@ -16717,10 +16709,10 @@
           <a:p>
             <a:pPr algn="l"/>
             <a:r>
-              <a:rPr lang="en-US" dirty="0" err="1"/>
+              <a:rPr lang="en-US" err="1"/>
               <a:t>CreateTime</a:t>
             </a:r>
-            <a:endParaRPr lang="en-US" dirty="0"/>
+            <a:endParaRPr lang="en-US"/>
           </a:p>
         </p:txBody>
       </p:sp>
@@ -16757,10 +16749,10 @@
           <a:p>
             <a:pPr algn="l"/>
             <a:r>
-              <a:rPr lang="en-US" dirty="0" err="1"/>
+              <a:rPr lang="en-US" err="1"/>
               <a:t>Sname</a:t>
             </a:r>
-            <a:endParaRPr lang="en-US" dirty="0" err="1">
+            <a:endParaRPr lang="en-US" err="1">
               <a:cs typeface="Calibri"/>
             </a:endParaRPr>
           </a:p>
@@ -16799,7 +16791,7 @@
           <a:p>
             <a:pPr algn="l"/>
             <a:r>
-              <a:rPr lang="en-US" dirty="0">
+              <a:rPr lang="en-US">
                 <a:cs typeface="Calibri"/>
               </a:rPr>
               <a:t>Price</a:t>
@@ -16840,12 +16832,12 @@
           <a:p>
             <a:pPr algn="l"/>
             <a:r>
-              <a:rPr lang="en-US" dirty="0" err="1">
+              <a:rPr lang="en-US" err="1">
                 <a:cs typeface="Calibri"/>
               </a:rPr>
               <a:t>Tbd</a:t>
             </a:r>
-            <a:endParaRPr lang="en-US" dirty="0">
+            <a:endParaRPr lang="en-US">
               <a:cs typeface="Calibri"/>
             </a:endParaRPr>
           </a:p>
@@ -16883,11 +16875,11 @@
           <a:lstStyle/>
           <a:p>
             <a:r>
-              <a:rPr lang="en-US" u="sng" dirty="0" err="1"/>
+              <a:rPr lang="en-US" u="sng" err="1"/>
               <a:t>ProdID</a:t>
             </a:r>
             <a:r>
-              <a:rPr lang="en-US" dirty="0"/>
+              <a:rPr lang="en-US"/>
               <a:t> – PK = Unique Product Identifier</a:t>
             </a:r>
           </a:p>
@@ -16925,16 +16917,12 @@
           <a:lstStyle/>
           <a:p>
             <a:r>
-              <a:rPr lang="en-US" i="1" dirty="0"/>
+              <a:rPr lang="en-US" i="1"/>
               <a:t>UpdaterID</a:t>
             </a:r>
             <a:r>
-              <a:rPr lang="en-US" dirty="0"/>
-              <a:t> – FK = Employee Identifier who </a:t>
-            </a:r>
-            <a:r>
               <a:rPr lang="en-US"/>
-              <a:t>created or updated this record</a:t>
+              <a:t> – FK = Employee Identifier who created or updated this record</a:t>
             </a:r>
           </a:p>
         </p:txBody>
@@ -17053,14 +17041,14 @@
           <a:lstStyle/>
           <a:p>
             <a:r>
-              <a:rPr lang="en-US" dirty="0" err="1"/>
+              <a:rPr lang="en-US" err="1"/>
               <a:t>Sname</a:t>
             </a:r>
             <a:r>
-              <a:rPr lang="en-US" dirty="0"/>
+              <a:rPr lang="en-US"/>
               <a:t>= Service Name, e.g. haircut, shampoo, hair dying, ...</a:t>
             </a:r>
-            <a:endParaRPr lang="en-US" dirty="0">
+            <a:endParaRPr lang="en-US">
               <a:cs typeface="Calibri"/>
             </a:endParaRPr>
           </a:p>
@@ -17098,10 +17086,10 @@
           <a:lstStyle/>
           <a:p>
             <a:r>
-              <a:rPr lang="en-US" dirty="0"/>
+              <a:rPr lang="en-US"/>
               <a:t>Price = customer's price</a:t>
             </a:r>
-            <a:endParaRPr lang="en-US" dirty="0">
+            <a:endParaRPr lang="en-US">
               <a:cs typeface="Calibri"/>
             </a:endParaRPr>
           </a:p>
@@ -17211,7 +17199,7 @@
           <a:p>
             <a:pPr algn="l"/>
             <a:r>
-              <a:rPr lang="en-US" sz="2000" dirty="0">
+              <a:rPr lang="en-US" sz="2000">
                 <a:cs typeface="Calibri"/>
               </a:rPr>
               <a:t>Transaction</a:t>
@@ -17731,7 +17719,7 @@
                     <a:bodyPr/>
                     <a:lstStyle/>
                     <a:p>
-                      <a:endParaRPr lang="en-US" dirty="0"/>
+                      <a:endParaRPr lang="en-US"/>
                     </a:p>
                   </a:txBody>
                   <a:tcPr/>
@@ -17779,10 +17767,10 @@
           <a:p>
             <a:pPr algn="l"/>
             <a:r>
-              <a:rPr lang="en-US" u="sng" dirty="0" err="1"/>
+              <a:rPr lang="en-US" u="sng" err="1"/>
               <a:t>TransID</a:t>
             </a:r>
-            <a:endParaRPr lang="en-US" u="sng" dirty="0" err="1">
+            <a:endParaRPr lang="en-US" u="sng" err="1">
               <a:cs typeface="Calibri"/>
             </a:endParaRPr>
           </a:p>
@@ -17821,10 +17809,10 @@
           <a:p>
             <a:pPr algn="l"/>
             <a:r>
-              <a:rPr lang="en-US" i="1" dirty="0" err="1"/>
+              <a:rPr lang="en-US" i="1" err="1"/>
               <a:t>UpdaterID</a:t>
             </a:r>
-            <a:endParaRPr lang="en-US" i="1" dirty="0"/>
+            <a:endParaRPr lang="en-US" i="1"/>
           </a:p>
         </p:txBody>
       </p:sp>
@@ -17861,10 +17849,10 @@
           <a:p>
             <a:pPr algn="l"/>
             <a:r>
-              <a:rPr lang="en-US" dirty="0" err="1"/>
+              <a:rPr lang="en-US" err="1"/>
               <a:t>UpdTime</a:t>
             </a:r>
-            <a:endParaRPr lang="en-US" dirty="0"/>
+            <a:endParaRPr lang="en-US"/>
           </a:p>
         </p:txBody>
       </p:sp>
@@ -17901,10 +17889,10 @@
           <a:p>
             <a:pPr algn="l"/>
             <a:r>
-              <a:rPr lang="en-US" dirty="0" err="1"/>
+              <a:rPr lang="en-US" err="1"/>
               <a:t>CreateTime</a:t>
             </a:r>
-            <a:endParaRPr lang="en-US" dirty="0" err="1">
+            <a:endParaRPr lang="en-US" err="1">
               <a:cs typeface="Calibri"/>
             </a:endParaRPr>
           </a:p>
@@ -17943,7 +17931,7 @@
           <a:p>
             <a:pPr algn="l"/>
             <a:r>
-              <a:rPr lang="en-US" i="1" dirty="0" err="1">
+              <a:rPr lang="en-US" i="1" err="1">
                 <a:cs typeface="Calibri"/>
               </a:rPr>
               <a:t>CustID</a:t>
@@ -17987,7 +17975,7 @@
           <a:p>
             <a:pPr algn="l"/>
             <a:r>
-              <a:rPr lang="en-US" dirty="0">
+              <a:rPr lang="en-US">
                 <a:cs typeface="Calibri"/>
               </a:rPr>
               <a:t>Amount</a:t>
@@ -18028,7 +18016,7 @@
           <a:p>
             <a:pPr algn="l"/>
             <a:r>
-              <a:rPr lang="en-US" dirty="0">
+              <a:rPr lang="en-US">
                 <a:cs typeface="Calibri"/>
               </a:rPr>
               <a:t>Method</a:t>
@@ -18068,11 +18056,11 @@
           <a:lstStyle/>
           <a:p>
             <a:r>
-              <a:rPr lang="en-US" u="sng" dirty="0" err="1"/>
+              <a:rPr lang="en-US" u="sng" err="1"/>
               <a:t>TransID</a:t>
             </a:r>
             <a:r>
-              <a:rPr lang="en-US" dirty="0"/>
+              <a:rPr lang="en-US"/>
               <a:t> – PK = Unique Transaction Identifier</a:t>
             </a:r>
           </a:p>
@@ -18110,16 +18098,12 @@
           <a:lstStyle/>
           <a:p>
             <a:r>
-              <a:rPr lang="en-US" i="1" dirty="0"/>
+              <a:rPr lang="en-US" i="1"/>
               <a:t>UpdaterID</a:t>
             </a:r>
             <a:r>
-              <a:rPr lang="en-US" dirty="0"/>
-              <a:t> – FK = Employee Identifier who </a:t>
-            </a:r>
-            <a:r>
               <a:rPr lang="en-US"/>
-              <a:t>created or updated this record</a:t>
+              <a:t> – FK = Employee Identifier who created or updated this record</a:t>
             </a:r>
           </a:p>
         </p:txBody>
@@ -18238,22 +18222,22 @@
           <a:lstStyle/>
           <a:p>
             <a:r>
-              <a:rPr lang="en-US" i="1" dirty="0" err="1"/>
+              <a:rPr lang="en-US" i="1" err="1"/>
               <a:t>CustID</a:t>
             </a:r>
             <a:r>
-              <a:rPr lang="en-US" dirty="0"/>
+              <a:rPr lang="en-US"/>
               <a:t> – FK = Customer identifier (foreign key for this </a:t>
             </a:r>
             <a:r>
-              <a:rPr lang="en-US" dirty="0" err="1"/>
+              <a:rPr lang="en-US" err="1"/>
               <a:t>entitiy</a:t>
             </a:r>
             <a:r>
-              <a:rPr lang="en-US" dirty="0"/>
+              <a:rPr lang="en-US"/>
               <a:t>).</a:t>
             </a:r>
-            <a:endParaRPr lang="en-US" dirty="0">
+            <a:endParaRPr lang="en-US">
               <a:cs typeface="Calibri"/>
             </a:endParaRPr>
           </a:p>
@@ -18291,14 +18275,14 @@
           <a:lstStyle/>
           <a:p>
             <a:r>
-              <a:rPr lang="en-US" dirty="0"/>
+              <a:rPr lang="en-US"/>
               <a:t>Amount = amount of </a:t>
             </a:r>
             <a:r>
-              <a:rPr lang="en-US" dirty="0" err="1"/>
+              <a:rPr lang="en-US" err="1"/>
               <a:t>transction</a:t>
             </a:r>
-            <a:endParaRPr lang="en-US" dirty="0" err="1">
+            <a:endParaRPr lang="en-US" err="1">
               <a:cs typeface="Calibri"/>
             </a:endParaRPr>
           </a:p>
@@ -18336,10 +18320,10 @@
           <a:lstStyle/>
           <a:p>
             <a:r>
-              <a:rPr lang="en-US" dirty="0"/>
+              <a:rPr lang="en-US"/>
               <a:t>Method = payment method – enumerated; cash, check, credit card</a:t>
             </a:r>
-            <a:endParaRPr lang="en-US" dirty="0">
+            <a:endParaRPr lang="en-US">
               <a:cs typeface="Calibri"/>
             </a:endParaRPr>
           </a:p>
@@ -18408,7 +18392,7 @@
           <a:p>
             <a:pPr algn="l"/>
             <a:r>
-              <a:rPr lang="en-US" sz="2000" dirty="0" err="1"/>
+              <a:rPr lang="en-US" sz="2000" err="1"/>
               <a:t>EmpInfo</a:t>
             </a:r>
           </a:p>
@@ -18515,77 +18499,77 @@
                     <a:bodyPr/>
                     <a:lstStyle/>
                     <a:p>
-                      <a:endParaRPr lang="en-US" dirty="0"/>
-                    </a:p>
-                  </a:txBody>
-                  <a:tcPr/>
-                </a:tc>
-                <a:tc>
-                  <a:txBody>
-                    <a:bodyPr/>
-                    <a:lstStyle/>
-                    <a:p>
-                      <a:endParaRPr lang="en-US"/>
-                    </a:p>
-                  </a:txBody>
-                  <a:tcPr/>
-                </a:tc>
-                <a:tc>
-                  <a:txBody>
-                    <a:bodyPr/>
-                    <a:lstStyle/>
-                    <a:p>
-                      <a:endParaRPr lang="en-US"/>
-                    </a:p>
-                  </a:txBody>
-                  <a:tcPr/>
-                </a:tc>
-                <a:tc>
-                  <a:txBody>
-                    <a:bodyPr/>
-                    <a:lstStyle/>
-                    <a:p>
-                      <a:endParaRPr lang="en-US"/>
-                    </a:p>
-                  </a:txBody>
-                  <a:tcPr/>
-                </a:tc>
-                <a:tc>
-                  <a:txBody>
-                    <a:bodyPr/>
-                    <a:lstStyle/>
-                    <a:p>
-                      <a:endParaRPr lang="en-US" dirty="0"/>
-                    </a:p>
-                  </a:txBody>
-                  <a:tcPr/>
-                </a:tc>
-                <a:tc>
-                  <a:txBody>
-                    <a:bodyPr/>
-                    <a:lstStyle/>
-                    <a:p>
-                      <a:endParaRPr lang="en-US" dirty="0"/>
-                    </a:p>
-                  </a:txBody>
-                  <a:tcPr/>
-                </a:tc>
-                <a:tc>
-                  <a:txBody>
-                    <a:bodyPr/>
-                    <a:lstStyle/>
-                    <a:p>
-                      <a:endParaRPr lang="en-US"/>
-                    </a:p>
-                  </a:txBody>
-                  <a:tcPr/>
-                </a:tc>
-                <a:tc>
-                  <a:txBody>
-                    <a:bodyPr/>
-                    <a:lstStyle/>
-                    <a:p>
-                      <a:endParaRPr lang="en-US" dirty="0"/>
+                      <a:endParaRPr lang="en-US"/>
+                    </a:p>
+                  </a:txBody>
+                  <a:tcPr/>
+                </a:tc>
+                <a:tc>
+                  <a:txBody>
+                    <a:bodyPr/>
+                    <a:lstStyle/>
+                    <a:p>
+                      <a:endParaRPr lang="en-US"/>
+                    </a:p>
+                  </a:txBody>
+                  <a:tcPr/>
+                </a:tc>
+                <a:tc>
+                  <a:txBody>
+                    <a:bodyPr/>
+                    <a:lstStyle/>
+                    <a:p>
+                      <a:endParaRPr lang="en-US"/>
+                    </a:p>
+                  </a:txBody>
+                  <a:tcPr/>
+                </a:tc>
+                <a:tc>
+                  <a:txBody>
+                    <a:bodyPr/>
+                    <a:lstStyle/>
+                    <a:p>
+                      <a:endParaRPr lang="en-US"/>
+                    </a:p>
+                  </a:txBody>
+                  <a:tcPr/>
+                </a:tc>
+                <a:tc>
+                  <a:txBody>
+                    <a:bodyPr/>
+                    <a:lstStyle/>
+                    <a:p>
+                      <a:endParaRPr lang="en-US"/>
+                    </a:p>
+                  </a:txBody>
+                  <a:tcPr/>
+                </a:tc>
+                <a:tc>
+                  <a:txBody>
+                    <a:bodyPr/>
+                    <a:lstStyle/>
+                    <a:p>
+                      <a:endParaRPr lang="en-US"/>
+                    </a:p>
+                  </a:txBody>
+                  <a:tcPr/>
+                </a:tc>
+                <a:tc>
+                  <a:txBody>
+                    <a:bodyPr/>
+                    <a:lstStyle/>
+                    <a:p>
+                      <a:endParaRPr lang="en-US"/>
+                    </a:p>
+                  </a:txBody>
+                  <a:tcPr/>
+                </a:tc>
+                <a:tc>
+                  <a:txBody>
+                    <a:bodyPr/>
+                    <a:lstStyle/>
+                    <a:p>
+                      <a:endParaRPr lang="en-US"/>
                     </a:p>
                   </a:txBody>
                   <a:tcPr/>
@@ -18612,87 +18596,87 @@
                     <a:bodyPr/>
                     <a:lstStyle/>
                     <a:p>
-                      <a:endParaRPr lang="en-US" dirty="0"/>
-                    </a:p>
-                  </a:txBody>
-                  <a:tcPr/>
-                </a:tc>
-                <a:tc>
-                  <a:txBody>
-                    <a:bodyPr/>
-                    <a:lstStyle/>
-                    <a:p>
-                      <a:endParaRPr lang="en-US" dirty="0"/>
-                    </a:p>
-                  </a:txBody>
-                  <a:tcPr/>
-                </a:tc>
-                <a:tc>
-                  <a:txBody>
-                    <a:bodyPr/>
-                    <a:lstStyle/>
-                    <a:p>
-                      <a:endParaRPr lang="en-US"/>
-                    </a:p>
-                  </a:txBody>
-                  <a:tcPr/>
-                </a:tc>
-                <a:tc>
-                  <a:txBody>
-                    <a:bodyPr/>
-                    <a:lstStyle/>
-                    <a:p>
-                      <a:endParaRPr lang="en-US"/>
-                    </a:p>
-                  </a:txBody>
-                  <a:tcPr/>
-                </a:tc>
-                <a:tc>
-                  <a:txBody>
-                    <a:bodyPr/>
-                    <a:lstStyle/>
-                    <a:p>
-                      <a:endParaRPr lang="en-US"/>
-                    </a:p>
-                  </a:txBody>
-                  <a:tcPr/>
-                </a:tc>
-                <a:tc>
-                  <a:txBody>
-                    <a:bodyPr/>
-                    <a:lstStyle/>
-                    <a:p>
-                      <a:endParaRPr lang="en-US"/>
-                    </a:p>
-                  </a:txBody>
-                  <a:tcPr/>
-                </a:tc>
-                <a:tc>
-                  <a:txBody>
-                    <a:bodyPr/>
-                    <a:lstStyle/>
-                    <a:p>
-                      <a:endParaRPr lang="en-US"/>
-                    </a:p>
-                  </a:txBody>
-                  <a:tcPr/>
-                </a:tc>
-                <a:tc>
-                  <a:txBody>
-                    <a:bodyPr/>
-                    <a:lstStyle/>
-                    <a:p>
-                      <a:endParaRPr lang="en-US"/>
-                    </a:p>
-                  </a:txBody>
-                  <a:tcPr/>
-                </a:tc>
-                <a:tc>
-                  <a:txBody>
-                    <a:bodyPr/>
-                    <a:lstStyle/>
-                    <a:p>
-                      <a:endParaRPr lang="en-US" dirty="0"/>
+                      <a:endParaRPr lang="en-US"/>
+                    </a:p>
+                  </a:txBody>
+                  <a:tcPr/>
+                </a:tc>
+                <a:tc>
+                  <a:txBody>
+                    <a:bodyPr/>
+                    <a:lstStyle/>
+                    <a:p>
+                      <a:endParaRPr lang="en-US"/>
+                    </a:p>
+                  </a:txBody>
+                  <a:tcPr/>
+                </a:tc>
+                <a:tc>
+                  <a:txBody>
+                    <a:bodyPr/>
+                    <a:lstStyle/>
+                    <a:p>
+                      <a:endParaRPr lang="en-US"/>
+                    </a:p>
+                  </a:txBody>
+                  <a:tcPr/>
+                </a:tc>
+                <a:tc>
+                  <a:txBody>
+                    <a:bodyPr/>
+                    <a:lstStyle/>
+                    <a:p>
+                      <a:endParaRPr lang="en-US"/>
+                    </a:p>
+                  </a:txBody>
+                  <a:tcPr/>
+                </a:tc>
+                <a:tc>
+                  <a:txBody>
+                    <a:bodyPr/>
+                    <a:lstStyle/>
+                    <a:p>
+                      <a:endParaRPr lang="en-US"/>
+                    </a:p>
+                  </a:txBody>
+                  <a:tcPr/>
+                </a:tc>
+                <a:tc>
+                  <a:txBody>
+                    <a:bodyPr/>
+                    <a:lstStyle/>
+                    <a:p>
+                      <a:endParaRPr lang="en-US"/>
+                    </a:p>
+                  </a:txBody>
+                  <a:tcPr/>
+                </a:tc>
+                <a:tc>
+                  <a:txBody>
+                    <a:bodyPr/>
+                    <a:lstStyle/>
+                    <a:p>
+                      <a:endParaRPr lang="en-US"/>
+                    </a:p>
+                  </a:txBody>
+                  <a:tcPr/>
+                </a:tc>
+                <a:tc>
+                  <a:txBody>
+                    <a:bodyPr/>
+                    <a:lstStyle/>
+                    <a:p>
+                      <a:endParaRPr lang="en-US"/>
+                    </a:p>
+                  </a:txBody>
+                  <a:tcPr/>
+                </a:tc>
+                <a:tc>
+                  <a:txBody>
+                    <a:bodyPr/>
+                    <a:lstStyle/>
+                    <a:p>
+                      <a:endParaRPr lang="en-US"/>
                     </a:p>
                   </a:txBody>
                   <a:tcPr/>
@@ -18709,17 +18693,17 @@
                     <a:bodyPr/>
                     <a:lstStyle/>
                     <a:p>
-                      <a:endParaRPr lang="en-US" dirty="0"/>
-                    </a:p>
-                  </a:txBody>
-                  <a:tcPr/>
-                </a:tc>
-                <a:tc>
-                  <a:txBody>
-                    <a:bodyPr/>
-                    <a:lstStyle/>
-                    <a:p>
-                      <a:endParaRPr lang="en-US" dirty="0"/>
+                      <a:endParaRPr lang="en-US"/>
+                    </a:p>
+                  </a:txBody>
+                  <a:tcPr/>
+                </a:tc>
+                <a:tc>
+                  <a:txBody>
+                    <a:bodyPr/>
+                    <a:lstStyle/>
+                    <a:p>
+                      <a:endParaRPr lang="en-US"/>
                     </a:p>
                   </a:txBody>
                   <a:tcPr/>
@@ -18806,17 +18790,17 @@
                     <a:bodyPr/>
                     <a:lstStyle/>
                     <a:p>
-                      <a:endParaRPr lang="en-US" dirty="0"/>
-                    </a:p>
-                  </a:txBody>
-                  <a:tcPr/>
-                </a:tc>
-                <a:tc>
-                  <a:txBody>
-                    <a:bodyPr/>
-                    <a:lstStyle/>
-                    <a:p>
-                      <a:endParaRPr lang="en-US" dirty="0"/>
+                      <a:endParaRPr lang="en-US"/>
+                    </a:p>
+                  </a:txBody>
+                  <a:tcPr/>
+                </a:tc>
+                <a:tc>
+                  <a:txBody>
+                    <a:bodyPr/>
+                    <a:lstStyle/>
+                    <a:p>
+                      <a:endParaRPr lang="en-US"/>
                     </a:p>
                   </a:txBody>
                   <a:tcPr/>
@@ -18903,87 +18887,87 @@
                     <a:bodyPr/>
                     <a:lstStyle/>
                     <a:p>
-                      <a:endParaRPr lang="en-US" dirty="0"/>
-                    </a:p>
-                  </a:txBody>
-                  <a:tcPr/>
-                </a:tc>
-                <a:tc>
-                  <a:txBody>
-                    <a:bodyPr/>
-                    <a:lstStyle/>
-                    <a:p>
-                      <a:endParaRPr lang="en-US" dirty="0"/>
-                    </a:p>
-                  </a:txBody>
-                  <a:tcPr/>
-                </a:tc>
-                <a:tc>
-                  <a:txBody>
-                    <a:bodyPr/>
-                    <a:lstStyle/>
-                    <a:p>
-                      <a:endParaRPr lang="en-US"/>
-                    </a:p>
-                  </a:txBody>
-                  <a:tcPr/>
-                </a:tc>
-                <a:tc>
-                  <a:txBody>
-                    <a:bodyPr/>
-                    <a:lstStyle/>
-                    <a:p>
-                      <a:endParaRPr lang="en-US"/>
-                    </a:p>
-                  </a:txBody>
-                  <a:tcPr/>
-                </a:tc>
-                <a:tc>
-                  <a:txBody>
-                    <a:bodyPr/>
-                    <a:lstStyle/>
-                    <a:p>
-                      <a:endParaRPr lang="en-US"/>
-                    </a:p>
-                  </a:txBody>
-                  <a:tcPr/>
-                </a:tc>
-                <a:tc>
-                  <a:txBody>
-                    <a:bodyPr/>
-                    <a:lstStyle/>
-                    <a:p>
-                      <a:endParaRPr lang="en-US"/>
-                    </a:p>
-                  </a:txBody>
-                  <a:tcPr/>
-                </a:tc>
-                <a:tc>
-                  <a:txBody>
-                    <a:bodyPr/>
-                    <a:lstStyle/>
-                    <a:p>
-                      <a:endParaRPr lang="en-US"/>
-                    </a:p>
-                  </a:txBody>
-                  <a:tcPr/>
-                </a:tc>
-                <a:tc>
-                  <a:txBody>
-                    <a:bodyPr/>
-                    <a:lstStyle/>
-                    <a:p>
-                      <a:endParaRPr lang="en-US"/>
-                    </a:p>
-                  </a:txBody>
-                  <a:tcPr/>
-                </a:tc>
-                <a:tc>
-                  <a:txBody>
-                    <a:bodyPr/>
-                    <a:lstStyle/>
-                    <a:p>
-                      <a:endParaRPr lang="en-US" dirty="0"/>
+                      <a:endParaRPr lang="en-US"/>
+                    </a:p>
+                  </a:txBody>
+                  <a:tcPr/>
+                </a:tc>
+                <a:tc>
+                  <a:txBody>
+                    <a:bodyPr/>
+                    <a:lstStyle/>
+                    <a:p>
+                      <a:endParaRPr lang="en-US"/>
+                    </a:p>
+                  </a:txBody>
+                  <a:tcPr/>
+                </a:tc>
+                <a:tc>
+                  <a:txBody>
+                    <a:bodyPr/>
+                    <a:lstStyle/>
+                    <a:p>
+                      <a:endParaRPr lang="en-US"/>
+                    </a:p>
+                  </a:txBody>
+                  <a:tcPr/>
+                </a:tc>
+                <a:tc>
+                  <a:txBody>
+                    <a:bodyPr/>
+                    <a:lstStyle/>
+                    <a:p>
+                      <a:endParaRPr lang="en-US"/>
+                    </a:p>
+                  </a:txBody>
+                  <a:tcPr/>
+                </a:tc>
+                <a:tc>
+                  <a:txBody>
+                    <a:bodyPr/>
+                    <a:lstStyle/>
+                    <a:p>
+                      <a:endParaRPr lang="en-US"/>
+                    </a:p>
+                  </a:txBody>
+                  <a:tcPr/>
+                </a:tc>
+                <a:tc>
+                  <a:txBody>
+                    <a:bodyPr/>
+                    <a:lstStyle/>
+                    <a:p>
+                      <a:endParaRPr lang="en-US"/>
+                    </a:p>
+                  </a:txBody>
+                  <a:tcPr/>
+                </a:tc>
+                <a:tc>
+                  <a:txBody>
+                    <a:bodyPr/>
+                    <a:lstStyle/>
+                    <a:p>
+                      <a:endParaRPr lang="en-US"/>
+                    </a:p>
+                  </a:txBody>
+                  <a:tcPr/>
+                </a:tc>
+                <a:tc>
+                  <a:txBody>
+                    <a:bodyPr/>
+                    <a:lstStyle/>
+                    <a:p>
+                      <a:endParaRPr lang="en-US"/>
+                    </a:p>
+                  </a:txBody>
+                  <a:tcPr/>
+                </a:tc>
+                <a:tc>
+                  <a:txBody>
+                    <a:bodyPr/>
+                    <a:lstStyle/>
+                    <a:p>
+                      <a:endParaRPr lang="en-US"/>
                     </a:p>
                   </a:txBody>
                   <a:tcPr/>
@@ -19031,10 +19015,10 @@
           <a:p>
             <a:pPr algn="l"/>
             <a:r>
-              <a:rPr lang="en-US" u="sng" dirty="0" err="1"/>
+              <a:rPr lang="en-US" u="sng" err="1"/>
               <a:t>EmpID</a:t>
             </a:r>
-            <a:endParaRPr lang="en-US" u="sng" dirty="0"/>
+            <a:endParaRPr lang="en-US" u="sng"/>
           </a:p>
         </p:txBody>
       </p:sp>
@@ -19071,10 +19055,10 @@
           <a:p>
             <a:pPr algn="l"/>
             <a:r>
-              <a:rPr lang="en-US" i="1" dirty="0" err="1"/>
+              <a:rPr lang="en-US" i="1" err="1"/>
               <a:t>UpdaterID</a:t>
             </a:r>
-            <a:endParaRPr lang="en-US" i="1" dirty="0"/>
+            <a:endParaRPr lang="en-US" i="1"/>
           </a:p>
         </p:txBody>
       </p:sp>
@@ -19111,10 +19095,10 @@
           <a:p>
             <a:pPr algn="l"/>
             <a:r>
-              <a:rPr lang="en-US" dirty="0" err="1"/>
+              <a:rPr lang="en-US" err="1"/>
               <a:t>UpdTime</a:t>
             </a:r>
-            <a:endParaRPr lang="en-US" dirty="0"/>
+            <a:endParaRPr lang="en-US"/>
           </a:p>
         </p:txBody>
       </p:sp>
@@ -19151,7 +19135,7 @@
           <a:p>
             <a:pPr algn="l"/>
             <a:r>
-              <a:rPr lang="en-US" dirty="0" err="1">
+              <a:rPr lang="en-US" err="1">
                 <a:cs typeface="Calibri"/>
               </a:rPr>
               <a:t>InfoType</a:t>
@@ -19192,10 +19176,10 @@
           <a:p>
             <a:pPr algn="l"/>
             <a:r>
-              <a:rPr lang="en-US" dirty="0"/>
+              <a:rPr lang="en-US"/>
               <a:t>Int1</a:t>
             </a:r>
-            <a:endParaRPr lang="en-US" dirty="0">
+            <a:endParaRPr lang="en-US">
               <a:cs typeface="Calibri"/>
             </a:endParaRPr>
           </a:p>
@@ -19234,7 +19218,7 @@
           <a:p>
             <a:pPr algn="l"/>
             <a:r>
-              <a:rPr lang="en-US" dirty="0">
+              <a:rPr lang="en-US">
                 <a:cs typeface="Calibri"/>
               </a:rPr>
               <a:t>Char256</a:t>
@@ -19275,7 +19259,7 @@
           <a:p>
             <a:pPr algn="l"/>
             <a:r>
-              <a:rPr lang="en-US" dirty="0">
+              <a:rPr lang="en-US">
                 <a:cs typeface="Calibri"/>
               </a:rPr>
               <a:t>valid</a:t>
@@ -19315,11 +19299,11 @@
           <a:lstStyle/>
           <a:p>
             <a:r>
-              <a:rPr lang="en-US" i="1" dirty="0" err="1"/>
+              <a:rPr lang="en-US" i="1" err="1"/>
               <a:t>EmpID</a:t>
             </a:r>
             <a:r>
-              <a:rPr lang="en-US" dirty="0"/>
+              <a:rPr lang="en-US"/>
               <a:t> – FK = Employee Identifier (used as a foreign key)</a:t>
             </a:r>
           </a:p>
@@ -19357,11 +19341,11 @@
           <a:lstStyle/>
           <a:p>
             <a:r>
-              <a:rPr lang="en-US" i="1" dirty="0"/>
+              <a:rPr lang="en-US" i="1"/>
               <a:t>UpdaterID</a:t>
             </a:r>
             <a:r>
-              <a:rPr lang="en-US" dirty="0"/>
+              <a:rPr lang="en-US"/>
               <a:t> – FK = Employee Identifier who created or updated this record</a:t>
             </a:r>
           </a:p>
@@ -19399,14 +19383,14 @@
           <a:lstStyle/>
           <a:p>
             <a:r>
-              <a:rPr lang="en-US" dirty="0" err="1"/>
+              <a:rPr lang="en-US" err="1"/>
               <a:t>UpdTime</a:t>
             </a:r>
             <a:r>
-              <a:rPr lang="en-US" dirty="0"/>
+              <a:rPr lang="en-US"/>
               <a:t> = Record update date and Time: MMDDYYYYHHMMSS</a:t>
             </a:r>
-            <a:endParaRPr lang="en-US" dirty="0">
+            <a:endParaRPr lang="en-US">
               <a:cs typeface="Calibri"/>
             </a:endParaRPr>
           </a:p>
@@ -19444,10 +19428,10 @@
           <a:lstStyle/>
           <a:p>
             <a:r>
-              <a:rPr lang="en-US" dirty="0"/>
+              <a:rPr lang="en-US"/>
               <a:t>valid = this is which column(s) are valid indicator (bit mapped for each field)</a:t>
             </a:r>
-            <a:endParaRPr lang="en-US" dirty="0">
+            <a:endParaRPr lang="en-US">
               <a:cs typeface="Calibri"/>
             </a:endParaRPr>
           </a:p>
@@ -19485,38 +19469,38 @@
           <a:lstStyle/>
           <a:p>
             <a:r>
-              <a:rPr lang="en-US" dirty="0" err="1"/>
+              <a:rPr lang="en-US" err="1"/>
               <a:t>InfoType</a:t>
             </a:r>
             <a:r>
-              <a:rPr lang="en-US" dirty="0"/>
+              <a:rPr lang="en-US"/>
               <a:t>= indicates value type of Int1, Double1 and Char256 fields (</a:t>
             </a:r>
             <a:r>
-              <a:rPr lang="en-US" dirty="0" err="1"/>
+              <a:rPr lang="en-US" err="1"/>
               <a:t>primaryPhone</a:t>
             </a:r>
             <a:r>
-              <a:rPr lang="en-US" dirty="0"/>
+              <a:rPr lang="en-US"/>
               <a:t>, Phone2, …, </a:t>
             </a:r>
             <a:r>
-              <a:rPr lang="en-US" dirty="0" err="1"/>
+              <a:rPr lang="en-US" err="1"/>
               <a:t>PrimaryEmail</a:t>
             </a:r>
             <a:r>
-              <a:rPr lang="en-US" dirty="0"/>
+              <a:rPr lang="en-US"/>
               <a:t>, Email2,...AddressLine1, AddressLine2, …, DOB, other (can be added to </a:t>
             </a:r>
             <a:r>
-              <a:rPr lang="en-US" dirty="0" err="1"/>
+              <a:rPr lang="en-US" err="1"/>
               <a:t>adinfinitum</a:t>
             </a:r>
             <a:r>
-              <a:rPr lang="en-US" dirty="0"/>
+              <a:rPr lang="en-US"/>
               <a:t> ) </a:t>
             </a:r>
-            <a:endParaRPr lang="en-US" dirty="0">
+            <a:endParaRPr lang="en-US">
               <a:cs typeface="Calibri"/>
             </a:endParaRPr>
           </a:p>
@@ -19554,10 +19538,10 @@
           <a:lstStyle/>
           <a:p>
             <a:r>
-              <a:rPr lang="en-US" dirty="0"/>
+              <a:rPr lang="en-US"/>
               <a:t>Int1 = An integer parameter</a:t>
             </a:r>
-            <a:endParaRPr lang="en-US" dirty="0">
+            <a:endParaRPr lang="en-US">
               <a:cs typeface="Calibri"/>
             </a:endParaRPr>
           </a:p>
@@ -19592,7 +19576,7 @@
           <a:lstStyle/>
           <a:p>
             <a:r>
-              <a:rPr lang="en-US" dirty="0"/>
+              <a:rPr lang="en-US"/>
               <a:t>Double1</a:t>
             </a:r>
           </a:p>
@@ -19627,7 +19611,7 @@
           <a:lstStyle/>
           <a:p>
             <a:r>
-              <a:rPr lang="en-US" dirty="0"/>
+              <a:rPr lang="en-US"/>
               <a:t>Double1 = A parameter that is a Double (good for price info)</a:t>
             </a:r>
           </a:p>
@@ -19662,7 +19646,7 @@
           <a:lstStyle/>
           <a:p>
             <a:r>
-              <a:rPr lang="en-US" dirty="0"/>
+              <a:rPr lang="en-US"/>
               <a:t>Char256 = A 256 byte field for character data</a:t>
             </a:r>
           </a:p>
@@ -19697,10 +19681,10 @@
           <a:lstStyle/>
           <a:p>
             <a:r>
-              <a:rPr lang="en-US" u="sng" dirty="0" err="1"/>
+              <a:rPr lang="en-US" u="sng" err="1"/>
               <a:t>EinfoID</a:t>
             </a:r>
-            <a:endParaRPr lang="en-US" u="sng" dirty="0"/>
+            <a:endParaRPr lang="en-US" u="sng"/>
           </a:p>
         </p:txBody>
       </p:sp>
@@ -19733,11 +19717,11 @@
           <a:lstStyle/>
           <a:p>
             <a:r>
-              <a:rPr lang="en-US" u="sng" dirty="0" err="1"/>
+              <a:rPr lang="en-US" u="sng" err="1"/>
               <a:t>EinfoID</a:t>
             </a:r>
             <a:r>
-              <a:rPr lang="en-US" dirty="0"/>
+              <a:rPr lang="en-US"/>
               <a:t> - PK = Primary Key of this table</a:t>
             </a:r>
           </a:p>
@@ -19806,10 +19790,10 @@
           <a:p>
             <a:pPr algn="l"/>
             <a:r>
-              <a:rPr lang="en-US" sz="2000" dirty="0" err="1"/>
+              <a:rPr lang="en-US" sz="2000" err="1"/>
               <a:t>CustInfo</a:t>
             </a:r>
-            <a:endParaRPr lang="en-US" sz="2000" dirty="0" err="1">
+            <a:endParaRPr lang="en-US" sz="2000" err="1">
               <a:cs typeface="Calibri"/>
             </a:endParaRPr>
           </a:p>
@@ -19916,77 +19900,77 @@
                     <a:bodyPr/>
                     <a:lstStyle/>
                     <a:p>
-                      <a:endParaRPr lang="en-US" dirty="0"/>
-                    </a:p>
-                  </a:txBody>
-                  <a:tcPr/>
-                </a:tc>
-                <a:tc>
-                  <a:txBody>
-                    <a:bodyPr/>
-                    <a:lstStyle/>
-                    <a:p>
-                      <a:endParaRPr lang="en-US"/>
-                    </a:p>
-                  </a:txBody>
-                  <a:tcPr/>
-                </a:tc>
-                <a:tc>
-                  <a:txBody>
-                    <a:bodyPr/>
-                    <a:lstStyle/>
-                    <a:p>
-                      <a:endParaRPr lang="en-US"/>
-                    </a:p>
-                  </a:txBody>
-                  <a:tcPr/>
-                </a:tc>
-                <a:tc>
-                  <a:txBody>
-                    <a:bodyPr/>
-                    <a:lstStyle/>
-                    <a:p>
-                      <a:endParaRPr lang="en-US"/>
-                    </a:p>
-                  </a:txBody>
-                  <a:tcPr/>
-                </a:tc>
-                <a:tc>
-                  <a:txBody>
-                    <a:bodyPr/>
-                    <a:lstStyle/>
-                    <a:p>
-                      <a:endParaRPr lang="en-US"/>
-                    </a:p>
-                  </a:txBody>
-                  <a:tcPr/>
-                </a:tc>
-                <a:tc>
-                  <a:txBody>
-                    <a:bodyPr/>
-                    <a:lstStyle/>
-                    <a:p>
-                      <a:endParaRPr lang="en-US"/>
-                    </a:p>
-                  </a:txBody>
-                  <a:tcPr/>
-                </a:tc>
-                <a:tc>
-                  <a:txBody>
-                    <a:bodyPr/>
-                    <a:lstStyle/>
-                    <a:p>
-                      <a:endParaRPr lang="en-US"/>
-                    </a:p>
-                  </a:txBody>
-                  <a:tcPr/>
-                </a:tc>
-                <a:tc>
-                  <a:txBody>
-                    <a:bodyPr/>
-                    <a:lstStyle/>
-                    <a:p>
-                      <a:endParaRPr lang="en-US" dirty="0"/>
+                      <a:endParaRPr lang="en-US"/>
+                    </a:p>
+                  </a:txBody>
+                  <a:tcPr/>
+                </a:tc>
+                <a:tc>
+                  <a:txBody>
+                    <a:bodyPr/>
+                    <a:lstStyle/>
+                    <a:p>
+                      <a:endParaRPr lang="en-US"/>
+                    </a:p>
+                  </a:txBody>
+                  <a:tcPr/>
+                </a:tc>
+                <a:tc>
+                  <a:txBody>
+                    <a:bodyPr/>
+                    <a:lstStyle/>
+                    <a:p>
+                      <a:endParaRPr lang="en-US"/>
+                    </a:p>
+                  </a:txBody>
+                  <a:tcPr/>
+                </a:tc>
+                <a:tc>
+                  <a:txBody>
+                    <a:bodyPr/>
+                    <a:lstStyle/>
+                    <a:p>
+                      <a:endParaRPr lang="en-US"/>
+                    </a:p>
+                  </a:txBody>
+                  <a:tcPr/>
+                </a:tc>
+                <a:tc>
+                  <a:txBody>
+                    <a:bodyPr/>
+                    <a:lstStyle/>
+                    <a:p>
+                      <a:endParaRPr lang="en-US"/>
+                    </a:p>
+                  </a:txBody>
+                  <a:tcPr/>
+                </a:tc>
+                <a:tc>
+                  <a:txBody>
+                    <a:bodyPr/>
+                    <a:lstStyle/>
+                    <a:p>
+                      <a:endParaRPr lang="en-US"/>
+                    </a:p>
+                  </a:txBody>
+                  <a:tcPr/>
+                </a:tc>
+                <a:tc>
+                  <a:txBody>
+                    <a:bodyPr/>
+                    <a:lstStyle/>
+                    <a:p>
+                      <a:endParaRPr lang="en-US"/>
+                    </a:p>
+                  </a:txBody>
+                  <a:tcPr/>
+                </a:tc>
+                <a:tc>
+                  <a:txBody>
+                    <a:bodyPr/>
+                    <a:lstStyle/>
+                    <a:p>
+                      <a:endParaRPr lang="en-US"/>
                     </a:p>
                   </a:txBody>
                   <a:tcPr/>
@@ -20013,17 +19997,17 @@
                     <a:bodyPr/>
                     <a:lstStyle/>
                     <a:p>
-                      <a:endParaRPr lang="en-US" dirty="0"/>
-                    </a:p>
-                  </a:txBody>
-                  <a:tcPr/>
-                </a:tc>
-                <a:tc>
-                  <a:txBody>
-                    <a:bodyPr/>
-                    <a:lstStyle/>
-                    <a:p>
-                      <a:endParaRPr lang="en-US" dirty="0"/>
+                      <a:endParaRPr lang="en-US"/>
+                    </a:p>
+                  </a:txBody>
+                  <a:tcPr/>
+                </a:tc>
+                <a:tc>
+                  <a:txBody>
+                    <a:bodyPr/>
+                    <a:lstStyle/>
+                    <a:p>
+                      <a:endParaRPr lang="en-US"/>
                     </a:p>
                   </a:txBody>
                   <a:tcPr/>
@@ -20110,17 +20094,17 @@
                     <a:bodyPr/>
                     <a:lstStyle/>
                     <a:p>
-                      <a:endParaRPr lang="en-US" dirty="0"/>
-                    </a:p>
-                  </a:txBody>
-                  <a:tcPr/>
-                </a:tc>
-                <a:tc>
-                  <a:txBody>
-                    <a:bodyPr/>
-                    <a:lstStyle/>
-                    <a:p>
-                      <a:endParaRPr lang="en-US" dirty="0"/>
+                      <a:endParaRPr lang="en-US"/>
+                    </a:p>
+                  </a:txBody>
+                  <a:tcPr/>
+                </a:tc>
+                <a:tc>
+                  <a:txBody>
+                    <a:bodyPr/>
+                    <a:lstStyle/>
+                    <a:p>
+                      <a:endParaRPr lang="en-US"/>
                     </a:p>
                   </a:txBody>
                   <a:tcPr/>
@@ -20207,17 +20191,17 @@
                     <a:bodyPr/>
                     <a:lstStyle/>
                     <a:p>
-                      <a:endParaRPr lang="en-US" dirty="0"/>
-                    </a:p>
-                  </a:txBody>
-                  <a:tcPr/>
-                </a:tc>
-                <a:tc>
-                  <a:txBody>
-                    <a:bodyPr/>
-                    <a:lstStyle/>
-                    <a:p>
-                      <a:endParaRPr lang="en-US" dirty="0"/>
+                      <a:endParaRPr lang="en-US"/>
+                    </a:p>
+                  </a:txBody>
+                  <a:tcPr/>
+                </a:tc>
+                <a:tc>
+                  <a:txBody>
+                    <a:bodyPr/>
+                    <a:lstStyle/>
+                    <a:p>
+                      <a:endParaRPr lang="en-US"/>
                     </a:p>
                   </a:txBody>
                   <a:tcPr/>
@@ -20304,87 +20288,87 @@
                     <a:bodyPr/>
                     <a:lstStyle/>
                     <a:p>
-                      <a:endParaRPr lang="en-US" dirty="0"/>
-                    </a:p>
-                  </a:txBody>
-                  <a:tcPr/>
-                </a:tc>
-                <a:tc>
-                  <a:txBody>
-                    <a:bodyPr/>
-                    <a:lstStyle/>
-                    <a:p>
-                      <a:endParaRPr lang="en-US" dirty="0"/>
-                    </a:p>
-                  </a:txBody>
-                  <a:tcPr/>
-                </a:tc>
-                <a:tc>
-                  <a:txBody>
-                    <a:bodyPr/>
-                    <a:lstStyle/>
-                    <a:p>
-                      <a:endParaRPr lang="en-US"/>
-                    </a:p>
-                  </a:txBody>
-                  <a:tcPr/>
-                </a:tc>
-                <a:tc>
-                  <a:txBody>
-                    <a:bodyPr/>
-                    <a:lstStyle/>
-                    <a:p>
-                      <a:endParaRPr lang="en-US"/>
-                    </a:p>
-                  </a:txBody>
-                  <a:tcPr/>
-                </a:tc>
-                <a:tc>
-                  <a:txBody>
-                    <a:bodyPr/>
-                    <a:lstStyle/>
-                    <a:p>
-                      <a:endParaRPr lang="en-US"/>
-                    </a:p>
-                  </a:txBody>
-                  <a:tcPr/>
-                </a:tc>
-                <a:tc>
-                  <a:txBody>
-                    <a:bodyPr/>
-                    <a:lstStyle/>
-                    <a:p>
-                      <a:endParaRPr lang="en-US"/>
-                    </a:p>
-                  </a:txBody>
-                  <a:tcPr/>
-                </a:tc>
-                <a:tc>
-                  <a:txBody>
-                    <a:bodyPr/>
-                    <a:lstStyle/>
-                    <a:p>
-                      <a:endParaRPr lang="en-US"/>
-                    </a:p>
-                  </a:txBody>
-                  <a:tcPr/>
-                </a:tc>
-                <a:tc>
-                  <a:txBody>
-                    <a:bodyPr/>
-                    <a:lstStyle/>
-                    <a:p>
-                      <a:endParaRPr lang="en-US"/>
-                    </a:p>
-                  </a:txBody>
-                  <a:tcPr/>
-                </a:tc>
-                <a:tc>
-                  <a:txBody>
-                    <a:bodyPr/>
-                    <a:lstStyle/>
-                    <a:p>
-                      <a:endParaRPr lang="en-US" dirty="0"/>
+                      <a:endParaRPr lang="en-US"/>
+                    </a:p>
+                  </a:txBody>
+                  <a:tcPr/>
+                </a:tc>
+                <a:tc>
+                  <a:txBody>
+                    <a:bodyPr/>
+                    <a:lstStyle/>
+                    <a:p>
+                      <a:endParaRPr lang="en-US"/>
+                    </a:p>
+                  </a:txBody>
+                  <a:tcPr/>
+                </a:tc>
+                <a:tc>
+                  <a:txBody>
+                    <a:bodyPr/>
+                    <a:lstStyle/>
+                    <a:p>
+                      <a:endParaRPr lang="en-US"/>
+                    </a:p>
+                  </a:txBody>
+                  <a:tcPr/>
+                </a:tc>
+                <a:tc>
+                  <a:txBody>
+                    <a:bodyPr/>
+                    <a:lstStyle/>
+                    <a:p>
+                      <a:endParaRPr lang="en-US"/>
+                    </a:p>
+                  </a:txBody>
+                  <a:tcPr/>
+                </a:tc>
+                <a:tc>
+                  <a:txBody>
+                    <a:bodyPr/>
+                    <a:lstStyle/>
+                    <a:p>
+                      <a:endParaRPr lang="en-US"/>
+                    </a:p>
+                  </a:txBody>
+                  <a:tcPr/>
+                </a:tc>
+                <a:tc>
+                  <a:txBody>
+                    <a:bodyPr/>
+                    <a:lstStyle/>
+                    <a:p>
+                      <a:endParaRPr lang="en-US"/>
+                    </a:p>
+                  </a:txBody>
+                  <a:tcPr/>
+                </a:tc>
+                <a:tc>
+                  <a:txBody>
+                    <a:bodyPr/>
+                    <a:lstStyle/>
+                    <a:p>
+                      <a:endParaRPr lang="en-US"/>
+                    </a:p>
+                  </a:txBody>
+                  <a:tcPr/>
+                </a:tc>
+                <a:tc>
+                  <a:txBody>
+                    <a:bodyPr/>
+                    <a:lstStyle/>
+                    <a:p>
+                      <a:endParaRPr lang="en-US"/>
+                    </a:p>
+                  </a:txBody>
+                  <a:tcPr/>
+                </a:tc>
+                <a:tc>
+                  <a:txBody>
+                    <a:bodyPr/>
+                    <a:lstStyle/>
+                    <a:p>
+                      <a:endParaRPr lang="en-US"/>
                     </a:p>
                   </a:txBody>
                   <a:tcPr/>
@@ -20432,10 +20416,10 @@
           <a:p>
             <a:pPr algn="l"/>
             <a:r>
-              <a:rPr lang="en-US" u="sng" dirty="0" err="1"/>
+              <a:rPr lang="en-US" u="sng" err="1"/>
               <a:t>CustID</a:t>
             </a:r>
-            <a:endParaRPr lang="en-US" u="sng" dirty="0" err="1">
+            <a:endParaRPr lang="en-US" u="sng" err="1">
               <a:cs typeface="Calibri"/>
             </a:endParaRPr>
           </a:p>
@@ -20474,10 +20458,10 @@
           <a:p>
             <a:pPr algn="l"/>
             <a:r>
-              <a:rPr lang="en-US" i="1" dirty="0" err="1"/>
+              <a:rPr lang="en-US" i="1" err="1"/>
               <a:t>UpdaterID</a:t>
             </a:r>
-            <a:endParaRPr lang="en-US" i="1" dirty="0"/>
+            <a:endParaRPr lang="en-US" i="1"/>
           </a:p>
         </p:txBody>
       </p:sp>
@@ -20514,10 +20498,10 @@
           <a:p>
             <a:pPr algn="l"/>
             <a:r>
-              <a:rPr lang="en-US" dirty="0" err="1"/>
+              <a:rPr lang="en-US" err="1"/>
               <a:t>UpdTime</a:t>
             </a:r>
-            <a:endParaRPr lang="en-US" dirty="0"/>
+            <a:endParaRPr lang="en-US"/>
           </a:p>
         </p:txBody>
       </p:sp>
@@ -20554,7 +20538,7 @@
           <a:p>
             <a:pPr algn="l"/>
             <a:r>
-              <a:rPr lang="en-US" dirty="0" err="1">
+              <a:rPr lang="en-US" err="1">
                 <a:cs typeface="Calibri"/>
               </a:rPr>
               <a:t>InfoType</a:t>
@@ -20595,10 +20579,10 @@
           <a:p>
             <a:pPr algn="l"/>
             <a:r>
-              <a:rPr lang="en-US" dirty="0"/>
+              <a:rPr lang="en-US"/>
               <a:t>Int1</a:t>
             </a:r>
-            <a:endParaRPr lang="en-US" dirty="0">
+            <a:endParaRPr lang="en-US">
               <a:cs typeface="Calibri"/>
             </a:endParaRPr>
           </a:p>
@@ -20637,7 +20621,7 @@
           <a:p>
             <a:pPr algn="l"/>
             <a:r>
-              <a:rPr lang="en-US" dirty="0">
+              <a:rPr lang="en-US">
                 <a:cs typeface="Calibri"/>
               </a:rPr>
               <a:t>Char256</a:t>
@@ -20678,7 +20662,7 @@
           <a:p>
             <a:pPr algn="l"/>
             <a:r>
-              <a:rPr lang="en-US" dirty="0">
+              <a:rPr lang="en-US">
                 <a:cs typeface="Calibri"/>
               </a:rPr>
               <a:t>valid</a:t>
@@ -20718,11 +20702,11 @@
           <a:lstStyle/>
           <a:p>
             <a:r>
-              <a:rPr lang="en-US" i="1" dirty="0" err="1"/>
+              <a:rPr lang="en-US" i="1" err="1"/>
               <a:t>CustID</a:t>
             </a:r>
             <a:r>
-              <a:rPr lang="en-US" dirty="0"/>
+              <a:rPr lang="en-US"/>
               <a:t> – FK = Customer Identifier (used as a foreign key)</a:t>
             </a:r>
           </a:p>
@@ -20760,11 +20744,11 @@
           <a:lstStyle/>
           <a:p>
             <a:r>
-              <a:rPr lang="en-US" i="1" dirty="0"/>
+              <a:rPr lang="en-US" i="1"/>
               <a:t>UpdaterID</a:t>
             </a:r>
             <a:r>
-              <a:rPr lang="en-US" dirty="0"/>
+              <a:rPr lang="en-US"/>
               <a:t> – FK = Employee Identifier who created or updated this record</a:t>
             </a:r>
           </a:p>
@@ -20802,14 +20786,14 @@
           <a:lstStyle/>
           <a:p>
             <a:r>
-              <a:rPr lang="en-US" dirty="0" err="1"/>
+              <a:rPr lang="en-US" err="1"/>
               <a:t>UpdTime</a:t>
             </a:r>
             <a:r>
-              <a:rPr lang="en-US" dirty="0"/>
+              <a:rPr lang="en-US"/>
               <a:t> = Record update date and Time: MMDDYYYYHHMMSS</a:t>
             </a:r>
-            <a:endParaRPr lang="en-US" dirty="0">
+            <a:endParaRPr lang="en-US">
               <a:cs typeface="Calibri"/>
             </a:endParaRPr>
           </a:p>
@@ -20847,10 +20831,10 @@
           <a:lstStyle/>
           <a:p>
             <a:r>
-              <a:rPr lang="en-US" dirty="0"/>
+              <a:rPr lang="en-US"/>
               <a:t>valid = which columns in record is valid indicator (bit mapped; Int1, Double1, Char256)</a:t>
             </a:r>
-            <a:endParaRPr lang="en-US" dirty="0">
+            <a:endParaRPr lang="en-US">
               <a:cs typeface="Calibri"/>
             </a:endParaRPr>
           </a:p>
@@ -20888,30 +20872,30 @@
           <a:lstStyle/>
           <a:p>
             <a:r>
-              <a:rPr lang="en-US" dirty="0" err="1"/>
+              <a:rPr lang="en-US" err="1"/>
               <a:t>InfoType</a:t>
             </a:r>
             <a:r>
-              <a:rPr lang="en-US" dirty="0"/>
+              <a:rPr lang="en-US"/>
               <a:t>= indicates value type of Int1, Double1 and Char256 fields (</a:t>
             </a:r>
             <a:r>
-              <a:rPr lang="en-US" dirty="0" err="1"/>
+              <a:rPr lang="en-US" err="1"/>
               <a:t>primaryPhone</a:t>
             </a:r>
             <a:r>
-              <a:rPr lang="en-US" dirty="0"/>
+              <a:rPr lang="en-US"/>
               <a:t>, Phone2, …, </a:t>
             </a:r>
             <a:r>
-              <a:rPr lang="en-US" dirty="0" err="1"/>
+              <a:rPr lang="en-US" err="1"/>
               <a:t>PrimaryEmail</a:t>
             </a:r>
             <a:r>
-              <a:rPr lang="en-US" dirty="0"/>
+              <a:rPr lang="en-US"/>
               <a:t>, Email2,...AddressLine1, AddressLine2, …, DOB, other (can be added to ad-infinitum ) </a:t>
             </a:r>
-            <a:endParaRPr lang="en-US" dirty="0">
+            <a:endParaRPr lang="en-US">
               <a:cs typeface="Calibri"/>
             </a:endParaRPr>
           </a:p>
@@ -20949,10 +20933,10 @@
           <a:lstStyle/>
           <a:p>
             <a:r>
-              <a:rPr lang="en-US" dirty="0"/>
+              <a:rPr lang="en-US"/>
               <a:t>Char256 = Probably a varchar(256)</a:t>
             </a:r>
-            <a:endParaRPr lang="en-US" dirty="0">
+            <a:endParaRPr lang="en-US">
               <a:cs typeface="Calibri"/>
             </a:endParaRPr>
           </a:p>
@@ -20987,7 +20971,7 @@
           <a:lstStyle/>
           <a:p>
             <a:r>
-              <a:rPr lang="en-US" dirty="0"/>
+              <a:rPr lang="en-US"/>
               <a:t>Int1 = Integer parameter for whatever purpose is needed (if needed)</a:t>
             </a:r>
           </a:p>
@@ -21022,7 +21006,7 @@
           <a:lstStyle/>
           <a:p>
             <a:r>
-              <a:rPr lang="en-US" dirty="0"/>
+              <a:rPr lang="en-US"/>
               <a:t>Double1 = Double data type parameter</a:t>
             </a:r>
           </a:p>
@@ -21057,7 +21041,7 @@
           <a:lstStyle/>
           <a:p>
             <a:r>
-              <a:rPr lang="en-US" dirty="0"/>
+              <a:rPr lang="en-US"/>
               <a:t>Double1</a:t>
             </a:r>
           </a:p>
@@ -21092,10 +21076,10 @@
           <a:lstStyle/>
           <a:p>
             <a:r>
-              <a:rPr lang="en-US" u="sng" dirty="0" err="1"/>
+              <a:rPr lang="en-US" u="sng" err="1"/>
               <a:t>CinfoID</a:t>
             </a:r>
-            <a:endParaRPr lang="en-US" u="sng" dirty="0"/>
+            <a:endParaRPr lang="en-US" u="sng"/>
           </a:p>
         </p:txBody>
       </p:sp>
@@ -21128,11 +21112,11 @@
           <a:lstStyle/>
           <a:p>
             <a:r>
-              <a:rPr lang="en-US" u="sng" dirty="0" err="1"/>
+              <a:rPr lang="en-US" u="sng" err="1"/>
               <a:t>CinfoID</a:t>
             </a:r>
             <a:r>
-              <a:rPr lang="en-US" dirty="0"/>
+              <a:rPr lang="en-US"/>
               <a:t> – PK = Primary Key for this table</a:t>
             </a:r>
           </a:p>
